--- a/quarterly-review/SlrpEV-Quarterly-2022.pptx
+++ b/quarterly-review/SlrpEV-Quarterly-2022.pptx
@@ -278,6 +278,120 @@
     </p:ext>
   </p:extLst>
 </p:presentation>
+</file>
+
+<file path=ppt/revisionInfo.xml><?xml version="1.0" encoding="utf-8"?>
+<p1510:revInfo xmlns:a="http://schemas.openxmlformats.org/drawingml/2006/main" xmlns:r="http://schemas.openxmlformats.org/officeDocument/2006/relationships" xmlns:p1510="http://schemas.microsoft.com/office/powerpoint/2015/10/main">
+  <p1510:revLst>
+    <p1510:client id="{64A3305C-1BFA-7C48-B3F0-039FAE95C60C}" v="2" dt="2022-11-23T23:26:33.166"/>
+  </p1510:revLst>
+</p1510:revInfo>
+</file>
+
+<file path=ppt/changesInfos/changesInfo1.xml><?xml version="1.0" encoding="utf-8"?>
+<pc:chgInfo xmlns:a="http://schemas.openxmlformats.org/drawingml/2006/main" xmlns:r="http://schemas.openxmlformats.org/officeDocument/2006/relationships" xmlns:ac="http://schemas.microsoft.com/office/drawing/2013/main/command" xmlns:pc="http://schemas.microsoft.com/office/powerpoint/2013/main/command">
+  <pc:docChgLst>
+    <pc:chgData name="XU Yifei" userId="e79926bdc9def69f" providerId="LiveId" clId="{64A3305C-1BFA-7C48-B3F0-039FAE95C60C}"/>
+    <pc:docChg chg="undo custSel modSld">
+      <pc:chgData name="XU Yifei" userId="e79926bdc9def69f" providerId="LiveId" clId="{64A3305C-1BFA-7C48-B3F0-039FAE95C60C}" dt="2022-11-23T23:58:10.732" v="41" actId="20577"/>
+      <pc:docMkLst>
+        <pc:docMk/>
+      </pc:docMkLst>
+      <pc:sldChg chg="modSp mod">
+        <pc:chgData name="XU Yifei" userId="e79926bdc9def69f" providerId="LiveId" clId="{64A3305C-1BFA-7C48-B3F0-039FAE95C60C}" dt="2022-11-23T23:29:16.308" v="10" actId="1076"/>
+        <pc:sldMkLst>
+          <pc:docMk/>
+          <pc:sldMk cId="0" sldId="263"/>
+        </pc:sldMkLst>
+        <pc:picChg chg="mod">
+          <ac:chgData name="XU Yifei" userId="e79926bdc9def69f" providerId="LiveId" clId="{64A3305C-1BFA-7C48-B3F0-039FAE95C60C}" dt="2022-11-23T23:29:16.308" v="10" actId="1076"/>
+          <ac:picMkLst>
+            <pc:docMk/>
+            <pc:sldMk cId="0" sldId="263"/>
+            <ac:picMk id="4" creationId="{4DD47ED8-24DB-7414-0739-22F041992015}"/>
+          </ac:picMkLst>
+        </pc:picChg>
+      </pc:sldChg>
+      <pc:sldChg chg="modSp">
+        <pc:chgData name="XU Yifei" userId="e79926bdc9def69f" providerId="LiveId" clId="{64A3305C-1BFA-7C48-B3F0-039FAE95C60C}" dt="2022-11-23T23:26:33.166" v="8" actId="20578"/>
+        <pc:sldMkLst>
+          <pc:docMk/>
+          <pc:sldMk cId="2734509693" sldId="264"/>
+        </pc:sldMkLst>
+        <pc:spChg chg="mod">
+          <ac:chgData name="XU Yifei" userId="e79926bdc9def69f" providerId="LiveId" clId="{64A3305C-1BFA-7C48-B3F0-039FAE95C60C}" dt="2022-11-23T23:26:33.166" v="8" actId="20578"/>
+          <ac:spMkLst>
+            <pc:docMk/>
+            <pc:sldMk cId="2734509693" sldId="264"/>
+            <ac:spMk id="2" creationId="{326BEF82-29CD-7DC8-5B43-0DE5D819E720}"/>
+          </ac:spMkLst>
+        </pc:spChg>
+      </pc:sldChg>
+      <pc:sldChg chg="modSp mod modNotesTx">
+        <pc:chgData name="XU Yifei" userId="e79926bdc9def69f" providerId="LiveId" clId="{64A3305C-1BFA-7C48-B3F0-039FAE95C60C}" dt="2022-11-23T23:58:10.732" v="41" actId="20577"/>
+        <pc:sldMkLst>
+          <pc:docMk/>
+          <pc:sldMk cId="2565784882" sldId="265"/>
+        </pc:sldMkLst>
+        <pc:picChg chg="mod">
+          <ac:chgData name="XU Yifei" userId="e79926bdc9def69f" providerId="LiveId" clId="{64A3305C-1BFA-7C48-B3F0-039FAE95C60C}" dt="2022-11-23T22:35:27.643" v="0" actId="14100"/>
+          <ac:picMkLst>
+            <pc:docMk/>
+            <pc:sldMk cId="2565784882" sldId="265"/>
+            <ac:picMk id="7" creationId="{8F87F913-9E52-15D2-A578-877A424E77CD}"/>
+          </ac:picMkLst>
+        </pc:picChg>
+      </pc:sldChg>
+      <pc:sldChg chg="modSp mod">
+        <pc:chgData name="XU Yifei" userId="e79926bdc9def69f" providerId="LiveId" clId="{64A3305C-1BFA-7C48-B3F0-039FAE95C60C}" dt="2022-11-23T23:43:54.520" v="11" actId="14100"/>
+        <pc:sldMkLst>
+          <pc:docMk/>
+          <pc:sldMk cId="3181187360" sldId="266"/>
+        </pc:sldMkLst>
+        <pc:spChg chg="mod">
+          <ac:chgData name="XU Yifei" userId="e79926bdc9def69f" providerId="LiveId" clId="{64A3305C-1BFA-7C48-B3F0-039FAE95C60C}" dt="2022-11-23T23:43:54.520" v="11" actId="14100"/>
+          <ac:spMkLst>
+            <pc:docMk/>
+            <pc:sldMk cId="3181187360" sldId="266"/>
+            <ac:spMk id="2" creationId="{326BEF82-29CD-7DC8-5B43-0DE5D819E720}"/>
+          </ac:spMkLst>
+        </pc:spChg>
+        <pc:spChg chg="mod">
+          <ac:chgData name="XU Yifei" userId="e79926bdc9def69f" providerId="LiveId" clId="{64A3305C-1BFA-7C48-B3F0-039FAE95C60C}" dt="2022-11-23T22:35:57.504" v="4" actId="1076"/>
+          <ac:spMkLst>
+            <pc:docMk/>
+            <pc:sldMk cId="3181187360" sldId="266"/>
+            <ac:spMk id="8" creationId="{ED44D5F4-5754-49CD-45EF-71610D964B86}"/>
+          </ac:spMkLst>
+        </pc:spChg>
+        <pc:spChg chg="mod">
+          <ac:chgData name="XU Yifei" userId="e79926bdc9def69f" providerId="LiveId" clId="{64A3305C-1BFA-7C48-B3F0-039FAE95C60C}" dt="2022-11-23T22:35:53.001" v="3" actId="1076"/>
+          <ac:spMkLst>
+            <pc:docMk/>
+            <pc:sldMk cId="3181187360" sldId="266"/>
+            <ac:spMk id="9" creationId="{65153A87-69D3-13F3-8F66-EFBCCD085E30}"/>
+          </ac:spMkLst>
+        </pc:spChg>
+        <pc:spChg chg="mod">
+          <ac:chgData name="XU Yifei" userId="e79926bdc9def69f" providerId="LiveId" clId="{64A3305C-1BFA-7C48-B3F0-039FAE95C60C}" dt="2022-11-23T22:35:41.001" v="1" actId="1076"/>
+          <ac:spMkLst>
+            <pc:docMk/>
+            <pc:sldMk cId="3181187360" sldId="266"/>
+            <ac:spMk id="11" creationId="{F87490EE-73C8-C011-6FFA-B9940414FEBB}"/>
+          </ac:spMkLst>
+        </pc:spChg>
+        <pc:spChg chg="mod">
+          <ac:chgData name="XU Yifei" userId="e79926bdc9def69f" providerId="LiveId" clId="{64A3305C-1BFA-7C48-B3F0-039FAE95C60C}" dt="2022-11-23T22:35:46.839" v="2" actId="1076"/>
+          <ac:spMkLst>
+            <pc:docMk/>
+            <pc:sldMk cId="3181187360" sldId="266"/>
+            <ac:spMk id="12" creationId="{F76217C1-AE60-BF13-DA7C-D5AF5E2F7ED4}"/>
+          </ac:spMkLst>
+        </pc:spChg>
+      </pc:sldChg>
+    </pc:docChg>
+  </pc:docChgLst>
+</pc:chgInfo>
 </file>
 
 <file path=ppt/notesMasters/notesMaster1.xml><?xml version="1.0" encoding="utf-8"?>
@@ -1130,7 +1244,39 @@
               </a:spcAft>
               <a:buNone/>
             </a:pPr>
-            <a:endParaRPr/>
+            <a:r>
+              <a:rPr lang="en-US" altLang="zh-CN" dirty="0"/>
+              <a:t>300</a:t>
+            </a:r>
+            <a:r>
+              <a:rPr lang="zh-CN" altLang="en-US" dirty="0"/>
+              <a:t> </a:t>
+            </a:r>
+            <a:r>
+              <a:rPr lang="en-US" dirty="0"/>
+              <a:t>Cent</a:t>
+            </a:r>
+            <a:r>
+              <a:rPr lang="en-US" altLang="zh-CN" dirty="0"/>
+              <a:t>s</a:t>
+            </a:r>
+            <a:r>
+              <a:rPr lang="zh-CN" altLang="en-US" dirty="0"/>
+              <a:t> </a:t>
+            </a:r>
+            <a:r>
+              <a:rPr lang="en-US" altLang="zh-CN" dirty="0"/>
+              <a:t>/</a:t>
+            </a:r>
+            <a:r>
+              <a:rPr lang="zh-CN" altLang="en-US" dirty="0"/>
+              <a:t> </a:t>
+            </a:r>
+            <a:r>
+              <a:rPr lang="en-US" altLang="zh-CN" dirty="0"/>
+              <a:t>kwh.</a:t>
+            </a:r>
+            <a:endParaRPr dirty="0"/>
           </a:p>
         </p:txBody>
       </p:sp>
@@ -9922,8 +10068,8 @@
         </p:blipFill>
         <p:spPr>
           <a:xfrm>
-            <a:off x="5370575" y="755895"/>
-            <a:ext cx="3282104" cy="2508158"/>
+            <a:off x="5460259" y="824431"/>
+            <a:ext cx="3192420" cy="2439622"/>
           </a:xfrm>
           <a:prstGeom prst="rect">
             <a:avLst/>
@@ -9960,8 +10106,8 @@
           </a:prstGeom>
         </p:spPr>
       </p:pic>
-      <mc:AlternateContent xmlns:mc="http://schemas.openxmlformats.org/markup-compatibility/2006">
-        <mc:Choice xmlns:a14="http://schemas.microsoft.com/office/drawing/2010/main" Requires="a14">
+      <mc:AlternateContent xmlns:mc="http://schemas.openxmlformats.org/markup-compatibility/2006" xmlns:a14="http://schemas.microsoft.com/office/drawing/2010/main">
+        <mc:Choice Requires="a14">
           <p:sp>
             <p:nvSpPr>
               <p:cNvPr id="3" name="TextBox 2">
@@ -10185,7 +10331,7 @@
             </p:txBody>
           </p:sp>
         </mc:Choice>
-        <mc:Fallback>
+        <mc:Fallback xmlns="">
           <p:sp>
             <p:nvSpPr>
               <p:cNvPr id="3" name="TextBox 2">
@@ -10384,8 +10530,8 @@
         </p:nvSpPr>
         <p:spPr>
           <a:xfrm>
-            <a:off x="524507" y="3294112"/>
-            <a:ext cx="8411675" cy="707886"/>
+            <a:off x="420625" y="3321302"/>
+            <a:ext cx="8600533" cy="707886"/>
           </a:xfrm>
           <a:prstGeom prst="rect">
             <a:avLst/>
@@ -10412,15 +10558,31 @@
                 <a:latin typeface="Times New Roman" panose="02020603050405020304" pitchFamily="18" charset="0"/>
                 <a:cs typeface="Times New Roman" panose="02020603050405020304" pitchFamily="18" charset="0"/>
               </a:rPr>
-              <a:t>is modeled by tracking the maximum total</a:t>
-            </a:r>
-            <a:r>
-              <a:rPr lang="zh-CN" altLang="en-US" sz="2000" dirty="0">
+              <a:t>is modeled by tracking the </a:t>
+            </a:r>
+            <a:r>
+              <a:rPr lang="en-US" sz="2000" b="1" dirty="0">
                 <a:effectLst/>
                 <a:latin typeface="Times New Roman" panose="02020603050405020304" pitchFamily="18" charset="0"/>
                 <a:cs typeface="Times New Roman" panose="02020603050405020304" pitchFamily="18" charset="0"/>
               </a:rPr>
+              <a:t>maximum total</a:t>
+            </a:r>
+            <a:r>
+              <a:rPr lang="zh-CN" altLang="en-US" sz="2000" b="1" dirty="0">
+                <a:effectLst/>
+                <a:latin typeface="Times New Roman" panose="02020603050405020304" pitchFamily="18" charset="0"/>
+                <a:cs typeface="Times New Roman" panose="02020603050405020304" pitchFamily="18" charset="0"/>
+              </a:rPr>
               <a:t> </a:t>
+            </a:r>
+            <a:r>
+              <a:rPr lang="en-US" sz="2000" b="1" dirty="0">
+                <a:effectLst/>
+                <a:latin typeface="Times New Roman" panose="02020603050405020304" pitchFamily="18" charset="0"/>
+                <a:cs typeface="Times New Roman" panose="02020603050405020304" pitchFamily="18" charset="0"/>
+              </a:rPr>
+              <a:t>power consumption </a:t>
             </a:r>
             <a:r>
               <a:rPr lang="en-US" sz="2000" dirty="0">
@@ -10428,7 +10590,7 @@
                 <a:latin typeface="Times New Roman" panose="02020603050405020304" pitchFamily="18" charset="0"/>
                 <a:cs typeface="Times New Roman" panose="02020603050405020304" pitchFamily="18" charset="0"/>
               </a:rPr>
-              <a:t>power consumption seen up to the current time.</a:t>
+              <a:t>seen up to the current time.</a:t>
             </a:r>
           </a:p>
         </p:txBody>
@@ -10463,8 +10625,8 @@
           </a:prstGeom>
         </p:spPr>
       </p:pic>
-      <mc:AlternateContent xmlns:mc="http://schemas.openxmlformats.org/markup-compatibility/2006">
-        <mc:Choice xmlns:a14="http://schemas.microsoft.com/office/drawing/2010/main" Requires="a14">
+      <mc:AlternateContent xmlns:mc="http://schemas.openxmlformats.org/markup-compatibility/2006" xmlns:a14="http://schemas.microsoft.com/office/drawing/2010/main">
+        <mc:Choice Requires="a14">
           <p:sp>
             <p:nvSpPr>
               <p:cNvPr id="7" name="TextBox 6">
@@ -10742,7 +10904,7 @@
             </p:txBody>
           </p:sp>
         </mc:Choice>
-        <mc:Fallback>
+        <mc:Fallback xmlns="">
           <p:sp>
             <p:nvSpPr>
               <p:cNvPr id="7" name="TextBox 6">
@@ -10806,7 +10968,7 @@
         </p:nvSpPr>
         <p:spPr>
           <a:xfrm>
-            <a:off x="4572000" y="1063052"/>
+            <a:off x="4572000" y="1114312"/>
             <a:ext cx="2589170" cy="369332"/>
           </a:xfrm>
           <a:prstGeom prst="rect">
@@ -10890,7 +11052,7 @@
         </p:nvSpPr>
         <p:spPr>
           <a:xfrm>
-            <a:off x="4572000" y="1624204"/>
+            <a:off x="4572000" y="1655360"/>
             <a:ext cx="2961067" cy="369332"/>
           </a:xfrm>
           <a:prstGeom prst="rect">
@@ -11044,7 +11206,7 @@
         </p:nvSpPr>
         <p:spPr>
           <a:xfrm>
-            <a:off x="4572000" y="2577407"/>
+            <a:off x="4572000" y="2608013"/>
             <a:ext cx="2287806" cy="369332"/>
           </a:xfrm>
           <a:prstGeom prst="rect">
@@ -11114,7 +11276,7 @@
         </p:nvSpPr>
         <p:spPr>
           <a:xfrm>
-            <a:off x="4572000" y="2269900"/>
+            <a:off x="4572000" y="2299458"/>
             <a:ext cx="2313454" cy="369332"/>
           </a:xfrm>
           <a:prstGeom prst="rect">

--- a/quarterly-review/SlrpEV-Quarterly-2022.pptx
+++ b/quarterly-review/SlrpEV-Quarterly-2022.pptx
@@ -5,7 +5,7 @@
     <p:sldMasterId id="2147483661" r:id="rId1"/>
   </p:sldMasterIdLst>
   <p:notesMasterIdLst>
-    <p:notesMasterId r:id="rId7"/>
+    <p:notesMasterId r:id="rId10"/>
   </p:notesMasterIdLst>
   <p:sldIdLst>
     <p:sldId id="256" r:id="rId2"/>
@@ -13,34 +13,37 @@
     <p:sldId id="263" r:id="rId4"/>
     <p:sldId id="265" r:id="rId5"/>
     <p:sldId id="266" r:id="rId6"/>
+    <p:sldId id="267" r:id="rId7"/>
+    <p:sldId id="271" r:id="rId8"/>
+    <p:sldId id="272" r:id="rId9"/>
   </p:sldIdLst>
   <p:sldSz cx="9144000" cy="5143500" type="screen16x9"/>
   <p:notesSz cx="6858000" cy="9144000"/>
   <p:embeddedFontLst>
     <p:embeddedFont>
       <p:font typeface="Cambria Math" panose="02040503050406030204" pitchFamily="18" charset="0"/>
-      <p:regular r:id="rId8"/>
+      <p:regular r:id="rId11"/>
     </p:embeddedFont>
     <p:embeddedFont>
       <p:font typeface="Georgia" panose="02040502050405020303" pitchFamily="18" charset="0"/>
-      <p:regular r:id="rId9"/>
-      <p:bold r:id="rId10"/>
-      <p:italic r:id="rId11"/>
-      <p:boldItalic r:id="rId12"/>
+      <p:regular r:id="rId12"/>
+      <p:bold r:id="rId13"/>
+      <p:italic r:id="rId14"/>
+      <p:boldItalic r:id="rId15"/>
     </p:embeddedFont>
     <p:embeddedFont>
-      <p:font typeface="Lucida Sans" panose="020B0602030504020204" pitchFamily="34" charset="77"/>
-      <p:regular r:id="rId13"/>
-      <p:bold r:id="rId14"/>
-      <p:italic r:id="rId15"/>
-      <p:boldItalic r:id="rId16"/>
+      <p:font typeface="Lucida Sans" panose="020B0602030504020204" pitchFamily="34" charset="0"/>
+      <p:regular r:id="rId16"/>
+      <p:bold r:id="rId17"/>
+      <p:italic r:id="rId18"/>
+      <p:boldItalic r:id="rId19"/>
     </p:embeddedFont>
     <p:embeddedFont>
       <p:font typeface="Open Sans" panose="020B0606030504020204" pitchFamily="34" charset="0"/>
-      <p:regular r:id="rId17"/>
-      <p:bold r:id="rId18"/>
-      <p:italic r:id="rId19"/>
-      <p:boldItalic r:id="rId20"/>
+      <p:regular r:id="rId20"/>
+      <p:bold r:id="rId21"/>
+      <p:italic r:id="rId22"/>
+      <p:boldItalic r:id="rId23"/>
     </p:embeddedFont>
   </p:embeddedFontLst>
   <p:defaultTextStyle>
@@ -283,7 +286,7 @@
 <file path=ppt/revisionInfo.xml><?xml version="1.0" encoding="utf-8"?>
 <p1510:revInfo xmlns:a="http://schemas.openxmlformats.org/drawingml/2006/main" xmlns:r="http://schemas.openxmlformats.org/officeDocument/2006/relationships" xmlns:p1510="http://schemas.microsoft.com/office/powerpoint/2015/10/main">
   <p1510:revLst>
-    <p1510:client id="{64A3305C-1BFA-7C48-B3F0-039FAE95C60C}" v="2" dt="2022-11-23T23:26:33.166"/>
+    <p1510:client id="{3A996F0B-FBBC-4936-AEC2-5284C9CA34CB}" v="24" dt="2022-11-29T21:52:02.315"/>
   </p1510:revLst>
 </p1510:revInfo>
 </file>
@@ -388,6 +391,412 @@
             <ac:spMk id="12" creationId="{F76217C1-AE60-BF13-DA7C-D5AF5E2F7ED4}"/>
           </ac:spMkLst>
         </pc:spChg>
+      </pc:sldChg>
+    </pc:docChg>
+  </pc:docChgLst>
+  <pc:docChgLst>
+    <pc:chgData name="XU Yifei" userId="e79926bdc9def69f" providerId="LiveId" clId="{3A996F0B-FBBC-4936-AEC2-5284C9CA34CB}"/>
+    <pc:docChg chg="undo custSel addSld modSld">
+      <pc:chgData name="XU Yifei" userId="e79926bdc9def69f" providerId="LiveId" clId="{3A996F0B-FBBC-4936-AEC2-5284C9CA34CB}" dt="2022-11-29T21:53:04.595" v="750" actId="14100"/>
+      <pc:docMkLst>
+        <pc:docMk/>
+      </pc:docMkLst>
+      <pc:sldChg chg="addSp delSp modSp add mod">
+        <pc:chgData name="XU Yifei" userId="e79926bdc9def69f" providerId="LiveId" clId="{3A996F0B-FBBC-4936-AEC2-5284C9CA34CB}" dt="2022-11-29T21:31:43.680" v="287" actId="1076"/>
+        <pc:sldMkLst>
+          <pc:docMk/>
+          <pc:sldMk cId="4198273657" sldId="267"/>
+        </pc:sldMkLst>
+        <pc:spChg chg="del mod">
+          <ac:chgData name="XU Yifei" userId="e79926bdc9def69f" providerId="LiveId" clId="{3A996F0B-FBBC-4936-AEC2-5284C9CA34CB}" dt="2022-11-29T21:23:28.359" v="23" actId="478"/>
+          <ac:spMkLst>
+            <pc:docMk/>
+            <pc:sldMk cId="4198273657" sldId="267"/>
+            <ac:spMk id="2" creationId="{326BEF82-29CD-7DC8-5B43-0DE5D819E720}"/>
+          </ac:spMkLst>
+        </pc:spChg>
+        <pc:spChg chg="add del">
+          <ac:chgData name="XU Yifei" userId="e79926bdc9def69f" providerId="LiveId" clId="{3A996F0B-FBBC-4936-AEC2-5284C9CA34CB}" dt="2022-11-29T21:25:55.510" v="125"/>
+          <ac:spMkLst>
+            <pc:docMk/>
+            <pc:sldMk cId="4198273657" sldId="267"/>
+            <ac:spMk id="6" creationId="{43341D3B-280A-805A-DC1B-9D9CE0DB1250}"/>
+          </ac:spMkLst>
+        </pc:spChg>
+        <pc:spChg chg="del">
+          <ac:chgData name="XU Yifei" userId="e79926bdc9def69f" providerId="LiveId" clId="{3A996F0B-FBBC-4936-AEC2-5284C9CA34CB}" dt="2022-11-29T21:23:31.812" v="27" actId="478"/>
+          <ac:spMkLst>
+            <pc:docMk/>
+            <pc:sldMk cId="4198273657" sldId="267"/>
+            <ac:spMk id="7" creationId="{A98F54FD-02BC-4A4C-879E-DE7F2B3842C1}"/>
+          </ac:spMkLst>
+        </pc:spChg>
+        <pc:spChg chg="mod">
+          <ac:chgData name="XU Yifei" userId="e79926bdc9def69f" providerId="LiveId" clId="{3A996F0B-FBBC-4936-AEC2-5284C9CA34CB}" dt="2022-11-29T21:31:43.680" v="287" actId="1076"/>
+          <ac:spMkLst>
+            <pc:docMk/>
+            <pc:sldMk cId="4198273657" sldId="267"/>
+            <ac:spMk id="8" creationId="{ED44D5F4-5754-49CD-45EF-71610D964B86}"/>
+          </ac:spMkLst>
+        </pc:spChg>
+        <pc:spChg chg="del mod">
+          <ac:chgData name="XU Yifei" userId="e79926bdc9def69f" providerId="LiveId" clId="{3A996F0B-FBBC-4936-AEC2-5284C9CA34CB}" dt="2022-11-29T21:23:31.120" v="26" actId="478"/>
+          <ac:spMkLst>
+            <pc:docMk/>
+            <pc:sldMk cId="4198273657" sldId="267"/>
+            <ac:spMk id="9" creationId="{65153A87-69D3-13F3-8F66-EFBCCD085E30}"/>
+          </ac:spMkLst>
+        </pc:spChg>
+        <pc:spChg chg="del">
+          <ac:chgData name="XU Yifei" userId="e79926bdc9def69f" providerId="LiveId" clId="{3A996F0B-FBBC-4936-AEC2-5284C9CA34CB}" dt="2022-11-29T21:23:29.940" v="24" actId="478"/>
+          <ac:spMkLst>
+            <pc:docMk/>
+            <pc:sldMk cId="4198273657" sldId="267"/>
+            <ac:spMk id="10" creationId="{3A1D8785-90BD-12E1-A4CC-B0147F720FEF}"/>
+          </ac:spMkLst>
+        </pc:spChg>
+        <pc:spChg chg="del">
+          <ac:chgData name="XU Yifei" userId="e79926bdc9def69f" providerId="LiveId" clId="{3A996F0B-FBBC-4936-AEC2-5284C9CA34CB}" dt="2022-11-29T21:23:29.940" v="24" actId="478"/>
+          <ac:spMkLst>
+            <pc:docMk/>
+            <pc:sldMk cId="4198273657" sldId="267"/>
+            <ac:spMk id="11" creationId="{F87490EE-73C8-C011-6FFA-B9940414FEBB}"/>
+          </ac:spMkLst>
+        </pc:spChg>
+        <pc:spChg chg="del">
+          <ac:chgData name="XU Yifei" userId="e79926bdc9def69f" providerId="LiveId" clId="{3A996F0B-FBBC-4936-AEC2-5284C9CA34CB}" dt="2022-11-29T21:23:29.940" v="24" actId="478"/>
+          <ac:spMkLst>
+            <pc:docMk/>
+            <pc:sldMk cId="4198273657" sldId="267"/>
+            <ac:spMk id="12" creationId="{F76217C1-AE60-BF13-DA7C-D5AF5E2F7ED4}"/>
+          </ac:spMkLst>
+        </pc:spChg>
+        <pc:spChg chg="add del">
+          <ac:chgData name="XU Yifei" userId="e79926bdc9def69f" providerId="LiveId" clId="{3A996F0B-FBBC-4936-AEC2-5284C9CA34CB}" dt="2022-11-29T21:26:00.599" v="127"/>
+          <ac:spMkLst>
+            <pc:docMk/>
+            <pc:sldMk cId="4198273657" sldId="267"/>
+            <ac:spMk id="13" creationId="{B1839371-BE39-9521-5FA6-D5A2BDF23C5D}"/>
+          </ac:spMkLst>
+        </pc:spChg>
+        <pc:spChg chg="add del">
+          <ac:chgData name="XU Yifei" userId="e79926bdc9def69f" providerId="LiveId" clId="{3A996F0B-FBBC-4936-AEC2-5284C9CA34CB}" dt="2022-11-29T21:28:36.505" v="188"/>
+          <ac:spMkLst>
+            <pc:docMk/>
+            <pc:sldMk cId="4198273657" sldId="267"/>
+            <ac:spMk id="14" creationId="{B7BA70BC-72AD-89BB-9F9B-9E49B23F87F3}"/>
+          </ac:spMkLst>
+        </pc:spChg>
+        <pc:spChg chg="add del">
+          <ac:chgData name="XU Yifei" userId="e79926bdc9def69f" providerId="LiveId" clId="{3A996F0B-FBBC-4936-AEC2-5284C9CA34CB}" dt="2022-11-29T21:28:41.656" v="191"/>
+          <ac:spMkLst>
+            <pc:docMk/>
+            <pc:sldMk cId="4198273657" sldId="267"/>
+            <ac:spMk id="15" creationId="{68DB680E-B418-2754-610D-D9BB94FBACA3}"/>
+          </ac:spMkLst>
+        </pc:spChg>
+        <pc:spChg chg="mod">
+          <ac:chgData name="XU Yifei" userId="e79926bdc9def69f" providerId="LiveId" clId="{3A996F0B-FBBC-4936-AEC2-5284C9CA34CB}" dt="2022-11-29T21:23:22.251" v="20" actId="20577"/>
+          <ac:spMkLst>
+            <pc:docMk/>
+            <pc:sldMk cId="4198273657" sldId="267"/>
+            <ac:spMk id="137" creationId="{00000000-0000-0000-0000-000000000000}"/>
+          </ac:spMkLst>
+        </pc:spChg>
+        <pc:picChg chg="del">
+          <ac:chgData name="XU Yifei" userId="e79926bdc9def69f" providerId="LiveId" clId="{3A996F0B-FBBC-4936-AEC2-5284C9CA34CB}" dt="2022-11-29T21:23:23.794" v="21" actId="478"/>
+          <ac:picMkLst>
+            <pc:docMk/>
+            <pc:sldMk cId="4198273657" sldId="267"/>
+            <ac:picMk id="3" creationId="{5C48B72F-7C30-CE6F-BA0F-A2E21CBE6F99}"/>
+          </ac:picMkLst>
+        </pc:picChg>
+        <pc:picChg chg="add mod">
+          <ac:chgData name="XU Yifei" userId="e79926bdc9def69f" providerId="LiveId" clId="{3A996F0B-FBBC-4936-AEC2-5284C9CA34CB}" dt="2022-11-29T21:24:54.637" v="113" actId="14100"/>
+          <ac:picMkLst>
+            <pc:docMk/>
+            <pc:sldMk cId="4198273657" sldId="267"/>
+            <ac:picMk id="5" creationId="{FEDD7A68-4A07-7036-5C07-3164C7EBFE82}"/>
+          </ac:picMkLst>
+        </pc:picChg>
+      </pc:sldChg>
+      <pc:sldChg chg="addSp delSp modSp add mod">
+        <pc:chgData name="XU Yifei" userId="e79926bdc9def69f" providerId="LiveId" clId="{3A996F0B-FBBC-4936-AEC2-5284C9CA34CB}" dt="2022-11-29T21:53:04.595" v="750" actId="14100"/>
+        <pc:sldMkLst>
+          <pc:docMk/>
+          <pc:sldMk cId="0" sldId="271"/>
+        </pc:sldMkLst>
+        <pc:spChg chg="mod">
+          <ac:chgData name="XU Yifei" userId="e79926bdc9def69f" providerId="LiveId" clId="{3A996F0B-FBBC-4936-AEC2-5284C9CA34CB}" dt="2022-11-29T21:43:50.049" v="301" actId="1076"/>
+          <ac:spMkLst>
+            <pc:docMk/>
+            <pc:sldMk cId="0" sldId="271"/>
+            <ac:spMk id="5" creationId="{00000000-0000-0000-0000-000000000000}"/>
+          </ac:spMkLst>
+        </pc:spChg>
+        <pc:spChg chg="mod">
+          <ac:chgData name="XU Yifei" userId="e79926bdc9def69f" providerId="LiveId" clId="{3A996F0B-FBBC-4936-AEC2-5284C9CA34CB}" dt="2022-11-29T21:43:50.049" v="301" actId="1076"/>
+          <ac:spMkLst>
+            <pc:docMk/>
+            <pc:sldMk cId="0" sldId="271"/>
+            <ac:spMk id="6" creationId="{00000000-0000-0000-0000-000000000000}"/>
+          </ac:spMkLst>
+        </pc:spChg>
+        <pc:spChg chg="mod">
+          <ac:chgData name="XU Yifei" userId="e79926bdc9def69f" providerId="LiveId" clId="{3A996F0B-FBBC-4936-AEC2-5284C9CA34CB}" dt="2022-11-29T21:43:50.049" v="301" actId="1076"/>
+          <ac:spMkLst>
+            <pc:docMk/>
+            <pc:sldMk cId="0" sldId="271"/>
+            <ac:spMk id="7" creationId="{00000000-0000-0000-0000-000000000000}"/>
+          </ac:spMkLst>
+        </pc:spChg>
+        <pc:spChg chg="mod">
+          <ac:chgData name="XU Yifei" userId="e79926bdc9def69f" providerId="LiveId" clId="{3A996F0B-FBBC-4936-AEC2-5284C9CA34CB}" dt="2022-11-29T21:43:50.049" v="301" actId="1076"/>
+          <ac:spMkLst>
+            <pc:docMk/>
+            <pc:sldMk cId="0" sldId="271"/>
+            <ac:spMk id="8" creationId="{00000000-0000-0000-0000-000000000000}"/>
+          </ac:spMkLst>
+        </pc:spChg>
+        <pc:spChg chg="mod">
+          <ac:chgData name="XU Yifei" userId="e79926bdc9def69f" providerId="LiveId" clId="{3A996F0B-FBBC-4936-AEC2-5284C9CA34CB}" dt="2022-11-29T21:43:50.049" v="301" actId="1076"/>
+          <ac:spMkLst>
+            <pc:docMk/>
+            <pc:sldMk cId="0" sldId="271"/>
+            <ac:spMk id="9" creationId="{00000000-0000-0000-0000-000000000000}"/>
+          </ac:spMkLst>
+        </pc:spChg>
+        <pc:spChg chg="mod">
+          <ac:chgData name="XU Yifei" userId="e79926bdc9def69f" providerId="LiveId" clId="{3A996F0B-FBBC-4936-AEC2-5284C9CA34CB}" dt="2022-11-29T21:43:50.049" v="301" actId="1076"/>
+          <ac:spMkLst>
+            <pc:docMk/>
+            <pc:sldMk cId="0" sldId="271"/>
+            <ac:spMk id="10" creationId="{00000000-0000-0000-0000-000000000000}"/>
+          </ac:spMkLst>
+        </pc:spChg>
+        <pc:spChg chg="mod">
+          <ac:chgData name="XU Yifei" userId="e79926bdc9def69f" providerId="LiveId" clId="{3A996F0B-FBBC-4936-AEC2-5284C9CA34CB}" dt="2022-11-29T21:49:17.307" v="607" actId="20577"/>
+          <ac:spMkLst>
+            <pc:docMk/>
+            <pc:sldMk cId="0" sldId="271"/>
+            <ac:spMk id="16" creationId="{00000000-0000-0000-0000-000000000000}"/>
+          </ac:spMkLst>
+        </pc:spChg>
+        <pc:spChg chg="del">
+          <ac:chgData name="XU Yifei" userId="e79926bdc9def69f" providerId="LiveId" clId="{3A996F0B-FBBC-4936-AEC2-5284C9CA34CB}" dt="2022-11-29T21:44:04.204" v="309" actId="478"/>
+          <ac:spMkLst>
+            <pc:docMk/>
+            <pc:sldMk cId="0" sldId="271"/>
+            <ac:spMk id="17" creationId="{00000000-0000-0000-0000-000000000000}"/>
+          </ac:spMkLst>
+        </pc:spChg>
+        <pc:spChg chg="del">
+          <ac:chgData name="XU Yifei" userId="e79926bdc9def69f" providerId="LiveId" clId="{3A996F0B-FBBC-4936-AEC2-5284C9CA34CB}" dt="2022-11-29T21:43:35.602" v="289" actId="478"/>
+          <ac:spMkLst>
+            <pc:docMk/>
+            <pc:sldMk cId="0" sldId="271"/>
+            <ac:spMk id="18" creationId="{00000000-0000-0000-0000-000000000000}"/>
+          </ac:spMkLst>
+        </pc:spChg>
+        <pc:spChg chg="mod">
+          <ac:chgData name="XU Yifei" userId="e79926bdc9def69f" providerId="LiveId" clId="{3A996F0B-FBBC-4936-AEC2-5284C9CA34CB}" dt="2022-11-29T21:48:38.557" v="596" actId="1076"/>
+          <ac:spMkLst>
+            <pc:docMk/>
+            <pc:sldMk cId="0" sldId="271"/>
+            <ac:spMk id="20" creationId="{00000000-0000-0000-0000-000000000000}"/>
+          </ac:spMkLst>
+        </pc:spChg>
+        <pc:spChg chg="mod">
+          <ac:chgData name="XU Yifei" userId="e79926bdc9def69f" providerId="LiveId" clId="{3A996F0B-FBBC-4936-AEC2-5284C9CA34CB}" dt="2022-11-29T21:48:15.688" v="560" actId="20577"/>
+          <ac:spMkLst>
+            <pc:docMk/>
+            <pc:sldMk cId="0" sldId="271"/>
+            <ac:spMk id="21" creationId="{00000000-0000-0000-0000-000000000000}"/>
+          </ac:spMkLst>
+        </pc:spChg>
+        <pc:spChg chg="mod">
+          <ac:chgData name="XU Yifei" userId="e79926bdc9def69f" providerId="LiveId" clId="{3A996F0B-FBBC-4936-AEC2-5284C9CA34CB}" dt="2022-11-29T21:48:55.542" v="599" actId="20577"/>
+          <ac:spMkLst>
+            <pc:docMk/>
+            <pc:sldMk cId="0" sldId="271"/>
+            <ac:spMk id="22" creationId="{00000000-0000-0000-0000-000000000000}"/>
+          </ac:spMkLst>
+        </pc:spChg>
+        <pc:spChg chg="mod">
+          <ac:chgData name="XU Yifei" userId="e79926bdc9def69f" providerId="LiveId" clId="{3A996F0B-FBBC-4936-AEC2-5284C9CA34CB}" dt="2022-11-29T21:43:59.392" v="308" actId="20577"/>
+          <ac:spMkLst>
+            <pc:docMk/>
+            <pc:sldMk cId="0" sldId="271"/>
+            <ac:spMk id="26" creationId="{00000000-0000-0000-0000-000000000000}"/>
+          </ac:spMkLst>
+        </pc:spChg>
+        <pc:spChg chg="add del mod">
+          <ac:chgData name="XU Yifei" userId="e79926bdc9def69f" providerId="LiveId" clId="{3A996F0B-FBBC-4936-AEC2-5284C9CA34CB}" dt="2022-11-29T21:43:38.129" v="291" actId="478"/>
+          <ac:spMkLst>
+            <pc:docMk/>
+            <pc:sldMk cId="0" sldId="271"/>
+            <ac:spMk id="28" creationId="{07EA5A55-93FD-4EDC-D369-548F44E238AE}"/>
+          </ac:spMkLst>
+        </pc:spChg>
+        <pc:spChg chg="add mod">
+          <ac:chgData name="XU Yifei" userId="e79926bdc9def69f" providerId="LiveId" clId="{3A996F0B-FBBC-4936-AEC2-5284C9CA34CB}" dt="2022-11-29T21:43:43.079" v="300" actId="20577"/>
+          <ac:spMkLst>
+            <pc:docMk/>
+            <pc:sldMk cId="0" sldId="271"/>
+            <ac:spMk id="29" creationId="{9552A11E-8A0B-2F6D-DB5B-E7323318EDF4}"/>
+          </ac:spMkLst>
+        </pc:spChg>
+        <pc:spChg chg="add del mod">
+          <ac:chgData name="XU Yifei" userId="e79926bdc9def69f" providerId="LiveId" clId="{3A996F0B-FBBC-4936-AEC2-5284C9CA34CB}" dt="2022-11-29T21:47:24.203" v="535"/>
+          <ac:spMkLst>
+            <pc:docMk/>
+            <pc:sldMk cId="0" sldId="271"/>
+            <ac:spMk id="31" creationId="{B87B188F-744F-EA04-279F-D01A108BC3F6}"/>
+          </ac:spMkLst>
+        </pc:spChg>
+        <pc:spChg chg="add mod">
+          <ac:chgData name="XU Yifei" userId="e79926bdc9def69f" providerId="LiveId" clId="{3A996F0B-FBBC-4936-AEC2-5284C9CA34CB}" dt="2022-11-29T21:47:58.469" v="556" actId="20577"/>
+          <ac:spMkLst>
+            <pc:docMk/>
+            <pc:sldMk cId="0" sldId="271"/>
+            <ac:spMk id="32" creationId="{7693B0D1-289E-5C47-45B7-BA70B222AB8B}"/>
+          </ac:spMkLst>
+        </pc:spChg>
+        <pc:grpChg chg="mod">
+          <ac:chgData name="XU Yifei" userId="e79926bdc9def69f" providerId="LiveId" clId="{3A996F0B-FBBC-4936-AEC2-5284C9CA34CB}" dt="2022-11-29T21:43:50.049" v="301" actId="1076"/>
+          <ac:grpSpMkLst>
+            <pc:docMk/>
+            <pc:sldMk cId="0" sldId="271"/>
+            <ac:grpSpMk id="12" creationId="{00000000-0000-0000-0000-000000000000}"/>
+          </ac:grpSpMkLst>
+        </pc:grpChg>
+        <pc:grpChg chg="mod">
+          <ac:chgData name="XU Yifei" userId="e79926bdc9def69f" providerId="LiveId" clId="{3A996F0B-FBBC-4936-AEC2-5284C9CA34CB}" dt="2022-11-29T21:53:04.595" v="750" actId="14100"/>
+          <ac:grpSpMkLst>
+            <pc:docMk/>
+            <pc:sldMk cId="0" sldId="271"/>
+            <ac:grpSpMk id="23" creationId="{00000000-0000-0000-0000-000000000000}"/>
+          </ac:grpSpMkLst>
+        </pc:grpChg>
+        <pc:graphicFrameChg chg="mod modGraphic">
+          <ac:chgData name="XU Yifei" userId="e79926bdc9def69f" providerId="LiveId" clId="{3A996F0B-FBBC-4936-AEC2-5284C9CA34CB}" dt="2022-11-29T21:45:32.300" v="443" actId="20577"/>
+          <ac:graphicFrameMkLst>
+            <pc:docMk/>
+            <pc:sldMk cId="0" sldId="271"/>
+            <ac:graphicFrameMk id="11" creationId="{00000000-0000-0000-0000-000000000000}"/>
+          </ac:graphicFrameMkLst>
+        </pc:graphicFrameChg>
+        <pc:graphicFrameChg chg="mod modGraphic">
+          <ac:chgData name="XU Yifei" userId="e79926bdc9def69f" providerId="LiveId" clId="{3A996F0B-FBBC-4936-AEC2-5284C9CA34CB}" dt="2022-11-29T21:44:44.438" v="364" actId="21"/>
+          <ac:graphicFrameMkLst>
+            <pc:docMk/>
+            <pc:sldMk cId="0" sldId="271"/>
+            <ac:graphicFrameMk id="19" creationId="{00000000-0000-0000-0000-000000000000}"/>
+          </ac:graphicFrameMkLst>
+        </pc:graphicFrameChg>
+      </pc:sldChg>
+      <pc:sldChg chg="addSp delSp modSp add mod">
+        <pc:chgData name="XU Yifei" userId="e79926bdc9def69f" providerId="LiveId" clId="{3A996F0B-FBBC-4936-AEC2-5284C9CA34CB}" dt="2022-11-29T21:53:00.070" v="749" actId="14100"/>
+        <pc:sldMkLst>
+          <pc:docMk/>
+          <pc:sldMk cId="0" sldId="272"/>
+        </pc:sldMkLst>
+        <pc:spChg chg="mod">
+          <ac:chgData name="XU Yifei" userId="e79926bdc9def69f" providerId="LiveId" clId="{3A996F0B-FBBC-4936-AEC2-5284C9CA34CB}" dt="2022-11-29T21:50:32.591" v="682" actId="1076"/>
+          <ac:spMkLst>
+            <pc:docMk/>
+            <pc:sldMk cId="0" sldId="272"/>
+            <ac:spMk id="16" creationId="{00000000-0000-0000-0000-000000000000}"/>
+          </ac:spMkLst>
+        </pc:spChg>
+        <pc:spChg chg="mod">
+          <ac:chgData name="XU Yifei" userId="e79926bdc9def69f" providerId="LiveId" clId="{3A996F0B-FBBC-4936-AEC2-5284C9CA34CB}" dt="2022-11-29T21:50:09.702" v="635" actId="20577"/>
+          <ac:spMkLst>
+            <pc:docMk/>
+            <pc:sldMk cId="0" sldId="272"/>
+            <ac:spMk id="17" creationId="{00000000-0000-0000-0000-000000000000}"/>
+          </ac:spMkLst>
+        </pc:spChg>
+        <pc:spChg chg="mod">
+          <ac:chgData name="XU Yifei" userId="e79926bdc9def69f" providerId="LiveId" clId="{3A996F0B-FBBC-4936-AEC2-5284C9CA34CB}" dt="2022-11-29T21:50:49.154" v="699" actId="948"/>
+          <ac:spMkLst>
+            <pc:docMk/>
+            <pc:sldMk cId="0" sldId="272"/>
+            <ac:spMk id="18" creationId="{00000000-0000-0000-0000-000000000000}"/>
+          </ac:spMkLst>
+        </pc:spChg>
+        <pc:spChg chg="mod">
+          <ac:chgData name="XU Yifei" userId="e79926bdc9def69f" providerId="LiveId" clId="{3A996F0B-FBBC-4936-AEC2-5284C9CA34CB}" dt="2022-11-29T21:50:03.337" v="633" actId="20577"/>
+          <ac:spMkLst>
+            <pc:docMk/>
+            <pc:sldMk cId="0" sldId="272"/>
+            <ac:spMk id="19" creationId="{00000000-0000-0000-0000-000000000000}"/>
+          </ac:spMkLst>
+        </pc:spChg>
+        <pc:spChg chg="del">
+          <ac:chgData name="XU Yifei" userId="e79926bdc9def69f" providerId="LiveId" clId="{3A996F0B-FBBC-4936-AEC2-5284C9CA34CB}" dt="2022-11-29T21:51:56.407" v="723" actId="478"/>
+          <ac:spMkLst>
+            <pc:docMk/>
+            <pc:sldMk cId="0" sldId="272"/>
+            <ac:spMk id="20" creationId="{00000000-0000-0000-0000-000000000000}"/>
+          </ac:spMkLst>
+        </pc:spChg>
+        <pc:spChg chg="del">
+          <ac:chgData name="XU Yifei" userId="e79926bdc9def69f" providerId="LiveId" clId="{3A996F0B-FBBC-4936-AEC2-5284C9CA34CB}" dt="2022-11-29T21:51:52.731" v="721" actId="478"/>
+          <ac:spMkLst>
+            <pc:docMk/>
+            <pc:sldMk cId="0" sldId="272"/>
+            <ac:spMk id="21" creationId="{00000000-0000-0000-0000-000000000000}"/>
+          </ac:spMkLst>
+        </pc:spChg>
+        <pc:spChg chg="mod">
+          <ac:chgData name="XU Yifei" userId="e79926bdc9def69f" providerId="LiveId" clId="{3A996F0B-FBBC-4936-AEC2-5284C9CA34CB}" dt="2022-11-29T21:51:01.029" v="710" actId="20577"/>
+          <ac:spMkLst>
+            <pc:docMk/>
+            <pc:sldMk cId="0" sldId="272"/>
+            <ac:spMk id="24" creationId="{00000000-0000-0000-0000-000000000000}"/>
+          </ac:spMkLst>
+        </pc:spChg>
+        <pc:spChg chg="mod">
+          <ac:chgData name="XU Yifei" userId="e79926bdc9def69f" providerId="LiveId" clId="{3A996F0B-FBBC-4936-AEC2-5284C9CA34CB}" dt="2022-11-29T21:51:05.170" v="717" actId="20577"/>
+          <ac:spMkLst>
+            <pc:docMk/>
+            <pc:sldMk cId="0" sldId="272"/>
+            <ac:spMk id="25" creationId="{00000000-0000-0000-0000-000000000000}"/>
+          </ac:spMkLst>
+        </pc:spChg>
+        <pc:spChg chg="mod">
+          <ac:chgData name="XU Yifei" userId="e79926bdc9def69f" providerId="LiveId" clId="{3A996F0B-FBBC-4936-AEC2-5284C9CA34CB}" dt="2022-11-29T21:51:11.951" v="720" actId="20577"/>
+          <ac:spMkLst>
+            <pc:docMk/>
+            <pc:sldMk cId="0" sldId="272"/>
+            <ac:spMk id="29" creationId="{00000000-0000-0000-0000-000000000000}"/>
+          </ac:spMkLst>
+        </pc:spChg>
+        <pc:spChg chg="add del mod">
+          <ac:chgData name="XU Yifei" userId="e79926bdc9def69f" providerId="LiveId" clId="{3A996F0B-FBBC-4936-AEC2-5284C9CA34CB}" dt="2022-11-29T21:51:55.141" v="722" actId="478"/>
+          <ac:spMkLst>
+            <pc:docMk/>
+            <pc:sldMk cId="0" sldId="272"/>
+            <ac:spMk id="31" creationId="{444D6489-9400-BCB9-F474-46F43A31115A}"/>
+          </ac:spMkLst>
+        </pc:spChg>
+        <pc:spChg chg="add mod">
+          <ac:chgData name="XU Yifei" userId="e79926bdc9def69f" providerId="LiveId" clId="{3A996F0B-FBBC-4936-AEC2-5284C9CA34CB}" dt="2022-11-29T21:52:07.444" v="748" actId="20577"/>
+          <ac:spMkLst>
+            <pc:docMk/>
+            <pc:sldMk cId="0" sldId="272"/>
+            <ac:spMk id="32" creationId="{9BDC8917-CE29-00C6-1AFA-3356B1565F43}"/>
+          </ac:spMkLst>
+        </pc:spChg>
+        <pc:grpChg chg="mod">
+          <ac:chgData name="XU Yifei" userId="e79926bdc9def69f" providerId="LiveId" clId="{3A996F0B-FBBC-4936-AEC2-5284C9CA34CB}" dt="2022-11-29T21:53:00.070" v="749" actId="14100"/>
+          <ac:grpSpMkLst>
+            <pc:docMk/>
+            <pc:sldMk cId="0" sldId="272"/>
+            <ac:grpSpMk id="26" creationId="{00000000-0000-0000-0000-000000000000}"/>
+          </ac:grpSpMkLst>
+        </pc:grpChg>
       </pc:sldChg>
     </pc:docChg>
   </pc:docChgLst>
@@ -1402,6 +1811,115 @@
 </p:notes>
 </file>
 
+<file path=ppt/notesSlides/notesSlide6.xml><?xml version="1.0" encoding="utf-8"?>
+<p:notes xmlns:a="http://schemas.openxmlformats.org/drawingml/2006/main" xmlns:r="http://schemas.openxmlformats.org/officeDocument/2006/relationships" xmlns:p="http://schemas.openxmlformats.org/presentationml/2006/main" showMasterSp="0" showMasterPhAnim="0">
+  <p:cSld>
+    <p:spTree>
+      <p:nvGrpSpPr>
+        <p:cNvPr id="1" name="Shape 133"/>
+        <p:cNvGrpSpPr/>
+        <p:nvPr/>
+      </p:nvGrpSpPr>
+      <p:grpSpPr>
+        <a:xfrm>
+          <a:off x="0" y="0"/>
+          <a:ext cx="0" cy="0"/>
+          <a:chOff x="0" y="0"/>
+          <a:chExt cx="0" cy="0"/>
+        </a:xfrm>
+      </p:grpSpPr>
+      <p:sp>
+        <p:nvSpPr>
+          <p:cNvPr id="134" name="Google Shape;134;g10d6b42edad_0_336:notes"/>
+          <p:cNvSpPr>
+            <a:spLocks noGrp="1" noRot="1" noChangeAspect="1"/>
+          </p:cNvSpPr>
+          <p:nvPr>
+            <p:ph type="sldImg" idx="2"/>
+          </p:nvPr>
+        </p:nvSpPr>
+        <p:spPr>
+          <a:xfrm>
+            <a:off x="381000" y="685800"/>
+            <a:ext cx="6096000" cy="3429000"/>
+          </a:xfrm>
+          <a:custGeom>
+            <a:avLst/>
+            <a:gdLst/>
+            <a:ahLst/>
+            <a:cxnLst/>
+            <a:rect l="l" t="t" r="r" b="b"/>
+            <a:pathLst>
+              <a:path w="120000" h="120000" extrusionOk="0">
+                <a:moveTo>
+                  <a:pt x="0" y="0"/>
+                </a:moveTo>
+                <a:lnTo>
+                  <a:pt x="120000" y="0"/>
+                </a:lnTo>
+                <a:lnTo>
+                  <a:pt x="120000" y="120000"/>
+                </a:lnTo>
+                <a:lnTo>
+                  <a:pt x="0" y="120000"/>
+                </a:lnTo>
+                <a:close/>
+              </a:path>
+            </a:pathLst>
+          </a:custGeom>
+        </p:spPr>
+      </p:sp>
+      <p:sp>
+        <p:nvSpPr>
+          <p:cNvPr id="135" name="Google Shape;135;g10d6b42edad_0_336:notes"/>
+          <p:cNvSpPr txBox="1">
+            <a:spLocks noGrp="1"/>
+          </p:cNvSpPr>
+          <p:nvPr>
+            <p:ph type="body" idx="1"/>
+          </p:nvPr>
+        </p:nvSpPr>
+        <p:spPr>
+          <a:xfrm>
+            <a:off x="685800" y="4343400"/>
+            <a:ext cx="5486400" cy="4114800"/>
+          </a:xfrm>
+          <a:prstGeom prst="rect">
+            <a:avLst/>
+          </a:prstGeom>
+        </p:spPr>
+        <p:txBody>
+          <a:bodyPr spcFirstLastPara="1" wrap="square" lIns="91425" tIns="91425" rIns="91425" bIns="91425" anchor="t" anchorCtr="0">
+            <a:noAutofit/>
+          </a:bodyPr>
+          <a:lstStyle/>
+          <a:p>
+            <a:pPr marL="0" lvl="0" indent="0" algn="l" rtl="0">
+              <a:spcBef>
+                <a:spcPts val="0"/>
+              </a:spcBef>
+              <a:spcAft>
+                <a:spcPts val="0"/>
+              </a:spcAft>
+              <a:buNone/>
+            </a:pPr>
+            <a:endParaRPr/>
+          </a:p>
+        </p:txBody>
+      </p:sp>
+    </p:spTree>
+    <p:extLst>
+      <p:ext uri="{BB962C8B-B14F-4D97-AF65-F5344CB8AC3E}">
+        <p14:creationId xmlns:p14="http://schemas.microsoft.com/office/powerpoint/2010/main" val="1717995233"/>
+      </p:ext>
+    </p:extLst>
+  </p:cSld>
+  <p:clrMapOvr>
+    <a:masterClrMapping/>
+  </p:clrMapOvr>
+</p:notes>
+</file>
+
 <file path=ppt/slideLayouts/slideLayout1.xml><?xml version="1.0" encoding="utf-8"?>
 <p:sldLayout xmlns:a="http://schemas.openxmlformats.org/drawingml/2006/main" xmlns:r="http://schemas.openxmlformats.org/officeDocument/2006/relationships" xmlns:p="http://schemas.openxmlformats.org/presentationml/2006/main" matchingName="Title slide" type="title">
   <p:cSld name="TITLE">
@@ -3277,6 +3795,195 @@
 </p:sldLayout>
 </file>
 
+<file path=ppt/slideLayouts/slideLayout14.xml><?xml version="1.0" encoding="utf-8"?>
+<p:sldLayout xmlns:a="http://schemas.openxmlformats.org/drawingml/2006/main" xmlns:r="http://schemas.openxmlformats.org/officeDocument/2006/relationships" xmlns:p="http://schemas.openxmlformats.org/presentationml/2006/main" type="obj">
+  <p:cSld name="1_Title and Content">
+    <p:spTree>
+      <p:nvGrpSpPr>
+        <p:cNvPr id="1" name=""/>
+        <p:cNvGrpSpPr/>
+        <p:nvPr/>
+      </p:nvGrpSpPr>
+      <p:grpSpPr>
+        <a:xfrm>
+          <a:off x="0" y="0"/>
+          <a:ext cx="0" cy="0"/>
+          <a:chOff x="0" y="0"/>
+          <a:chExt cx="0" cy="0"/>
+        </a:xfrm>
+      </p:grpSpPr>
+      <p:sp>
+        <p:nvSpPr>
+          <p:cNvPr id="2" name="Holder 2"/>
+          <p:cNvSpPr>
+            <a:spLocks noGrp="1"/>
+          </p:cNvSpPr>
+          <p:nvPr>
+            <p:ph type="title"/>
+          </p:nvPr>
+        </p:nvSpPr>
+        <p:spPr/>
+        <p:txBody>
+          <a:bodyPr lIns="0" tIns="0" rIns="0" bIns="0"/>
+          <a:lstStyle>
+            <a:lvl1pPr>
+              <a:defRPr sz="2800" b="1" i="0">
+                <a:solidFill>
+                  <a:schemeClr val="tx1"/>
+                </a:solidFill>
+                <a:latin typeface="Georgia"/>
+                <a:cs typeface="Georgia"/>
+              </a:defRPr>
+            </a:lvl1pPr>
+          </a:lstStyle>
+          <a:p>
+            <a:endParaRPr/>
+          </a:p>
+        </p:txBody>
+      </p:sp>
+      <p:sp>
+        <p:nvSpPr>
+          <p:cNvPr id="3" name="Holder 3"/>
+          <p:cNvSpPr>
+            <a:spLocks noGrp="1"/>
+          </p:cNvSpPr>
+          <p:nvPr>
+            <p:ph type="body" idx="1"/>
+          </p:nvPr>
+        </p:nvSpPr>
+        <p:spPr/>
+        <p:txBody>
+          <a:bodyPr lIns="0" tIns="0" rIns="0" bIns="0"/>
+          <a:lstStyle>
+            <a:lvl1pPr>
+              <a:defRPr b="0" i="0">
+                <a:solidFill>
+                  <a:schemeClr val="tx1"/>
+                </a:solidFill>
+              </a:defRPr>
+            </a:lvl1pPr>
+          </a:lstStyle>
+          <a:p>
+            <a:endParaRPr/>
+          </a:p>
+        </p:txBody>
+      </p:sp>
+      <p:sp>
+        <p:nvSpPr>
+          <p:cNvPr id="4" name="Holder 4"/>
+          <p:cNvSpPr>
+            <a:spLocks noGrp="1"/>
+          </p:cNvSpPr>
+          <p:nvPr>
+            <p:ph type="ftr" sz="quarter" idx="5"/>
+          </p:nvPr>
+        </p:nvSpPr>
+        <p:spPr/>
+        <p:txBody>
+          <a:bodyPr lIns="0" tIns="0" rIns="0" bIns="0"/>
+          <a:lstStyle>
+            <a:lvl1pPr algn="ctr">
+              <a:defRPr>
+                <a:solidFill>
+                  <a:schemeClr val="tx1">
+                    <a:tint val="75000"/>
+                  </a:schemeClr>
+                </a:solidFill>
+              </a:defRPr>
+            </a:lvl1pPr>
+          </a:lstStyle>
+          <a:p>
+            <a:endParaRPr/>
+          </a:p>
+        </p:txBody>
+      </p:sp>
+      <p:sp>
+        <p:nvSpPr>
+          <p:cNvPr id="5" name="Holder 5"/>
+          <p:cNvSpPr>
+            <a:spLocks noGrp="1"/>
+          </p:cNvSpPr>
+          <p:nvPr>
+            <p:ph type="dt" sz="half" idx="6"/>
+          </p:nvPr>
+        </p:nvSpPr>
+        <p:spPr/>
+        <p:txBody>
+          <a:bodyPr lIns="0" tIns="0" rIns="0" bIns="0"/>
+          <a:lstStyle>
+            <a:lvl1pPr algn="l">
+              <a:defRPr>
+                <a:solidFill>
+                  <a:schemeClr val="tx1">
+                    <a:tint val="75000"/>
+                  </a:schemeClr>
+                </a:solidFill>
+              </a:defRPr>
+            </a:lvl1pPr>
+          </a:lstStyle>
+          <a:p>
+            <a:fld id="{1D8BD707-D9CF-40AE-B4C6-C98DA3205C09}" type="datetimeFigureOut">
+              <a:rPr lang="en-US"/>
+              <a:t>11/29/2022</a:t>
+            </a:fld>
+            <a:endParaRPr lang="en-US"/>
+          </a:p>
+        </p:txBody>
+      </p:sp>
+      <p:sp>
+        <p:nvSpPr>
+          <p:cNvPr id="6" name="Holder 6"/>
+          <p:cNvSpPr>
+            <a:spLocks noGrp="1"/>
+          </p:cNvSpPr>
+          <p:nvPr>
+            <p:ph type="sldNum" sz="quarter" idx="7"/>
+          </p:nvPr>
+        </p:nvSpPr>
+        <p:spPr/>
+        <p:txBody>
+          <a:bodyPr lIns="0" tIns="0" rIns="0" bIns="0"/>
+          <a:lstStyle>
+            <a:lvl1pPr>
+              <a:defRPr sz="1000" b="0" i="0">
+                <a:solidFill>
+                  <a:srgbClr val="595959"/>
+                </a:solidFill>
+                <a:latin typeface="Arial"/>
+                <a:cs typeface="Arial"/>
+              </a:defRPr>
+            </a:lvl1pPr>
+          </a:lstStyle>
+          <a:p>
+            <a:pPr marL="107950">
+              <a:lnSpc>
+                <a:spcPct val="100000"/>
+              </a:lnSpc>
+              <a:spcBef>
+                <a:spcPts val="5"/>
+              </a:spcBef>
+            </a:pPr>
+            <a:fld id="{81D60167-4931-47E6-BA6A-407CBD079E47}" type="slidenum">
+              <a:rPr dirty="0"/>
+              <a:t>‹#›</a:t>
+            </a:fld>
+            <a:endParaRPr dirty="0"/>
+          </a:p>
+        </p:txBody>
+      </p:sp>
+    </p:spTree>
+    <p:extLst>
+      <p:ext uri="{BB962C8B-B14F-4D97-AF65-F5344CB8AC3E}">
+        <p14:creationId xmlns:p14="http://schemas.microsoft.com/office/powerpoint/2010/main" val="311071097"/>
+      </p:ext>
+    </p:extLst>
+  </p:cSld>
+  <p:clrMapOvr>
+    <a:masterClrMapping/>
+  </p:clrMapOvr>
+</p:sldLayout>
+</file>
+
 <file path=ppt/slideLayouts/slideLayout2.xml><?xml version="1.0" encoding="utf-8"?>
 <p:sldLayout xmlns:a="http://schemas.openxmlformats.org/drawingml/2006/main" xmlns:r="http://schemas.openxmlformats.org/officeDocument/2006/relationships" xmlns:p="http://schemas.openxmlformats.org/presentationml/2006/main" matchingName="Section header" type="secHead">
   <p:cSld name="SECTION_HEADER">
@@ -5903,7 +6610,7 @@
     <p:bg>
       <p:bgPr>
         <a:blipFill>
-          <a:blip r:embed="rId15">
+          <a:blip r:embed="rId16">
             <a:alphaModFix/>
           </a:blip>
           <a:stretch>
@@ -6618,6 +7325,7 @@
     <p:sldLayoutId id="2147483658" r:id="rId11"/>
     <p:sldLayoutId id="2147483659" r:id="rId12"/>
     <p:sldLayoutId id="2147483660" r:id="rId13"/>
+    <p:sldLayoutId id="2147483662" r:id="rId14"/>
   </p:sldLayoutIdLst>
   <p:hf hdr="0" ftr="0" dt="0"/>
   <p:txStyles>
@@ -11345,6 +12053,7535 @@
 </p:sld>
 </file>
 
+<file path=ppt/slides/slide6.xml><?xml version="1.0" encoding="utf-8"?>
+<p:sld xmlns:a="http://schemas.openxmlformats.org/drawingml/2006/main" xmlns:r="http://schemas.openxmlformats.org/officeDocument/2006/relationships" xmlns:p="http://schemas.openxmlformats.org/presentationml/2006/main">
+  <p:cSld>
+    <p:spTree>
+      <p:nvGrpSpPr>
+        <p:cNvPr id="1" name="Shape 136"/>
+        <p:cNvGrpSpPr/>
+        <p:nvPr/>
+      </p:nvGrpSpPr>
+      <p:grpSpPr>
+        <a:xfrm>
+          <a:off x="0" y="0"/>
+          <a:ext cx="0" cy="0"/>
+          <a:chOff x="0" y="0"/>
+          <a:chExt cx="0" cy="0"/>
+        </a:xfrm>
+      </p:grpSpPr>
+      <p:sp>
+        <p:nvSpPr>
+          <p:cNvPr id="137" name="Google Shape;137;p22"/>
+          <p:cNvSpPr txBox="1">
+            <a:spLocks noGrp="1"/>
+          </p:cNvSpPr>
+          <p:nvPr>
+            <p:ph type="title"/>
+          </p:nvPr>
+        </p:nvSpPr>
+        <p:spPr>
+          <a:xfrm>
+            <a:off x="311700" y="128000"/>
+            <a:ext cx="8520600" cy="1016700"/>
+          </a:xfrm>
+          <a:prstGeom prst="rect">
+            <a:avLst/>
+          </a:prstGeom>
+        </p:spPr>
+        <p:txBody>
+          <a:bodyPr spcFirstLastPara="1" wrap="square" lIns="91425" tIns="91425" rIns="91425" bIns="91425" anchor="t" anchorCtr="0">
+            <a:noAutofit/>
+          </a:bodyPr>
+          <a:lstStyle/>
+          <a:p>
+            <a:pPr marL="0" lvl="0" indent="0" algn="l" rtl="0">
+              <a:spcBef>
+                <a:spcPts val="0"/>
+              </a:spcBef>
+              <a:spcAft>
+                <a:spcPts val="0"/>
+              </a:spcAft>
+              <a:buClr>
+                <a:schemeClr val="dk1"/>
+              </a:buClr>
+              <a:buSzPts val="1100"/>
+              <a:buFont typeface="Arial"/>
+              <a:buNone/>
+            </a:pPr>
+            <a:r>
+              <a:rPr lang="en-US" altLang="zh-CN" dirty="0"/>
+              <a:t>Numerical Tests</a:t>
+            </a:r>
+            <a:endParaRPr dirty="0"/>
+          </a:p>
+        </p:txBody>
+      </p:sp>
+      <p:sp>
+        <p:nvSpPr>
+          <p:cNvPr id="138" name="Google Shape;138;p22"/>
+          <p:cNvSpPr txBox="1">
+            <a:spLocks noGrp="1"/>
+          </p:cNvSpPr>
+          <p:nvPr>
+            <p:ph type="sldNum" idx="12"/>
+          </p:nvPr>
+        </p:nvSpPr>
+        <p:spPr>
+          <a:xfrm>
+            <a:off x="8472458" y="4663217"/>
+            <a:ext cx="548700" cy="393600"/>
+          </a:xfrm>
+          <a:prstGeom prst="rect">
+            <a:avLst/>
+          </a:prstGeom>
+        </p:spPr>
+        <p:txBody>
+          <a:bodyPr spcFirstLastPara="1" wrap="square" lIns="91425" tIns="91425" rIns="91425" bIns="91425" anchor="ctr" anchorCtr="0">
+            <a:noAutofit/>
+          </a:bodyPr>
+          <a:lstStyle/>
+          <a:p>
+            <a:pPr marL="0" lvl="0" indent="0" algn="r" rtl="0">
+              <a:spcBef>
+                <a:spcPts val="0"/>
+              </a:spcBef>
+              <a:spcAft>
+                <a:spcPts val="0"/>
+              </a:spcAft>
+              <a:buNone/>
+            </a:pPr>
+            <a:fld id="{00000000-1234-1234-1234-123412341234}" type="slidenum">
+              <a:rPr lang="en"/>
+              <a:t>6</a:t>
+            </a:fld>
+            <a:endParaRPr/>
+          </a:p>
+        </p:txBody>
+      </p:sp>
+      <p:sp>
+        <p:nvSpPr>
+          <p:cNvPr id="8" name="TextBox 7">
+            <a:extLst>
+              <a:ext uri="{FF2B5EF4-FFF2-40B4-BE49-F238E27FC236}">
+                <a16:creationId xmlns:a16="http://schemas.microsoft.com/office/drawing/2014/main" id="{ED44D5F4-5754-49CD-45EF-71610D964B86}"/>
+              </a:ext>
+            </a:extLst>
+          </p:cNvPr>
+          <p:cNvSpPr txBox="1"/>
+          <p:nvPr/>
+        </p:nvSpPr>
+        <p:spPr>
+          <a:xfrm>
+            <a:off x="5756261" y="1018905"/>
+            <a:ext cx="3324239" cy="2769989"/>
+          </a:xfrm>
+          <a:prstGeom prst="rect">
+            <a:avLst/>
+          </a:prstGeom>
+          <a:noFill/>
+        </p:spPr>
+        <p:txBody>
+          <a:bodyPr wrap="square" rtlCol="0">
+            <a:spAutoFit/>
+          </a:bodyPr>
+          <a:lstStyle/>
+          <a:p>
+            <a:r>
+              <a:rPr lang="en-US" altLang="zh-CN" sz="1800" b="1" dirty="0">
+                <a:latin typeface="Times New Roman" panose="02020603050405020304" pitchFamily="18" charset="0"/>
+                <a:cs typeface="Times New Roman" panose="02020603050405020304" pitchFamily="18" charset="0"/>
+              </a:rPr>
+              <a:t>Day 1 Simulation Settings</a:t>
+            </a:r>
+          </a:p>
+          <a:p>
+            <a:pPr marL="285750" indent="-285750">
+              <a:spcBef>
+                <a:spcPts val="1200"/>
+              </a:spcBef>
+              <a:buFont typeface="Wingdings" panose="05000000000000000000" pitchFamily="2" charset="2"/>
+              <a:buChar char="q"/>
+            </a:pPr>
+            <a:r>
+              <a:rPr lang="en-US" altLang="zh-CN" sz="1600" dirty="0">
+                <a:latin typeface="Times New Roman" panose="02020603050405020304" pitchFamily="18" charset="0"/>
+                <a:cs typeface="Times New Roman" panose="02020603050405020304" pitchFamily="18" charset="0"/>
+              </a:rPr>
+              <a:t>Demand charge cost: 300(cents/</a:t>
+            </a:r>
+            <a:r>
+              <a:rPr lang="en-US" altLang="zh-CN" sz="1600" i="1" dirty="0">
+                <a:latin typeface="Times New Roman" panose="02020603050405020304" pitchFamily="18" charset="0"/>
+                <a:cs typeface="Times New Roman" panose="02020603050405020304" pitchFamily="18" charset="0"/>
+              </a:rPr>
+              <a:t>kWh</a:t>
+            </a:r>
+            <a:r>
+              <a:rPr lang="en-US" altLang="zh-CN" sz="1600" dirty="0">
+                <a:latin typeface="Times New Roman" panose="02020603050405020304" pitchFamily="18" charset="0"/>
+                <a:cs typeface="Times New Roman" panose="02020603050405020304" pitchFamily="18" charset="0"/>
+              </a:rPr>
+              <a:t>)</a:t>
+            </a:r>
+          </a:p>
+          <a:p>
+            <a:pPr marL="285750" indent="-285750">
+              <a:spcBef>
+                <a:spcPts val="600"/>
+              </a:spcBef>
+              <a:buFont typeface="Wingdings" panose="05000000000000000000" pitchFamily="2" charset="2"/>
+              <a:buChar char="q"/>
+            </a:pPr>
+            <a:r>
+              <a:rPr lang="en-US" altLang="zh-CN" sz="1600" dirty="0">
+                <a:latin typeface="Times New Roman" panose="02020603050405020304" pitchFamily="18" charset="0"/>
+                <a:cs typeface="Times New Roman" panose="02020603050405020304" pitchFamily="18" charset="0"/>
+              </a:rPr>
+              <a:t>Time-of-user Tariff:</a:t>
+            </a:r>
+          </a:p>
+          <a:p>
+            <a:pPr marL="468000" lvl="7" indent="-285750">
+              <a:buFont typeface="Wingdings" panose="05000000000000000000" pitchFamily="2" charset="2"/>
+              <a:buChar char="Ø"/>
+            </a:pPr>
+            <a:r>
+              <a:rPr lang="en-US" altLang="zh-CN" dirty="0">
+                <a:latin typeface="Times New Roman" panose="02020603050405020304" pitchFamily="18" charset="0"/>
+                <a:cs typeface="Times New Roman" panose="02020603050405020304" pitchFamily="18" charset="0"/>
+              </a:rPr>
+              <a:t>Off-peak 0.175  cents / kWh</a:t>
+            </a:r>
+          </a:p>
+          <a:p>
+            <a:pPr marL="468000" lvl="7" indent="-285750">
+              <a:buFont typeface="Wingdings" panose="05000000000000000000" pitchFamily="2" charset="2"/>
+              <a:buChar char="Ø"/>
+            </a:pPr>
+            <a:r>
+              <a:rPr lang="en-US" altLang="zh-CN" dirty="0">
+                <a:latin typeface="Times New Roman" panose="02020603050405020304" pitchFamily="18" charset="0"/>
+                <a:cs typeface="Times New Roman" panose="02020603050405020304" pitchFamily="18" charset="0"/>
+              </a:rPr>
+              <a:t>4 - 9 pm: Peak 0.367 cents / kWh</a:t>
+            </a:r>
+          </a:p>
+          <a:p>
+            <a:pPr marL="468000" lvl="7" indent="-285750">
+              <a:buFont typeface="Wingdings" panose="05000000000000000000" pitchFamily="2" charset="2"/>
+              <a:buChar char="Ø"/>
+            </a:pPr>
+            <a:r>
+              <a:rPr lang="en-US" altLang="zh-CN" dirty="0">
+                <a:latin typeface="Times New Roman" panose="02020603050405020304" pitchFamily="18" charset="0"/>
+                <a:cs typeface="Times New Roman" panose="02020603050405020304" pitchFamily="18" charset="0"/>
+              </a:rPr>
+              <a:t>9 am - 2 pm: super off-peak 0.49 $ / kWh  to cents / kWh</a:t>
+            </a:r>
+          </a:p>
+          <a:p>
+            <a:pPr marL="285750" lvl="4" indent="-285750">
+              <a:spcBef>
+                <a:spcPts val="600"/>
+              </a:spcBef>
+              <a:buFont typeface="Wingdings" panose="05000000000000000000" pitchFamily="2" charset="2"/>
+              <a:buChar char="q"/>
+            </a:pPr>
+            <a:r>
+              <a:rPr lang="en-US" altLang="zh-CN" sz="1600" dirty="0">
+                <a:latin typeface="Times New Roman" panose="02020603050405020304" pitchFamily="18" charset="0"/>
+                <a:cs typeface="Times New Roman" panose="02020603050405020304" pitchFamily="18" charset="0"/>
+              </a:rPr>
+              <a:t>10 Users, in total 260kW·h.</a:t>
+            </a:r>
+          </a:p>
+          <a:p>
+            <a:pPr marL="285750" indent="-285750">
+              <a:buFont typeface="Wingdings" panose="05000000000000000000" pitchFamily="2" charset="2"/>
+              <a:buChar char="q"/>
+            </a:pPr>
+            <a:endParaRPr lang="en-US" altLang="zh-CN" sz="1600" dirty="0">
+              <a:latin typeface="Times New Roman" panose="02020603050405020304" pitchFamily="18" charset="0"/>
+              <a:cs typeface="Times New Roman" panose="02020603050405020304" pitchFamily="18" charset="0"/>
+            </a:endParaRPr>
+          </a:p>
+        </p:txBody>
+      </p:sp>
+      <p:pic>
+        <p:nvPicPr>
+          <p:cNvPr id="5" name="Picture 4">
+            <a:extLst>
+              <a:ext uri="{FF2B5EF4-FFF2-40B4-BE49-F238E27FC236}">
+                <a16:creationId xmlns:a16="http://schemas.microsoft.com/office/drawing/2014/main" id="{FEDD7A68-4A07-7036-5C07-3164C7EBFE82}"/>
+              </a:ext>
+            </a:extLst>
+          </p:cNvPr>
+          <p:cNvPicPr>
+            <a:picLocks noChangeAspect="1"/>
+          </p:cNvPicPr>
+          <p:nvPr/>
+        </p:nvPicPr>
+        <p:blipFill>
+          <a:blip r:embed="rId3"/>
+          <a:stretch>
+            <a:fillRect/>
+          </a:stretch>
+        </p:blipFill>
+        <p:spPr>
+          <a:xfrm>
+            <a:off x="198437" y="969225"/>
+            <a:ext cx="5444561" cy="2869350"/>
+          </a:xfrm>
+          <a:prstGeom prst="rect">
+            <a:avLst/>
+          </a:prstGeom>
+        </p:spPr>
+      </p:pic>
+    </p:spTree>
+    <p:extLst>
+      <p:ext uri="{BB962C8B-B14F-4D97-AF65-F5344CB8AC3E}">
+        <p14:creationId xmlns:p14="http://schemas.microsoft.com/office/powerpoint/2010/main" val="4198273657"/>
+      </p:ext>
+    </p:extLst>
+  </p:cSld>
+  <p:clrMapOvr>
+    <a:masterClrMapping/>
+  </p:clrMapOvr>
+</p:sld>
+</file>
+
+<file path=ppt/slides/slide7.xml><?xml version="1.0" encoding="utf-8"?>
+<p:sld xmlns:a="http://schemas.openxmlformats.org/drawingml/2006/main" xmlns:r="http://schemas.openxmlformats.org/officeDocument/2006/relationships" xmlns:p="http://schemas.openxmlformats.org/presentationml/2006/main">
+  <p:cSld>
+    <p:spTree>
+      <p:nvGrpSpPr>
+        <p:cNvPr id="1" name=""/>
+        <p:cNvGrpSpPr/>
+        <p:nvPr/>
+      </p:nvGrpSpPr>
+      <p:grpSpPr>
+        <a:xfrm>
+          <a:off x="0" y="0"/>
+          <a:ext cx="0" cy="0"/>
+          <a:chOff x="0" y="0"/>
+          <a:chExt cx="0" cy="0"/>
+        </a:xfrm>
+      </p:grpSpPr>
+      <p:grpSp>
+        <p:nvGrpSpPr>
+          <p:cNvPr id="2" name="object 2"/>
+          <p:cNvGrpSpPr/>
+          <p:nvPr/>
+        </p:nvGrpSpPr>
+        <p:grpSpPr>
+          <a:xfrm>
+            <a:off x="6624947" y="126963"/>
+            <a:ext cx="2519680" cy="579755"/>
+            <a:chOff x="6624947" y="126963"/>
+            <a:chExt cx="2519680" cy="579755"/>
+          </a:xfrm>
+        </p:grpSpPr>
+        <p:pic>
+          <p:nvPicPr>
+            <p:cNvPr id="3" name="object 3"/>
+            <p:cNvPicPr/>
+            <p:nvPr/>
+          </p:nvPicPr>
+          <p:blipFill>
+            <a:blip r:embed="rId2" cstate="print"/>
+            <a:stretch>
+              <a:fillRect/>
+            </a:stretch>
+          </p:blipFill>
+          <p:spPr>
+            <a:xfrm>
+              <a:off x="8254502" y="126963"/>
+              <a:ext cx="889497" cy="579337"/>
+            </a:xfrm>
+            <a:prstGeom prst="rect">
+              <a:avLst/>
+            </a:prstGeom>
+          </p:spPr>
+        </p:pic>
+        <p:pic>
+          <p:nvPicPr>
+            <p:cNvPr id="4" name="object 4"/>
+            <p:cNvPicPr/>
+            <p:nvPr/>
+          </p:nvPicPr>
+          <p:blipFill>
+            <a:blip r:embed="rId3" cstate="print"/>
+            <a:stretch>
+              <a:fillRect/>
+            </a:stretch>
+          </p:blipFill>
+          <p:spPr>
+            <a:xfrm>
+              <a:off x="6624947" y="126963"/>
+              <a:ext cx="1738011" cy="579337"/>
+            </a:xfrm>
+            <a:prstGeom prst="rect">
+              <a:avLst/>
+            </a:prstGeom>
+          </p:spPr>
+        </p:pic>
+      </p:grpSp>
+      <p:sp>
+        <p:nvSpPr>
+          <p:cNvPr id="5" name="object 5"/>
+          <p:cNvSpPr/>
+          <p:nvPr/>
+        </p:nvSpPr>
+        <p:spPr>
+          <a:xfrm>
+            <a:off x="66039" y="3749530"/>
+            <a:ext cx="2533015" cy="307975"/>
+          </a:xfrm>
+          <a:custGeom>
+            <a:avLst/>
+            <a:gdLst/>
+            <a:ahLst/>
+            <a:cxnLst/>
+            <a:rect l="l" t="t" r="r" b="b"/>
+            <a:pathLst>
+              <a:path w="2533015" h="307975">
+                <a:moveTo>
+                  <a:pt x="0" y="0"/>
+                </a:moveTo>
+                <a:lnTo>
+                  <a:pt x="2532888" y="0"/>
+                </a:lnTo>
+                <a:lnTo>
+                  <a:pt x="2532888" y="307777"/>
+                </a:lnTo>
+                <a:lnTo>
+                  <a:pt x="0" y="307777"/>
+                </a:lnTo>
+                <a:lnTo>
+                  <a:pt x="0" y="0"/>
+                </a:lnTo>
+                <a:close/>
+              </a:path>
+            </a:pathLst>
+          </a:custGeom>
+          <a:ln w="25400">
+            <a:solidFill>
+              <a:srgbClr val="000000"/>
+            </a:solidFill>
+          </a:ln>
+        </p:spPr>
+        <p:txBody>
+          <a:bodyPr wrap="square" lIns="0" tIns="0" rIns="0" bIns="0" rtlCol="0"/>
+          <a:lstStyle/>
+          <a:p>
+            <a:endParaRPr/>
+          </a:p>
+        </p:txBody>
+      </p:sp>
+      <p:sp>
+        <p:nvSpPr>
+          <p:cNvPr id="6" name="object 6"/>
+          <p:cNvSpPr txBox="1"/>
+          <p:nvPr/>
+        </p:nvSpPr>
+        <p:spPr>
+          <a:xfrm>
+            <a:off x="608583" y="3784091"/>
+            <a:ext cx="1447800" cy="238760"/>
+          </a:xfrm>
+          <a:prstGeom prst="rect">
+            <a:avLst/>
+          </a:prstGeom>
+        </p:spPr>
+        <p:txBody>
+          <a:bodyPr vert="horz" wrap="square" lIns="0" tIns="12700" rIns="0" bIns="0" rtlCol="0">
+            <a:spAutoFit/>
+          </a:bodyPr>
+          <a:lstStyle/>
+          <a:p>
+            <a:pPr marL="12700">
+              <a:lnSpc>
+                <a:spcPct val="100000"/>
+              </a:lnSpc>
+              <a:spcBef>
+                <a:spcPts val="100"/>
+              </a:spcBef>
+            </a:pPr>
+            <a:r>
+              <a:rPr sz="1400" b="1" dirty="0">
+                <a:solidFill>
+                  <a:srgbClr val="FF0000"/>
+                </a:solidFill>
+                <a:latin typeface="Arial"/>
+                <a:cs typeface="Arial"/>
+              </a:rPr>
+              <a:t>Driver’s</a:t>
+            </a:r>
+            <a:r>
+              <a:rPr sz="1400" b="1" spc="-15" dirty="0">
+                <a:solidFill>
+                  <a:srgbClr val="FF0000"/>
+                </a:solidFill>
+                <a:latin typeface="Arial"/>
+                <a:cs typeface="Arial"/>
+              </a:rPr>
+              <a:t> </a:t>
+            </a:r>
+            <a:r>
+              <a:rPr sz="1400" b="1" spc="-10" dirty="0">
+                <a:solidFill>
+                  <a:srgbClr val="FF0000"/>
+                </a:solidFill>
+                <a:latin typeface="Arial"/>
+                <a:cs typeface="Arial"/>
+              </a:rPr>
+              <a:t>Problem</a:t>
+            </a:r>
+            <a:endParaRPr sz="1400">
+              <a:latin typeface="Arial"/>
+              <a:cs typeface="Arial"/>
+            </a:endParaRPr>
+          </a:p>
+        </p:txBody>
+      </p:sp>
+      <p:sp>
+        <p:nvSpPr>
+          <p:cNvPr id="7" name="object 7"/>
+          <p:cNvSpPr/>
+          <p:nvPr/>
+        </p:nvSpPr>
+        <p:spPr>
+          <a:xfrm>
+            <a:off x="3281155" y="3749530"/>
+            <a:ext cx="2531110" cy="307975"/>
+          </a:xfrm>
+          <a:custGeom>
+            <a:avLst/>
+            <a:gdLst/>
+            <a:ahLst/>
+            <a:cxnLst/>
+            <a:rect l="l" t="t" r="r" b="b"/>
+            <a:pathLst>
+              <a:path w="2531110" h="307975">
+                <a:moveTo>
+                  <a:pt x="0" y="0"/>
+                </a:moveTo>
+                <a:lnTo>
+                  <a:pt x="2530890" y="0"/>
+                </a:lnTo>
+                <a:lnTo>
+                  <a:pt x="2530890" y="307777"/>
+                </a:lnTo>
+                <a:lnTo>
+                  <a:pt x="0" y="307777"/>
+                </a:lnTo>
+                <a:lnTo>
+                  <a:pt x="0" y="0"/>
+                </a:lnTo>
+                <a:close/>
+              </a:path>
+            </a:pathLst>
+          </a:custGeom>
+          <a:ln w="25400">
+            <a:solidFill>
+              <a:srgbClr val="000000"/>
+            </a:solidFill>
+          </a:ln>
+        </p:spPr>
+        <p:txBody>
+          <a:bodyPr wrap="square" lIns="0" tIns="0" rIns="0" bIns="0" rtlCol="0"/>
+          <a:lstStyle/>
+          <a:p>
+            <a:endParaRPr/>
+          </a:p>
+        </p:txBody>
+      </p:sp>
+      <p:sp>
+        <p:nvSpPr>
+          <p:cNvPr id="8" name="object 8"/>
+          <p:cNvSpPr txBox="1"/>
+          <p:nvPr/>
+        </p:nvSpPr>
+        <p:spPr>
+          <a:xfrm>
+            <a:off x="3488531" y="3781044"/>
+            <a:ext cx="2117090" cy="238760"/>
+          </a:xfrm>
+          <a:prstGeom prst="rect">
+            <a:avLst/>
+          </a:prstGeom>
+        </p:spPr>
+        <p:txBody>
+          <a:bodyPr vert="horz" wrap="square" lIns="0" tIns="12700" rIns="0" bIns="0" rtlCol="0">
+            <a:spAutoFit/>
+          </a:bodyPr>
+          <a:lstStyle/>
+          <a:p>
+            <a:pPr marL="12700">
+              <a:lnSpc>
+                <a:spcPct val="100000"/>
+              </a:lnSpc>
+              <a:spcBef>
+                <a:spcPts val="100"/>
+              </a:spcBef>
+            </a:pPr>
+            <a:r>
+              <a:rPr sz="1400" b="1" dirty="0">
+                <a:solidFill>
+                  <a:srgbClr val="098585"/>
+                </a:solidFill>
+                <a:latin typeface="Arial"/>
+                <a:cs typeface="Arial"/>
+              </a:rPr>
+              <a:t>Optimization</a:t>
+            </a:r>
+            <a:r>
+              <a:rPr sz="1400" b="1" spc="-60" dirty="0">
+                <a:solidFill>
+                  <a:srgbClr val="098585"/>
+                </a:solidFill>
+                <a:latin typeface="Arial"/>
+                <a:cs typeface="Arial"/>
+              </a:rPr>
+              <a:t> </a:t>
+            </a:r>
+            <a:r>
+              <a:rPr sz="1400" b="1" spc="-10" dirty="0">
+                <a:solidFill>
+                  <a:srgbClr val="098585"/>
+                </a:solidFill>
+                <a:latin typeface="Arial"/>
+                <a:cs typeface="Arial"/>
+              </a:rPr>
+              <a:t>Parameters</a:t>
+            </a:r>
+            <a:endParaRPr sz="1400">
+              <a:latin typeface="Arial"/>
+              <a:cs typeface="Arial"/>
+            </a:endParaRPr>
+          </a:p>
+        </p:txBody>
+      </p:sp>
+      <p:sp>
+        <p:nvSpPr>
+          <p:cNvPr id="9" name="object 9"/>
+          <p:cNvSpPr/>
+          <p:nvPr/>
+        </p:nvSpPr>
+        <p:spPr>
+          <a:xfrm>
+            <a:off x="6466840" y="3749530"/>
+            <a:ext cx="2531110" cy="307975"/>
+          </a:xfrm>
+          <a:custGeom>
+            <a:avLst/>
+            <a:gdLst/>
+            <a:ahLst/>
+            <a:cxnLst/>
+            <a:rect l="l" t="t" r="r" b="b"/>
+            <a:pathLst>
+              <a:path w="2531109" h="307975">
+                <a:moveTo>
+                  <a:pt x="0" y="0"/>
+                </a:moveTo>
+                <a:lnTo>
+                  <a:pt x="2530890" y="0"/>
+                </a:lnTo>
+                <a:lnTo>
+                  <a:pt x="2530890" y="307777"/>
+                </a:lnTo>
+                <a:lnTo>
+                  <a:pt x="0" y="307777"/>
+                </a:lnTo>
+                <a:lnTo>
+                  <a:pt x="0" y="0"/>
+                </a:lnTo>
+                <a:close/>
+              </a:path>
+            </a:pathLst>
+          </a:custGeom>
+          <a:ln w="25400">
+            <a:solidFill>
+              <a:srgbClr val="000000"/>
+            </a:solidFill>
+          </a:ln>
+        </p:spPr>
+        <p:txBody>
+          <a:bodyPr wrap="square" lIns="0" tIns="0" rIns="0" bIns="0" rtlCol="0"/>
+          <a:lstStyle/>
+          <a:p>
+            <a:endParaRPr/>
+          </a:p>
+        </p:txBody>
+      </p:sp>
+      <p:sp>
+        <p:nvSpPr>
+          <p:cNvPr id="10" name="object 10"/>
+          <p:cNvSpPr txBox="1"/>
+          <p:nvPr/>
+        </p:nvSpPr>
+        <p:spPr>
+          <a:xfrm>
+            <a:off x="6931390" y="3781044"/>
+            <a:ext cx="1602740" cy="238760"/>
+          </a:xfrm>
+          <a:prstGeom prst="rect">
+            <a:avLst/>
+          </a:prstGeom>
+        </p:spPr>
+        <p:txBody>
+          <a:bodyPr vert="horz" wrap="square" lIns="0" tIns="12700" rIns="0" bIns="0" rtlCol="0">
+            <a:spAutoFit/>
+          </a:bodyPr>
+          <a:lstStyle/>
+          <a:p>
+            <a:pPr marL="12700">
+              <a:lnSpc>
+                <a:spcPct val="100000"/>
+              </a:lnSpc>
+              <a:spcBef>
+                <a:spcPts val="100"/>
+              </a:spcBef>
+            </a:pPr>
+            <a:r>
+              <a:rPr sz="1400" b="1" dirty="0">
+                <a:solidFill>
+                  <a:srgbClr val="1610FF"/>
+                </a:solidFill>
+                <a:latin typeface="Arial"/>
+                <a:cs typeface="Arial"/>
+              </a:rPr>
+              <a:t>Decision</a:t>
+            </a:r>
+            <a:r>
+              <a:rPr sz="1400" b="1" spc="-45" dirty="0">
+                <a:solidFill>
+                  <a:srgbClr val="1610FF"/>
+                </a:solidFill>
+                <a:latin typeface="Arial"/>
+                <a:cs typeface="Arial"/>
+              </a:rPr>
+              <a:t> </a:t>
+            </a:r>
+            <a:r>
+              <a:rPr sz="1400" b="1" spc="-10" dirty="0">
+                <a:solidFill>
+                  <a:srgbClr val="1610FF"/>
+                </a:solidFill>
+                <a:latin typeface="Arial"/>
+                <a:cs typeface="Arial"/>
+              </a:rPr>
+              <a:t>Variables</a:t>
+            </a:r>
+            <a:endParaRPr sz="1400" dirty="0">
+              <a:latin typeface="Arial"/>
+              <a:cs typeface="Arial"/>
+            </a:endParaRPr>
+          </a:p>
+        </p:txBody>
+      </p:sp>
+      <p:graphicFrame>
+        <p:nvGraphicFramePr>
+          <p:cNvPr id="11" name="object 11"/>
+          <p:cNvGraphicFramePr>
+            <a:graphicFrameLocks noGrp="1"/>
+          </p:cNvGraphicFramePr>
+          <p:nvPr>
+            <p:extLst>
+              <p:ext uri="{D42A27DB-BD31-4B8C-83A1-F6EECF244321}">
+                <p14:modId xmlns:p14="http://schemas.microsoft.com/office/powerpoint/2010/main" val="3196690236"/>
+              </p:ext>
+            </p:extLst>
+          </p:nvPr>
+        </p:nvGraphicFramePr>
+        <p:xfrm>
+          <a:off x="3274393" y="925685"/>
+          <a:ext cx="2533015" cy="2729229"/>
+        </p:xfrm>
+        <a:graphic>
+          <a:graphicData uri="http://schemas.openxmlformats.org/drawingml/2006/table">
+            <a:tbl>
+              <a:tblPr firstRow="1" bandRow="1">
+                <a:tableStyleId>{2D5ABB26-0587-4C30-8999-92F81FD0307C}</a:tableStyleId>
+              </a:tblPr>
+              <a:tblGrid>
+                <a:gridCol w="847090">
+                  <a:extLst>
+                    <a:ext uri="{9D8B030D-6E8A-4147-A177-3AD203B41FA5}">
+                      <a16:colId xmlns:a16="http://schemas.microsoft.com/office/drawing/2014/main" val="20000"/>
+                    </a:ext>
+                  </a:extLst>
+                </a:gridCol>
+                <a:gridCol w="1685925">
+                  <a:extLst>
+                    <a:ext uri="{9D8B030D-6E8A-4147-A177-3AD203B41FA5}">
+                      <a16:colId xmlns:a16="http://schemas.microsoft.com/office/drawing/2014/main" val="20001"/>
+                    </a:ext>
+                  </a:extLst>
+                </a:gridCol>
+              </a:tblGrid>
+              <a:tr h="338455">
+                <a:tc gridSpan="2">
+                  <a:txBody>
+                    <a:bodyPr/>
+                    <a:lstStyle/>
+                    <a:p>
+                      <a:pPr marL="90805">
+                        <a:lnSpc>
+                          <a:spcPct val="100000"/>
+                        </a:lnSpc>
+                        <a:spcBef>
+                          <a:spcPts val="720"/>
+                        </a:spcBef>
+                      </a:pPr>
+                      <a:r>
+                        <a:rPr sz="1000" dirty="0">
+                          <a:solidFill>
+                            <a:srgbClr val="212121"/>
+                          </a:solidFill>
+                          <a:latin typeface="Lucida Sans"/>
+                          <a:cs typeface="Lucida Sans"/>
+                        </a:rPr>
+                        <a:t>Class</a:t>
+                      </a:r>
+                      <a:r>
+                        <a:rPr sz="1000" spc="-20" dirty="0">
+                          <a:solidFill>
+                            <a:srgbClr val="212121"/>
+                          </a:solidFill>
+                          <a:latin typeface="Lucida Sans"/>
+                          <a:cs typeface="Lucida Sans"/>
+                        </a:rPr>
+                        <a:t> </a:t>
+                      </a:r>
+                      <a:r>
+                        <a:rPr sz="1000" i="1" spc="-10" dirty="0">
+                          <a:solidFill>
+                            <a:srgbClr val="212121"/>
+                          </a:solidFill>
+                          <a:latin typeface="Lucida Sans"/>
+                          <a:cs typeface="Lucida Sans"/>
+                        </a:rPr>
+                        <a:t>Parameters</a:t>
+                      </a:r>
+                      <a:endParaRPr sz="1000">
+                        <a:latin typeface="Lucida Sans"/>
+                        <a:cs typeface="Lucida Sans"/>
+                      </a:endParaRPr>
+                    </a:p>
+                  </a:txBody>
+                  <a:tcPr marL="0" marR="0" marT="91440" marB="0">
+                    <a:lnL w="9525">
+                      <a:solidFill>
+                        <a:srgbClr val="098585"/>
+                      </a:solidFill>
+                      <a:prstDash val="solid"/>
+                    </a:lnL>
+                    <a:lnR w="9525">
+                      <a:solidFill>
+                        <a:srgbClr val="098585"/>
+                      </a:solidFill>
+                      <a:prstDash val="solid"/>
+                    </a:lnR>
+                    <a:lnT w="9525">
+                      <a:solidFill>
+                        <a:srgbClr val="098585"/>
+                      </a:solidFill>
+                      <a:prstDash val="solid"/>
+                    </a:lnT>
+                    <a:lnB w="9525">
+                      <a:solidFill>
+                        <a:srgbClr val="098585"/>
+                      </a:solidFill>
+                      <a:prstDash val="solid"/>
+                    </a:lnB>
+                    <a:solidFill>
+                      <a:srgbClr val="098585">
+                        <a:alpha val="30198"/>
+                      </a:srgbClr>
+                    </a:solidFill>
+                  </a:tcPr>
+                </a:tc>
+                <a:tc hMerge="1">
+                  <a:txBody>
+                    <a:bodyPr/>
+                    <a:lstStyle/>
+                    <a:p>
+                      <a:endParaRPr/>
+                    </a:p>
+                  </a:txBody>
+                  <a:tcPr marL="0" marR="0" marT="0" marB="0"/>
+                </a:tc>
+                <a:extLst>
+                  <a:ext uri="{0D108BD9-81ED-4DB2-BD59-A6C34878D82A}">
+                    <a16:rowId xmlns:a16="http://schemas.microsoft.com/office/drawing/2014/main" val="10000"/>
+                  </a:ext>
+                </a:extLst>
+              </a:tr>
+              <a:tr h="235585">
+                <a:tc>
+                  <a:txBody>
+                    <a:bodyPr/>
+                    <a:lstStyle/>
+                    <a:p>
+                      <a:pPr marL="90805">
+                        <a:lnSpc>
+                          <a:spcPts val="1040"/>
+                        </a:lnSpc>
+                        <a:spcBef>
+                          <a:spcPts val="720"/>
+                        </a:spcBef>
+                      </a:pPr>
+                      <a:r>
+                        <a:rPr sz="900" dirty="0">
+                          <a:latin typeface="Lucida Sans"/>
+                          <a:cs typeface="Lucida Sans"/>
+                        </a:rPr>
+                        <a:t>Init </a:t>
+                      </a:r>
+                      <a:r>
+                        <a:rPr sz="900" spc="-50" dirty="0">
+                          <a:latin typeface="Lucida Sans"/>
+                          <a:cs typeface="Lucida Sans"/>
+                        </a:rPr>
+                        <a:t>(</a:t>
+                      </a:r>
+                      <a:endParaRPr sz="900">
+                        <a:latin typeface="Lucida Sans"/>
+                        <a:cs typeface="Lucida Sans"/>
+                      </a:endParaRPr>
+                    </a:p>
+                  </a:txBody>
+                  <a:tcPr marL="0" marR="0" marT="91440" marB="0">
+                    <a:lnL w="9525">
+                      <a:solidFill>
+                        <a:srgbClr val="098585"/>
+                      </a:solidFill>
+                      <a:prstDash val="solid"/>
+                    </a:lnL>
+                    <a:lnT w="9525">
+                      <a:solidFill>
+                        <a:srgbClr val="098585"/>
+                      </a:solidFill>
+                      <a:prstDash val="solid"/>
+                    </a:lnT>
+                    <a:solidFill>
+                      <a:srgbClr val="098585">
+                        <a:alpha val="30198"/>
+                      </a:srgbClr>
+                    </a:solidFill>
+                  </a:tcPr>
+                </a:tc>
+                <a:tc>
+                  <a:txBody>
+                    <a:bodyPr/>
+                    <a:lstStyle/>
+                    <a:p>
+                      <a:pPr>
+                        <a:lnSpc>
+                          <a:spcPct val="100000"/>
+                        </a:lnSpc>
+                      </a:pPr>
+                      <a:endParaRPr sz="900">
+                        <a:latin typeface="Times New Roman"/>
+                        <a:cs typeface="Times New Roman"/>
+                      </a:endParaRPr>
+                    </a:p>
+                  </a:txBody>
+                  <a:tcPr marL="0" marR="0" marT="0" marB="0">
+                    <a:lnR w="9525">
+                      <a:solidFill>
+                        <a:srgbClr val="098585"/>
+                      </a:solidFill>
+                      <a:prstDash val="solid"/>
+                    </a:lnR>
+                    <a:lnT w="9525">
+                      <a:solidFill>
+                        <a:srgbClr val="098585"/>
+                      </a:solidFill>
+                      <a:prstDash val="solid"/>
+                    </a:lnT>
+                    <a:solidFill>
+                      <a:srgbClr val="098585">
+                        <a:alpha val="30198"/>
+                      </a:srgbClr>
+                    </a:solidFill>
+                  </a:tcPr>
+                </a:tc>
+                <a:extLst>
+                  <a:ext uri="{0D108BD9-81ED-4DB2-BD59-A6C34878D82A}">
+                    <a16:rowId xmlns:a16="http://schemas.microsoft.com/office/drawing/2014/main" val="10001"/>
+                  </a:ext>
+                </a:extLst>
+              </a:tr>
+              <a:tr h="132080">
+                <a:tc>
+                  <a:txBody>
+                    <a:bodyPr/>
+                    <a:lstStyle/>
+                    <a:p>
+                      <a:pPr marL="90805">
+                        <a:lnSpc>
+                          <a:spcPts val="944"/>
+                        </a:lnSpc>
+                      </a:pPr>
+                      <a:r>
+                        <a:rPr sz="900" b="1" spc="-25" dirty="0">
+                          <a:latin typeface="Arial"/>
+                          <a:cs typeface="Arial"/>
+                        </a:rPr>
+                        <a:t>z0</a:t>
+                      </a:r>
+                      <a:r>
+                        <a:rPr sz="900" spc="-25" dirty="0">
+                          <a:latin typeface="Arial"/>
+                          <a:cs typeface="Arial"/>
+                        </a:rPr>
+                        <a:t>,</a:t>
+                      </a:r>
+                      <a:endParaRPr sz="900">
+                        <a:latin typeface="Arial"/>
+                        <a:cs typeface="Arial"/>
+                      </a:endParaRPr>
+                    </a:p>
+                  </a:txBody>
+                  <a:tcPr marL="0" marR="0" marT="0" marB="0">
+                    <a:lnL w="9525">
+                      <a:solidFill>
+                        <a:srgbClr val="098585"/>
+                      </a:solidFill>
+                      <a:prstDash val="solid"/>
+                    </a:lnL>
+                    <a:solidFill>
+                      <a:srgbClr val="098585">
+                        <a:alpha val="30198"/>
+                      </a:srgbClr>
+                    </a:solidFill>
+                  </a:tcPr>
+                </a:tc>
+                <a:tc>
+                  <a:txBody>
+                    <a:bodyPr/>
+                    <a:lstStyle/>
+                    <a:p>
+                      <a:pPr marL="158115">
+                        <a:lnSpc>
+                          <a:spcPts val="944"/>
+                        </a:lnSpc>
+                      </a:pPr>
+                      <a:r>
+                        <a:rPr sz="900" dirty="0">
+                          <a:latin typeface="Arial"/>
+                          <a:cs typeface="Arial"/>
+                        </a:rPr>
+                        <a:t>#initial</a:t>
+                      </a:r>
+                      <a:r>
+                        <a:rPr sz="900" spc="-15" dirty="0">
+                          <a:latin typeface="Arial"/>
+                          <a:cs typeface="Arial"/>
+                        </a:rPr>
+                        <a:t> </a:t>
+                      </a:r>
+                      <a:r>
+                        <a:rPr sz="900" dirty="0">
+                          <a:latin typeface="Arial"/>
+                          <a:cs typeface="Arial"/>
+                        </a:rPr>
+                        <a:t>guess</a:t>
+                      </a:r>
+                      <a:r>
+                        <a:rPr sz="900" spc="-10" dirty="0">
+                          <a:latin typeface="Arial"/>
+                          <a:cs typeface="Arial"/>
+                        </a:rPr>
+                        <a:t> </a:t>
+                      </a:r>
+                      <a:r>
+                        <a:rPr sz="900" dirty="0">
+                          <a:latin typeface="Arial"/>
+                          <a:cs typeface="Arial"/>
+                        </a:rPr>
+                        <a:t>of</a:t>
+                      </a:r>
+                      <a:r>
+                        <a:rPr sz="900" spc="-15" dirty="0">
+                          <a:latin typeface="Arial"/>
+                          <a:cs typeface="Arial"/>
+                        </a:rPr>
+                        <a:t> </a:t>
+                      </a:r>
+                      <a:r>
+                        <a:rPr sz="900" dirty="0">
+                          <a:latin typeface="Arial"/>
+                          <a:cs typeface="Arial"/>
+                        </a:rPr>
+                        <a:t>price</a:t>
+                      </a:r>
+                      <a:r>
+                        <a:rPr sz="900" spc="-10" dirty="0">
+                          <a:latin typeface="Arial"/>
+                          <a:cs typeface="Arial"/>
+                        </a:rPr>
+                        <a:t> vector</a:t>
+                      </a:r>
+                      <a:endParaRPr sz="900">
+                        <a:latin typeface="Arial"/>
+                        <a:cs typeface="Arial"/>
+                      </a:endParaRPr>
+                    </a:p>
+                  </a:txBody>
+                  <a:tcPr marL="0" marR="0" marT="0" marB="0">
+                    <a:lnR w="9525">
+                      <a:solidFill>
+                        <a:srgbClr val="098585"/>
+                      </a:solidFill>
+                      <a:prstDash val="solid"/>
+                    </a:lnR>
+                    <a:solidFill>
+                      <a:srgbClr val="098585">
+                        <a:alpha val="30198"/>
+                      </a:srgbClr>
+                    </a:solidFill>
+                  </a:tcPr>
+                </a:tc>
+                <a:extLst>
+                  <a:ext uri="{0D108BD9-81ED-4DB2-BD59-A6C34878D82A}">
+                    <a16:rowId xmlns:a16="http://schemas.microsoft.com/office/drawing/2014/main" val="10002"/>
+                  </a:ext>
+                </a:extLst>
+              </a:tr>
+              <a:tr h="132080">
+                <a:tc>
+                  <a:txBody>
+                    <a:bodyPr/>
+                    <a:lstStyle/>
+                    <a:p>
+                      <a:pPr marL="90805">
+                        <a:lnSpc>
+                          <a:spcPts val="944"/>
+                        </a:lnSpc>
+                      </a:pPr>
+                      <a:r>
+                        <a:rPr sz="900" b="1" spc="-25" dirty="0">
+                          <a:latin typeface="Arial"/>
+                          <a:cs typeface="Arial"/>
+                        </a:rPr>
+                        <a:t>Ts,</a:t>
+                      </a:r>
+                      <a:endParaRPr sz="900">
+                        <a:latin typeface="Arial"/>
+                        <a:cs typeface="Arial"/>
+                      </a:endParaRPr>
+                    </a:p>
+                  </a:txBody>
+                  <a:tcPr marL="0" marR="0" marT="0" marB="0">
+                    <a:lnL w="9525">
+                      <a:solidFill>
+                        <a:srgbClr val="098585"/>
+                      </a:solidFill>
+                      <a:prstDash val="solid"/>
+                    </a:lnL>
+                    <a:solidFill>
+                      <a:srgbClr val="098585">
+                        <a:alpha val="30198"/>
+                      </a:srgbClr>
+                    </a:solidFill>
+                  </a:tcPr>
+                </a:tc>
+                <a:tc>
+                  <a:txBody>
+                    <a:bodyPr/>
+                    <a:lstStyle/>
+                    <a:p>
+                      <a:pPr marL="158115">
+                        <a:lnSpc>
+                          <a:spcPts val="944"/>
+                        </a:lnSpc>
+                      </a:pPr>
+                      <a:r>
+                        <a:rPr sz="900" dirty="0">
+                          <a:latin typeface="Arial"/>
+                          <a:cs typeface="Arial"/>
+                        </a:rPr>
+                        <a:t>#discretization</a:t>
+                      </a:r>
+                      <a:r>
+                        <a:rPr sz="900" spc="-30" dirty="0">
+                          <a:latin typeface="Arial"/>
+                          <a:cs typeface="Arial"/>
+                        </a:rPr>
+                        <a:t> </a:t>
+                      </a:r>
+                      <a:r>
+                        <a:rPr sz="900" spc="-10" dirty="0">
+                          <a:latin typeface="Arial"/>
+                          <a:cs typeface="Arial"/>
+                        </a:rPr>
+                        <a:t>steps</a:t>
+                      </a:r>
+                      <a:endParaRPr sz="900">
+                        <a:latin typeface="Arial"/>
+                        <a:cs typeface="Arial"/>
+                      </a:endParaRPr>
+                    </a:p>
+                  </a:txBody>
+                  <a:tcPr marL="0" marR="0" marT="0" marB="0">
+                    <a:lnR w="9525">
+                      <a:solidFill>
+                        <a:srgbClr val="098585"/>
+                      </a:solidFill>
+                      <a:prstDash val="solid"/>
+                    </a:lnR>
+                    <a:solidFill>
+                      <a:srgbClr val="098585">
+                        <a:alpha val="30198"/>
+                      </a:srgbClr>
+                    </a:solidFill>
+                  </a:tcPr>
+                </a:tc>
+                <a:extLst>
+                  <a:ext uri="{0D108BD9-81ED-4DB2-BD59-A6C34878D82A}">
+                    <a16:rowId xmlns:a16="http://schemas.microsoft.com/office/drawing/2014/main" val="10003"/>
+                  </a:ext>
+                </a:extLst>
+              </a:tr>
+              <a:tr h="139700">
+                <a:tc>
+                  <a:txBody>
+                    <a:bodyPr/>
+                    <a:lstStyle/>
+                    <a:p>
+                      <a:pPr marL="90805">
+                        <a:lnSpc>
+                          <a:spcPts val="1005"/>
+                        </a:lnSpc>
+                      </a:pPr>
+                      <a:r>
+                        <a:rPr sz="900" b="1" spc="-20" dirty="0">
+                          <a:latin typeface="Arial"/>
+                          <a:cs typeface="Arial"/>
+                        </a:rPr>
+                        <a:t>Eff,</a:t>
+                      </a:r>
+                      <a:endParaRPr sz="900">
+                        <a:latin typeface="Arial"/>
+                        <a:cs typeface="Arial"/>
+                      </a:endParaRPr>
+                    </a:p>
+                  </a:txBody>
+                  <a:tcPr marL="0" marR="0" marT="0" marB="0">
+                    <a:lnL w="9525">
+                      <a:solidFill>
+                        <a:srgbClr val="098585"/>
+                      </a:solidFill>
+                      <a:prstDash val="solid"/>
+                    </a:lnL>
+                    <a:solidFill>
+                      <a:srgbClr val="098585">
+                        <a:alpha val="30198"/>
+                      </a:srgbClr>
+                    </a:solidFill>
+                  </a:tcPr>
+                </a:tc>
+                <a:tc>
+                  <a:txBody>
+                    <a:bodyPr/>
+                    <a:lstStyle/>
+                    <a:p>
+                      <a:pPr marL="158115">
+                        <a:lnSpc>
+                          <a:spcPts val="1005"/>
+                        </a:lnSpc>
+                      </a:pPr>
+                      <a:r>
+                        <a:rPr sz="900" dirty="0">
+                          <a:latin typeface="Arial"/>
+                          <a:cs typeface="Arial"/>
+                        </a:rPr>
+                        <a:t>#charging</a:t>
+                      </a:r>
+                      <a:r>
+                        <a:rPr sz="900" spc="-30" dirty="0">
+                          <a:latin typeface="Arial"/>
+                          <a:cs typeface="Arial"/>
+                        </a:rPr>
+                        <a:t> </a:t>
+                      </a:r>
+                      <a:r>
+                        <a:rPr sz="900" spc="-10" dirty="0">
+                          <a:latin typeface="Arial"/>
+                          <a:cs typeface="Arial"/>
+                        </a:rPr>
+                        <a:t>efficiency</a:t>
+                      </a:r>
+                      <a:endParaRPr sz="900">
+                        <a:latin typeface="Arial"/>
+                        <a:cs typeface="Arial"/>
+                      </a:endParaRPr>
+                    </a:p>
+                  </a:txBody>
+                  <a:tcPr marL="0" marR="0" marT="0" marB="0">
+                    <a:lnR w="9525">
+                      <a:solidFill>
+                        <a:srgbClr val="098585"/>
+                      </a:solidFill>
+                      <a:prstDash val="solid"/>
+                    </a:lnR>
+                    <a:solidFill>
+                      <a:srgbClr val="098585">
+                        <a:alpha val="30198"/>
+                      </a:srgbClr>
+                    </a:solidFill>
+                  </a:tcPr>
+                </a:tc>
+                <a:extLst>
+                  <a:ext uri="{0D108BD9-81ED-4DB2-BD59-A6C34878D82A}">
+                    <a16:rowId xmlns:a16="http://schemas.microsoft.com/office/drawing/2014/main" val="10004"/>
+                  </a:ext>
+                </a:extLst>
+              </a:tr>
+              <a:tr h="139700">
+                <a:tc>
+                  <a:txBody>
+                    <a:bodyPr/>
+                    <a:lstStyle/>
+                    <a:p>
+                      <a:pPr marL="90805">
+                        <a:lnSpc>
+                          <a:spcPts val="1005"/>
+                        </a:lnSpc>
+                      </a:pPr>
+                      <a:r>
+                        <a:rPr sz="900" b="1" spc="-10" dirty="0">
+                          <a:latin typeface="Arial"/>
+                          <a:cs typeface="Arial"/>
+                        </a:rPr>
+                        <a:t>soft_v_eta</a:t>
+                      </a:r>
+                      <a:r>
+                        <a:rPr sz="900" spc="-10" dirty="0">
+                          <a:latin typeface="Arial"/>
+                          <a:cs typeface="Arial"/>
+                        </a:rPr>
+                        <a:t>,</a:t>
+                      </a:r>
+                      <a:endParaRPr sz="900" dirty="0">
+                        <a:latin typeface="Arial"/>
+                        <a:cs typeface="Arial"/>
+                      </a:endParaRPr>
+                    </a:p>
+                  </a:txBody>
+                  <a:tcPr marL="0" marR="0" marT="0" marB="0">
+                    <a:lnL w="9525">
+                      <a:solidFill>
+                        <a:srgbClr val="098585"/>
+                      </a:solidFill>
+                      <a:prstDash val="solid"/>
+                    </a:lnL>
+                    <a:solidFill>
+                      <a:srgbClr val="098585">
+                        <a:alpha val="30198"/>
+                      </a:srgbClr>
+                    </a:solidFill>
+                  </a:tcPr>
+                </a:tc>
+                <a:tc>
+                  <a:txBody>
+                    <a:bodyPr/>
+                    <a:lstStyle/>
+                    <a:p>
+                      <a:pPr marL="158115">
+                        <a:lnSpc>
+                          <a:spcPts val="1005"/>
+                        </a:lnSpc>
+                      </a:pPr>
+                      <a:r>
+                        <a:rPr sz="900" dirty="0">
+                          <a:latin typeface="Arial"/>
+                          <a:cs typeface="Arial"/>
+                        </a:rPr>
+                        <a:t>#fenchel</a:t>
+                      </a:r>
+                      <a:r>
+                        <a:rPr sz="900" spc="-40" dirty="0">
+                          <a:latin typeface="Arial"/>
+                          <a:cs typeface="Arial"/>
+                        </a:rPr>
+                        <a:t> </a:t>
+                      </a:r>
+                      <a:r>
+                        <a:rPr sz="900" spc="-10" dirty="0">
+                          <a:latin typeface="Arial"/>
+                          <a:cs typeface="Arial"/>
+                        </a:rPr>
+                        <a:t>transform</a:t>
+                      </a:r>
+                      <a:endParaRPr sz="900">
+                        <a:latin typeface="Arial"/>
+                        <a:cs typeface="Arial"/>
+                      </a:endParaRPr>
+                    </a:p>
+                  </a:txBody>
+                  <a:tcPr marL="0" marR="0" marT="0" marB="0">
+                    <a:lnR w="9525">
+                      <a:solidFill>
+                        <a:srgbClr val="098585"/>
+                      </a:solidFill>
+                      <a:prstDash val="solid"/>
+                    </a:lnR>
+                    <a:solidFill>
+                      <a:srgbClr val="098585">
+                        <a:alpha val="30198"/>
+                      </a:srgbClr>
+                    </a:solidFill>
+                  </a:tcPr>
+                </a:tc>
+                <a:extLst>
+                  <a:ext uri="{0D108BD9-81ED-4DB2-BD59-A6C34878D82A}">
+                    <a16:rowId xmlns:a16="http://schemas.microsoft.com/office/drawing/2014/main" val="10005"/>
+                  </a:ext>
+                </a:extLst>
+              </a:tr>
+              <a:tr h="139700">
+                <a:tc>
+                  <a:txBody>
+                    <a:bodyPr/>
+                    <a:lstStyle/>
+                    <a:p>
+                      <a:pPr marL="90805">
+                        <a:lnSpc>
+                          <a:spcPts val="1005"/>
+                        </a:lnSpc>
+                      </a:pPr>
+                      <a:r>
+                        <a:rPr sz="900" b="1" spc="-10" dirty="0">
+                          <a:latin typeface="Arial"/>
+                          <a:cs typeface="Arial"/>
+                        </a:rPr>
+                        <a:t>opt_eps</a:t>
+                      </a:r>
+                      <a:r>
+                        <a:rPr sz="900" spc="-10" dirty="0">
+                          <a:latin typeface="Arial"/>
+                          <a:cs typeface="Arial"/>
+                        </a:rPr>
+                        <a:t>,</a:t>
+                      </a:r>
+                      <a:endParaRPr sz="900">
+                        <a:latin typeface="Arial"/>
+                        <a:cs typeface="Arial"/>
+                      </a:endParaRPr>
+                    </a:p>
+                  </a:txBody>
+                  <a:tcPr marL="0" marR="0" marT="0" marB="0">
+                    <a:lnL w="9525">
+                      <a:solidFill>
+                        <a:srgbClr val="098585"/>
+                      </a:solidFill>
+                      <a:prstDash val="solid"/>
+                    </a:lnL>
+                    <a:solidFill>
+                      <a:srgbClr val="098585">
+                        <a:alpha val="30198"/>
+                      </a:srgbClr>
+                    </a:solidFill>
+                  </a:tcPr>
+                </a:tc>
+                <a:tc>
+                  <a:txBody>
+                    <a:bodyPr/>
+                    <a:lstStyle/>
+                    <a:p>
+                      <a:pPr marL="158115">
+                        <a:lnSpc>
+                          <a:spcPts val="1005"/>
+                        </a:lnSpc>
+                      </a:pPr>
+                      <a:r>
+                        <a:rPr sz="900" dirty="0">
+                          <a:latin typeface="Arial"/>
+                          <a:cs typeface="Arial"/>
+                        </a:rPr>
+                        <a:t>#stopping</a:t>
+                      </a:r>
+                      <a:r>
+                        <a:rPr sz="900" spc="-35" dirty="0">
+                          <a:latin typeface="Arial"/>
+                          <a:cs typeface="Arial"/>
+                        </a:rPr>
+                        <a:t> </a:t>
+                      </a:r>
+                      <a:r>
+                        <a:rPr sz="900" spc="-10" dirty="0">
+                          <a:latin typeface="Arial"/>
+                          <a:cs typeface="Arial"/>
+                        </a:rPr>
+                        <a:t>criteria</a:t>
+                      </a:r>
+                      <a:endParaRPr sz="900">
+                        <a:latin typeface="Arial"/>
+                        <a:cs typeface="Arial"/>
+                      </a:endParaRPr>
+                    </a:p>
+                  </a:txBody>
+                  <a:tcPr marL="0" marR="0" marT="0" marB="0">
+                    <a:lnR w="9525">
+                      <a:solidFill>
+                        <a:srgbClr val="098585"/>
+                      </a:solidFill>
+                      <a:prstDash val="solid"/>
+                    </a:lnR>
+                    <a:solidFill>
+                      <a:srgbClr val="098585">
+                        <a:alpha val="30198"/>
+                      </a:srgbClr>
+                    </a:solidFill>
+                  </a:tcPr>
+                </a:tc>
+                <a:extLst>
+                  <a:ext uri="{0D108BD9-81ED-4DB2-BD59-A6C34878D82A}">
+                    <a16:rowId xmlns:a16="http://schemas.microsoft.com/office/drawing/2014/main" val="10006"/>
+                  </a:ext>
+                </a:extLst>
+              </a:tr>
+              <a:tr h="132080">
+                <a:tc>
+                  <a:txBody>
+                    <a:bodyPr/>
+                    <a:lstStyle/>
+                    <a:p>
+                      <a:pPr marL="90805">
+                        <a:lnSpc>
+                          <a:spcPts val="944"/>
+                        </a:lnSpc>
+                      </a:pPr>
+                      <a:r>
+                        <a:rPr sz="900" b="1" spc="-20" dirty="0">
+                          <a:latin typeface="Arial"/>
+                          <a:cs typeface="Arial"/>
+                        </a:rPr>
+                        <a:t>TOU</a:t>
+                      </a:r>
+                      <a:r>
+                        <a:rPr sz="900" spc="-20" dirty="0">
+                          <a:latin typeface="Arial"/>
+                          <a:cs typeface="Arial"/>
+                        </a:rPr>
+                        <a:t>,</a:t>
+                      </a:r>
+                      <a:endParaRPr sz="900" dirty="0">
+                        <a:latin typeface="Arial"/>
+                        <a:cs typeface="Arial"/>
+                      </a:endParaRPr>
+                    </a:p>
+                  </a:txBody>
+                  <a:tcPr marL="0" marR="0" marT="0" marB="0">
+                    <a:lnL w="9525">
+                      <a:solidFill>
+                        <a:srgbClr val="098585"/>
+                      </a:solidFill>
+                      <a:prstDash val="solid"/>
+                    </a:lnL>
+                    <a:solidFill>
+                      <a:srgbClr val="098585">
+                        <a:alpha val="30198"/>
+                      </a:srgbClr>
+                    </a:solidFill>
+                  </a:tcPr>
+                </a:tc>
+                <a:tc>
+                  <a:txBody>
+                    <a:bodyPr/>
+                    <a:lstStyle/>
+                    <a:p>
+                      <a:pPr marL="158115">
+                        <a:lnSpc>
+                          <a:spcPts val="944"/>
+                        </a:lnSpc>
+                      </a:pPr>
+                      <a:r>
+                        <a:rPr sz="900" dirty="0">
+                          <a:latin typeface="Arial"/>
+                          <a:cs typeface="Arial"/>
+                        </a:rPr>
+                        <a:t>#time</a:t>
+                      </a:r>
+                      <a:r>
+                        <a:rPr sz="900" spc="-15" dirty="0">
+                          <a:latin typeface="Arial"/>
+                          <a:cs typeface="Arial"/>
+                        </a:rPr>
+                        <a:t> </a:t>
+                      </a:r>
+                      <a:r>
+                        <a:rPr sz="900" dirty="0">
+                          <a:latin typeface="Arial"/>
+                          <a:cs typeface="Arial"/>
+                        </a:rPr>
+                        <a:t>of</a:t>
+                      </a:r>
+                      <a:r>
+                        <a:rPr sz="900" spc="-10" dirty="0">
+                          <a:latin typeface="Arial"/>
+                          <a:cs typeface="Arial"/>
+                        </a:rPr>
+                        <a:t> </a:t>
+                      </a:r>
+                      <a:r>
+                        <a:rPr sz="900" dirty="0">
+                          <a:latin typeface="Arial"/>
+                          <a:cs typeface="Arial"/>
+                        </a:rPr>
+                        <a:t>use</a:t>
+                      </a:r>
+                      <a:r>
+                        <a:rPr sz="900" spc="-15" dirty="0">
+                          <a:latin typeface="Arial"/>
+                          <a:cs typeface="Arial"/>
+                        </a:rPr>
+                        <a:t> </a:t>
+                      </a:r>
+                      <a:r>
+                        <a:rPr sz="900" dirty="0">
+                          <a:latin typeface="Arial"/>
+                          <a:cs typeface="Arial"/>
+                        </a:rPr>
+                        <a:t>electricity</a:t>
+                      </a:r>
+                      <a:r>
+                        <a:rPr sz="900" spc="-5" dirty="0">
+                          <a:latin typeface="Arial"/>
+                          <a:cs typeface="Arial"/>
+                        </a:rPr>
+                        <a:t> </a:t>
+                      </a:r>
+                      <a:r>
+                        <a:rPr sz="900" spc="-20" dirty="0">
+                          <a:latin typeface="Arial"/>
+                          <a:cs typeface="Arial"/>
+                        </a:rPr>
+                        <a:t>rate</a:t>
+                      </a:r>
+                      <a:endParaRPr sz="900" dirty="0">
+                        <a:latin typeface="Arial"/>
+                        <a:cs typeface="Arial"/>
+                      </a:endParaRPr>
+                    </a:p>
+                  </a:txBody>
+                  <a:tcPr marL="0" marR="0" marT="0" marB="0">
+                    <a:lnR w="9525">
+                      <a:solidFill>
+                        <a:srgbClr val="098585"/>
+                      </a:solidFill>
+                      <a:prstDash val="solid"/>
+                    </a:lnR>
+                    <a:solidFill>
+                      <a:srgbClr val="098585">
+                        <a:alpha val="30198"/>
+                      </a:srgbClr>
+                    </a:solidFill>
+                  </a:tcPr>
+                </a:tc>
+                <a:extLst>
+                  <a:ext uri="{0D108BD9-81ED-4DB2-BD59-A6C34878D82A}">
+                    <a16:rowId xmlns:a16="http://schemas.microsoft.com/office/drawing/2014/main" val="10007"/>
+                  </a:ext>
+                </a:extLst>
+              </a:tr>
+              <a:tr h="360680">
+                <a:tc>
+                  <a:txBody>
+                    <a:bodyPr/>
+                    <a:lstStyle/>
+                    <a:p>
+                      <a:pPr marL="90805">
+                        <a:lnSpc>
+                          <a:spcPts val="985"/>
+                        </a:lnSpc>
+                      </a:pPr>
+                      <a:r>
+                        <a:rPr lang="en-US" sz="900" b="1" i="0" u="none" strike="noStrike" cap="none" spc="-10" dirty="0" err="1">
+                          <a:solidFill>
+                            <a:schemeClr val="tx1"/>
+                          </a:solidFill>
+                          <a:latin typeface="Arial"/>
+                          <a:ea typeface="+mn-ea"/>
+                          <a:cs typeface="Arial"/>
+                          <a:sym typeface="Arial"/>
+                        </a:rPr>
+                        <a:t>Cost_dc</a:t>
+                      </a:r>
+                      <a:endParaRPr lang="en-US" sz="900" b="1" i="0" u="none" strike="noStrike" cap="none" spc="-10" dirty="0">
+                        <a:solidFill>
+                          <a:schemeClr val="tx1"/>
+                        </a:solidFill>
+                        <a:latin typeface="Arial"/>
+                        <a:ea typeface="+mn-ea"/>
+                        <a:cs typeface="Arial"/>
+                        <a:sym typeface="Arial"/>
+                      </a:endParaRPr>
+                    </a:p>
+                    <a:p>
+                      <a:pPr marL="90805">
+                        <a:lnSpc>
+                          <a:spcPts val="985"/>
+                        </a:lnSpc>
+                      </a:pPr>
+                      <a:r>
+                        <a:rPr sz="900" dirty="0">
+                          <a:latin typeface="Arial"/>
+                          <a:cs typeface="Arial"/>
+                        </a:rPr>
+                        <a:t>)</a:t>
+                      </a:r>
+                    </a:p>
+                  </a:txBody>
+                  <a:tcPr marL="0" marR="0" marT="0" marB="0">
+                    <a:lnL w="9525">
+                      <a:solidFill>
+                        <a:srgbClr val="098585"/>
+                      </a:solidFill>
+                      <a:prstDash val="solid"/>
+                    </a:lnL>
+                    <a:lnB w="9525">
+                      <a:solidFill>
+                        <a:srgbClr val="098585"/>
+                      </a:solidFill>
+                      <a:prstDash val="solid"/>
+                    </a:lnB>
+                    <a:solidFill>
+                      <a:srgbClr val="098585">
+                        <a:alpha val="30198"/>
+                      </a:srgbClr>
+                    </a:solidFill>
+                  </a:tcPr>
+                </a:tc>
+                <a:tc>
+                  <a:txBody>
+                    <a:bodyPr/>
+                    <a:lstStyle/>
+                    <a:p>
+                      <a:pPr marL="158115" marR="0" algn="l" rtl="0">
+                        <a:lnSpc>
+                          <a:spcPts val="944"/>
+                        </a:lnSpc>
+                        <a:spcBef>
+                          <a:spcPts val="0"/>
+                        </a:spcBef>
+                        <a:spcAft>
+                          <a:spcPts val="0"/>
+                        </a:spcAft>
+                        <a:buClr>
+                          <a:srgbClr val="000000"/>
+                        </a:buClr>
+                        <a:buFont typeface="Arial"/>
+                      </a:pPr>
+                      <a:r>
+                        <a:rPr lang="en-US" sz="900" b="0" i="0" u="none" strike="noStrike" cap="none" dirty="0">
+                          <a:solidFill>
+                            <a:schemeClr val="tx1"/>
+                          </a:solidFill>
+                          <a:latin typeface="Arial"/>
+                          <a:ea typeface="+mn-ea"/>
+                          <a:cs typeface="Arial"/>
+                          <a:sym typeface="Arial"/>
+                        </a:rPr>
+                        <a:t>#demand charge rate</a:t>
+                      </a:r>
+                      <a:endParaRPr sz="900" b="0" i="0" u="none" strike="noStrike" cap="none" dirty="0">
+                        <a:solidFill>
+                          <a:schemeClr val="tx1"/>
+                        </a:solidFill>
+                        <a:latin typeface="Arial"/>
+                        <a:ea typeface="+mn-ea"/>
+                        <a:cs typeface="Arial"/>
+                        <a:sym typeface="Arial"/>
+                      </a:endParaRPr>
+                    </a:p>
+                  </a:txBody>
+                  <a:tcPr marL="0" marR="0" marT="0" marB="0">
+                    <a:lnR w="9525">
+                      <a:solidFill>
+                        <a:srgbClr val="098585"/>
+                      </a:solidFill>
+                      <a:prstDash val="solid"/>
+                    </a:lnR>
+                    <a:lnB w="9525">
+                      <a:solidFill>
+                        <a:srgbClr val="098585"/>
+                      </a:solidFill>
+                      <a:prstDash val="solid"/>
+                    </a:lnB>
+                    <a:solidFill>
+                      <a:srgbClr val="098585">
+                        <a:alpha val="30198"/>
+                      </a:srgbClr>
+                    </a:solidFill>
+                  </a:tcPr>
+                </a:tc>
+                <a:extLst>
+                  <a:ext uri="{0D108BD9-81ED-4DB2-BD59-A6C34878D82A}">
+                    <a16:rowId xmlns:a16="http://schemas.microsoft.com/office/drawing/2014/main" val="10008"/>
+                  </a:ext>
+                </a:extLst>
+              </a:tr>
+              <a:tr h="979169">
+                <a:tc gridSpan="2">
+                  <a:txBody>
+                    <a:bodyPr/>
+                    <a:lstStyle/>
+                    <a:p>
+                      <a:pPr>
+                        <a:lnSpc>
+                          <a:spcPct val="100000"/>
+                        </a:lnSpc>
+                      </a:pPr>
+                      <a:endParaRPr sz="900" dirty="0">
+                        <a:latin typeface="Times New Roman"/>
+                        <a:cs typeface="Times New Roman"/>
+                      </a:endParaRPr>
+                    </a:p>
+                  </a:txBody>
+                  <a:tcPr marL="0" marR="0" marT="0" marB="0">
+                    <a:lnL w="9525">
+                      <a:solidFill>
+                        <a:srgbClr val="098585"/>
+                      </a:solidFill>
+                      <a:prstDash val="solid"/>
+                    </a:lnL>
+                    <a:lnR w="9525">
+                      <a:solidFill>
+                        <a:srgbClr val="098585"/>
+                      </a:solidFill>
+                      <a:prstDash val="solid"/>
+                    </a:lnR>
+                    <a:lnT w="9525">
+                      <a:solidFill>
+                        <a:srgbClr val="098585"/>
+                      </a:solidFill>
+                      <a:prstDash val="solid"/>
+                    </a:lnT>
+                    <a:lnB w="9525">
+                      <a:solidFill>
+                        <a:srgbClr val="098585"/>
+                      </a:solidFill>
+                      <a:prstDash val="solid"/>
+                    </a:lnB>
+                    <a:solidFill>
+                      <a:srgbClr val="098585">
+                        <a:alpha val="30198"/>
+                      </a:srgbClr>
+                    </a:solidFill>
+                  </a:tcPr>
+                </a:tc>
+                <a:tc hMerge="1">
+                  <a:txBody>
+                    <a:bodyPr/>
+                    <a:lstStyle/>
+                    <a:p>
+                      <a:endParaRPr/>
+                    </a:p>
+                  </a:txBody>
+                  <a:tcPr marL="0" marR="0" marT="0" marB="0"/>
+                </a:tc>
+                <a:extLst>
+                  <a:ext uri="{0D108BD9-81ED-4DB2-BD59-A6C34878D82A}">
+                    <a16:rowId xmlns:a16="http://schemas.microsoft.com/office/drawing/2014/main" val="10009"/>
+                  </a:ext>
+                </a:extLst>
+              </a:tr>
+            </a:tbl>
+          </a:graphicData>
+        </a:graphic>
+      </p:graphicFrame>
+      <p:grpSp>
+        <p:nvGrpSpPr>
+          <p:cNvPr id="12" name="object 12"/>
+          <p:cNvGrpSpPr/>
+          <p:nvPr/>
+        </p:nvGrpSpPr>
+        <p:grpSpPr>
+          <a:xfrm>
+            <a:off x="6457274" y="925685"/>
+            <a:ext cx="2542540" cy="2744470"/>
+            <a:chOff x="6482674" y="1154285"/>
+            <a:chExt cx="2542540" cy="2744470"/>
+          </a:xfrm>
+        </p:grpSpPr>
+        <p:sp>
+          <p:nvSpPr>
+            <p:cNvPr id="13" name="object 13"/>
+            <p:cNvSpPr/>
+            <p:nvPr/>
+          </p:nvSpPr>
+          <p:spPr>
+            <a:xfrm>
+              <a:off x="6487436" y="1159047"/>
+              <a:ext cx="2533015" cy="2734945"/>
+            </a:xfrm>
+            <a:custGeom>
+              <a:avLst/>
+              <a:gdLst/>
+              <a:ahLst/>
+              <a:cxnLst/>
+              <a:rect l="l" t="t" r="r" b="b"/>
+              <a:pathLst>
+                <a:path w="2533015" h="2734945">
+                  <a:moveTo>
+                    <a:pt x="2532888" y="0"/>
+                  </a:moveTo>
+                  <a:lnTo>
+                    <a:pt x="0" y="0"/>
+                  </a:lnTo>
+                  <a:lnTo>
+                    <a:pt x="0" y="2734526"/>
+                  </a:lnTo>
+                  <a:lnTo>
+                    <a:pt x="2532888" y="2734526"/>
+                  </a:lnTo>
+                  <a:lnTo>
+                    <a:pt x="2532888" y="0"/>
+                  </a:lnTo>
+                  <a:close/>
+                </a:path>
+              </a:pathLst>
+            </a:custGeom>
+            <a:solidFill>
+              <a:srgbClr val="1610FF">
+                <a:alpha val="30198"/>
+              </a:srgbClr>
+            </a:solidFill>
+          </p:spPr>
+          <p:txBody>
+            <a:bodyPr wrap="square" lIns="0" tIns="0" rIns="0" bIns="0" rtlCol="0"/>
+            <a:lstStyle/>
+            <a:p>
+              <a:endParaRPr/>
+            </a:p>
+          </p:txBody>
+        </p:sp>
+        <p:sp>
+          <p:nvSpPr>
+            <p:cNvPr id="14" name="object 14"/>
+            <p:cNvSpPr/>
+            <p:nvPr/>
+          </p:nvSpPr>
+          <p:spPr>
+            <a:xfrm>
+              <a:off x="6487436" y="1159047"/>
+              <a:ext cx="2533015" cy="2734945"/>
+            </a:xfrm>
+            <a:custGeom>
+              <a:avLst/>
+              <a:gdLst/>
+              <a:ahLst/>
+              <a:cxnLst/>
+              <a:rect l="l" t="t" r="r" b="b"/>
+              <a:pathLst>
+                <a:path w="2533015" h="2734945">
+                  <a:moveTo>
+                    <a:pt x="0" y="0"/>
+                  </a:moveTo>
+                  <a:lnTo>
+                    <a:pt x="2532888" y="0"/>
+                  </a:lnTo>
+                  <a:lnTo>
+                    <a:pt x="2532888" y="2734526"/>
+                  </a:lnTo>
+                  <a:lnTo>
+                    <a:pt x="0" y="2734526"/>
+                  </a:lnTo>
+                  <a:lnTo>
+                    <a:pt x="0" y="0"/>
+                  </a:lnTo>
+                  <a:close/>
+                </a:path>
+              </a:pathLst>
+            </a:custGeom>
+            <a:ln w="9525">
+              <a:solidFill>
+                <a:srgbClr val="595959"/>
+              </a:solidFill>
+            </a:ln>
+          </p:spPr>
+          <p:txBody>
+            <a:bodyPr wrap="square" lIns="0" tIns="0" rIns="0" bIns="0" rtlCol="0"/>
+            <a:lstStyle/>
+            <a:p>
+              <a:endParaRPr/>
+            </a:p>
+          </p:txBody>
+        </p:sp>
+        <p:sp>
+          <p:nvSpPr>
+            <p:cNvPr id="15" name="object 15"/>
+            <p:cNvSpPr/>
+            <p:nvPr/>
+          </p:nvSpPr>
+          <p:spPr>
+            <a:xfrm>
+              <a:off x="6487436" y="1498057"/>
+              <a:ext cx="2533015" cy="862330"/>
+            </a:xfrm>
+            <a:custGeom>
+              <a:avLst/>
+              <a:gdLst/>
+              <a:ahLst/>
+              <a:cxnLst/>
+              <a:rect l="l" t="t" r="r" b="b"/>
+              <a:pathLst>
+                <a:path w="2533015" h="862330">
+                  <a:moveTo>
+                    <a:pt x="2532888" y="0"/>
+                  </a:moveTo>
+                  <a:lnTo>
+                    <a:pt x="0" y="0"/>
+                  </a:lnTo>
+                  <a:lnTo>
+                    <a:pt x="0" y="861744"/>
+                  </a:lnTo>
+                  <a:lnTo>
+                    <a:pt x="2532888" y="861744"/>
+                  </a:lnTo>
+                  <a:lnTo>
+                    <a:pt x="2532888" y="0"/>
+                  </a:lnTo>
+                  <a:close/>
+                </a:path>
+              </a:pathLst>
+            </a:custGeom>
+            <a:solidFill>
+              <a:srgbClr val="1610FF">
+                <a:alpha val="30198"/>
+              </a:srgbClr>
+            </a:solidFill>
+          </p:spPr>
+          <p:txBody>
+            <a:bodyPr wrap="square" lIns="0" tIns="0" rIns="0" bIns="0" rtlCol="0"/>
+            <a:lstStyle/>
+            <a:p>
+              <a:endParaRPr/>
+            </a:p>
+          </p:txBody>
+        </p:sp>
+      </p:grpSp>
+      <p:sp>
+        <p:nvSpPr>
+          <p:cNvPr id="16" name="object 16"/>
+          <p:cNvSpPr txBox="1"/>
+          <p:nvPr/>
+        </p:nvSpPr>
+        <p:spPr>
+          <a:xfrm>
+            <a:off x="6553461" y="1009396"/>
+            <a:ext cx="3096218" cy="1615827"/>
+          </a:xfrm>
+          <a:prstGeom prst="rect">
+            <a:avLst/>
+          </a:prstGeom>
+        </p:spPr>
+        <p:txBody>
+          <a:bodyPr vert="horz" wrap="square" lIns="0" tIns="12700" rIns="0" bIns="0" rtlCol="0">
+            <a:spAutoFit/>
+          </a:bodyPr>
+          <a:lstStyle/>
+          <a:p>
+            <a:pPr>
+              <a:lnSpc>
+                <a:spcPct val="100000"/>
+              </a:lnSpc>
+              <a:spcBef>
+                <a:spcPts val="100"/>
+              </a:spcBef>
+            </a:pPr>
+            <a:r>
+              <a:rPr sz="1000" dirty="0">
+                <a:solidFill>
+                  <a:srgbClr val="212121"/>
+                </a:solidFill>
+                <a:latin typeface="Lucida Sans"/>
+                <a:cs typeface="Lucida Sans"/>
+              </a:rPr>
+              <a:t>Class</a:t>
+            </a:r>
+            <a:r>
+              <a:rPr sz="1000" spc="-20" dirty="0">
+                <a:solidFill>
+                  <a:srgbClr val="212121"/>
+                </a:solidFill>
+                <a:latin typeface="Lucida Sans"/>
+                <a:cs typeface="Lucida Sans"/>
+              </a:rPr>
+              <a:t> </a:t>
+            </a:r>
+            <a:r>
+              <a:rPr sz="1000" i="1" spc="-10" dirty="0" err="1">
+                <a:solidFill>
+                  <a:srgbClr val="212121"/>
+                </a:solidFill>
+                <a:latin typeface="Lucida Sans"/>
+                <a:cs typeface="Lucida Sans"/>
+              </a:rPr>
+              <a:t>Optimization</a:t>
+            </a:r>
+            <a:r>
+              <a:rPr lang="en-US" sz="1000" i="1" spc="-10" dirty="0" err="1">
+                <a:solidFill>
+                  <a:srgbClr val="212121"/>
+                </a:solidFill>
+                <a:latin typeface="Lucida Sans"/>
+                <a:cs typeface="Lucida Sans"/>
+              </a:rPr>
+              <a:t>_station</a:t>
+            </a:r>
+            <a:endParaRPr sz="1000" dirty="0">
+              <a:latin typeface="Lucida Sans"/>
+              <a:cs typeface="Lucida Sans"/>
+            </a:endParaRPr>
+          </a:p>
+          <a:p>
+            <a:pPr>
+              <a:lnSpc>
+                <a:spcPct val="100000"/>
+              </a:lnSpc>
+              <a:spcBef>
+                <a:spcPts val="30"/>
+              </a:spcBef>
+            </a:pPr>
+            <a:endParaRPr sz="1250" dirty="0">
+              <a:latin typeface="Lucida Sans"/>
+              <a:cs typeface="Lucida Sans"/>
+            </a:endParaRPr>
+          </a:p>
+          <a:p>
+            <a:pPr>
+              <a:lnSpc>
+                <a:spcPct val="100000"/>
+              </a:lnSpc>
+              <a:spcBef>
+                <a:spcPts val="25"/>
+              </a:spcBef>
+            </a:pPr>
+            <a:endParaRPr lang="en-US" sz="1000" dirty="0">
+              <a:latin typeface="Arial"/>
+              <a:cs typeface="Arial"/>
+            </a:endParaRPr>
+          </a:p>
+          <a:p>
+            <a:pPr>
+              <a:lnSpc>
+                <a:spcPct val="100000"/>
+              </a:lnSpc>
+              <a:spcBef>
+                <a:spcPts val="25"/>
+              </a:spcBef>
+            </a:pPr>
+            <a:endParaRPr lang="en-GB" sz="1000" dirty="0"/>
+          </a:p>
+          <a:p>
+            <a:pPr>
+              <a:lnSpc>
+                <a:spcPct val="100000"/>
+              </a:lnSpc>
+              <a:spcBef>
+                <a:spcPts val="25"/>
+              </a:spcBef>
+            </a:pPr>
+            <a:endParaRPr lang="en-US" sz="1000" dirty="0">
+              <a:latin typeface="Arial"/>
+              <a:cs typeface="Arial"/>
+            </a:endParaRPr>
+          </a:p>
+          <a:p>
+            <a:pPr>
+              <a:lnSpc>
+                <a:spcPct val="100000"/>
+              </a:lnSpc>
+              <a:spcBef>
+                <a:spcPts val="25"/>
+              </a:spcBef>
+            </a:pPr>
+            <a:endParaRPr lang="en-GB" sz="1000" dirty="0"/>
+          </a:p>
+          <a:p>
+            <a:pPr>
+              <a:lnSpc>
+                <a:spcPct val="100000"/>
+              </a:lnSpc>
+              <a:spcBef>
+                <a:spcPts val="25"/>
+              </a:spcBef>
+            </a:pPr>
+            <a:endParaRPr lang="en-GB" sz="1000" dirty="0">
+              <a:latin typeface="Arial"/>
+              <a:cs typeface="Arial"/>
+            </a:endParaRPr>
+          </a:p>
+          <a:p>
+            <a:pPr>
+              <a:lnSpc>
+                <a:spcPct val="100000"/>
+              </a:lnSpc>
+              <a:spcBef>
+                <a:spcPts val="25"/>
+              </a:spcBef>
+            </a:pPr>
+            <a:endParaRPr sz="1000" dirty="0">
+              <a:latin typeface="Arial"/>
+              <a:cs typeface="Arial"/>
+            </a:endParaRPr>
+          </a:p>
+          <a:p>
+            <a:pPr>
+              <a:lnSpc>
+                <a:spcPct val="100000"/>
+              </a:lnSpc>
+            </a:pPr>
+            <a:r>
+              <a:rPr sz="1000" spc="-10" dirty="0">
+                <a:solidFill>
+                  <a:srgbClr val="212121"/>
+                </a:solidFill>
+                <a:latin typeface="Lucida Sans"/>
+                <a:cs typeface="Lucida Sans"/>
+              </a:rPr>
+              <a:t>Implements:</a:t>
+            </a:r>
+            <a:endParaRPr sz="1000" dirty="0">
+              <a:latin typeface="Lucida Sans"/>
+              <a:cs typeface="Lucida Sans"/>
+            </a:endParaRPr>
+          </a:p>
+          <a:p>
+            <a:pPr>
+              <a:lnSpc>
+                <a:spcPct val="100000"/>
+              </a:lnSpc>
+              <a:spcBef>
+                <a:spcPts val="219"/>
+              </a:spcBef>
+            </a:pPr>
+            <a:r>
+              <a:rPr sz="1000" i="1" dirty="0">
+                <a:solidFill>
+                  <a:srgbClr val="212121"/>
+                </a:solidFill>
+                <a:latin typeface="Lucida Sans"/>
+                <a:cs typeface="Lucida Sans"/>
+              </a:rPr>
+              <a:t>Block</a:t>
+            </a:r>
+            <a:r>
+              <a:rPr sz="1000" i="1" spc="-45" dirty="0">
+                <a:solidFill>
+                  <a:srgbClr val="212121"/>
+                </a:solidFill>
+                <a:latin typeface="Lucida Sans"/>
+                <a:cs typeface="Lucida Sans"/>
+              </a:rPr>
+              <a:t> </a:t>
+            </a:r>
+            <a:r>
+              <a:rPr sz="1000" i="1" dirty="0">
+                <a:solidFill>
+                  <a:srgbClr val="212121"/>
+                </a:solidFill>
+                <a:latin typeface="Lucida Sans"/>
+                <a:cs typeface="Lucida Sans"/>
+              </a:rPr>
+              <a:t>Coordinate</a:t>
+            </a:r>
+            <a:r>
+              <a:rPr sz="1000" i="1" spc="-35" dirty="0">
+                <a:solidFill>
+                  <a:srgbClr val="212121"/>
+                </a:solidFill>
+                <a:latin typeface="Lucida Sans"/>
+                <a:cs typeface="Lucida Sans"/>
+              </a:rPr>
+              <a:t> </a:t>
+            </a:r>
+            <a:r>
+              <a:rPr sz="1000" i="1" dirty="0">
+                <a:solidFill>
+                  <a:srgbClr val="212121"/>
+                </a:solidFill>
+                <a:latin typeface="Lucida Sans"/>
+                <a:cs typeface="Lucida Sans"/>
+              </a:rPr>
+              <a:t>Descent</a:t>
+            </a:r>
+            <a:r>
+              <a:rPr sz="1000" i="1" spc="-25" dirty="0">
+                <a:solidFill>
+                  <a:srgbClr val="212121"/>
+                </a:solidFill>
+                <a:latin typeface="Lucida Sans"/>
+                <a:cs typeface="Lucida Sans"/>
+              </a:rPr>
+              <a:t> </a:t>
+            </a:r>
+            <a:r>
+              <a:rPr sz="1000" i="1" spc="-10" dirty="0">
+                <a:solidFill>
+                  <a:srgbClr val="212121"/>
+                </a:solidFill>
+                <a:latin typeface="Lucida Sans"/>
+                <a:cs typeface="Lucida Sans"/>
+              </a:rPr>
+              <a:t>Algorithm</a:t>
+            </a:r>
+            <a:endParaRPr sz="1000" dirty="0">
+              <a:latin typeface="Lucida Sans"/>
+              <a:cs typeface="Lucida Sans"/>
+            </a:endParaRPr>
+          </a:p>
+        </p:txBody>
+      </p:sp>
+      <p:graphicFrame>
+        <p:nvGraphicFramePr>
+          <p:cNvPr id="19" name="object 19"/>
+          <p:cNvGraphicFramePr>
+            <a:graphicFrameLocks noGrp="1"/>
+          </p:cNvGraphicFramePr>
+          <p:nvPr>
+            <p:extLst>
+              <p:ext uri="{D42A27DB-BD31-4B8C-83A1-F6EECF244321}">
+                <p14:modId xmlns:p14="http://schemas.microsoft.com/office/powerpoint/2010/main" val="3818475483"/>
+              </p:ext>
+            </p:extLst>
+          </p:nvPr>
+        </p:nvGraphicFramePr>
+        <p:xfrm>
+          <a:off x="56516" y="925685"/>
+          <a:ext cx="2533015" cy="2733675"/>
+        </p:xfrm>
+        <a:graphic>
+          <a:graphicData uri="http://schemas.openxmlformats.org/drawingml/2006/table">
+            <a:tbl>
+              <a:tblPr firstRow="1" bandRow="1">
+                <a:tableStyleId>{2D5ABB26-0587-4C30-8999-92F81FD0307C}</a:tableStyleId>
+              </a:tblPr>
+              <a:tblGrid>
+                <a:gridCol w="2533015">
+                  <a:extLst>
+                    <a:ext uri="{9D8B030D-6E8A-4147-A177-3AD203B41FA5}">
+                      <a16:colId xmlns:a16="http://schemas.microsoft.com/office/drawing/2014/main" val="20000"/>
+                    </a:ext>
+                  </a:extLst>
+                </a:gridCol>
+              </a:tblGrid>
+              <a:tr h="1753235">
+                <a:tc>
+                  <a:txBody>
+                    <a:bodyPr/>
+                    <a:lstStyle/>
+                    <a:p>
+                      <a:pPr marL="90805">
+                        <a:lnSpc>
+                          <a:spcPct val="100000"/>
+                        </a:lnSpc>
+                        <a:spcBef>
+                          <a:spcPts val="720"/>
+                        </a:spcBef>
+                      </a:pPr>
+                      <a:r>
+                        <a:rPr sz="1000" dirty="0">
+                          <a:solidFill>
+                            <a:srgbClr val="212121"/>
+                          </a:solidFill>
+                          <a:latin typeface="Lucida Sans"/>
+                          <a:cs typeface="Lucida Sans"/>
+                        </a:rPr>
+                        <a:t>Class</a:t>
+                      </a:r>
+                      <a:r>
+                        <a:rPr sz="1000" spc="-20" dirty="0">
+                          <a:solidFill>
+                            <a:srgbClr val="212121"/>
+                          </a:solidFill>
+                          <a:latin typeface="Lucida Sans"/>
+                          <a:cs typeface="Lucida Sans"/>
+                        </a:rPr>
+                        <a:t> </a:t>
+                      </a:r>
+                      <a:r>
+                        <a:rPr sz="1000" i="1" spc="-10" dirty="0">
+                          <a:solidFill>
+                            <a:srgbClr val="212121"/>
+                          </a:solidFill>
+                          <a:latin typeface="Lucida Sans"/>
+                          <a:cs typeface="Lucida Sans"/>
+                        </a:rPr>
+                        <a:t>Problem</a:t>
+                      </a:r>
+                      <a:endParaRPr sz="1000" dirty="0">
+                        <a:latin typeface="Lucida Sans"/>
+                        <a:cs typeface="Lucida Sans"/>
+                      </a:endParaRPr>
+                    </a:p>
+                    <a:p>
+                      <a:pPr>
+                        <a:lnSpc>
+                          <a:spcPct val="100000"/>
+                        </a:lnSpc>
+                        <a:spcBef>
+                          <a:spcPts val="30"/>
+                        </a:spcBef>
+                      </a:pPr>
+                      <a:endParaRPr sz="1250" dirty="0">
+                        <a:latin typeface="Times New Roman"/>
+                        <a:cs typeface="Times New Roman"/>
+                      </a:endParaRPr>
+                    </a:p>
+                    <a:p>
+                      <a:pPr marL="90805">
+                        <a:lnSpc>
+                          <a:spcPct val="100000"/>
+                        </a:lnSpc>
+                      </a:pPr>
+                      <a:r>
+                        <a:rPr sz="900" dirty="0">
+                          <a:latin typeface="Lucida Sans"/>
+                          <a:cs typeface="Lucida Sans"/>
+                        </a:rPr>
+                        <a:t>init </a:t>
+                      </a:r>
+                      <a:r>
+                        <a:rPr sz="900" spc="-50" dirty="0">
+                          <a:latin typeface="Lucida Sans"/>
+                          <a:cs typeface="Lucida Sans"/>
+                        </a:rPr>
+                        <a:t>(</a:t>
+                      </a:r>
+                      <a:endParaRPr sz="900" dirty="0">
+                        <a:latin typeface="Lucida Sans"/>
+                        <a:cs typeface="Lucida Sans"/>
+                      </a:endParaRPr>
+                    </a:p>
+                    <a:p>
+                      <a:pPr marL="90805">
+                        <a:lnSpc>
+                          <a:spcPts val="1030"/>
+                        </a:lnSpc>
+                        <a:spcBef>
+                          <a:spcPts val="25"/>
+                        </a:spcBef>
+                        <a:tabLst>
+                          <a:tab pos="1132205" algn="l"/>
+                        </a:tabLst>
+                      </a:pPr>
+                      <a:r>
+                        <a:rPr sz="900" b="1" spc="-10" dirty="0">
+                          <a:latin typeface="Arial"/>
+                          <a:cs typeface="Arial"/>
+                        </a:rPr>
+                        <a:t>time,</a:t>
+                      </a:r>
+                      <a:r>
+                        <a:rPr sz="900" b="1" dirty="0">
+                          <a:latin typeface="Arial"/>
+                          <a:cs typeface="Arial"/>
+                        </a:rPr>
+                        <a:t>	</a:t>
+                      </a:r>
+                      <a:r>
+                        <a:rPr sz="900" dirty="0">
+                          <a:latin typeface="Arial"/>
+                          <a:cs typeface="Arial"/>
+                        </a:rPr>
+                        <a:t>#arrival</a:t>
+                      </a:r>
+                      <a:r>
+                        <a:rPr sz="900" spc="-15" dirty="0">
+                          <a:latin typeface="Arial"/>
+                          <a:cs typeface="Arial"/>
+                        </a:rPr>
+                        <a:t> </a:t>
+                      </a:r>
+                      <a:r>
+                        <a:rPr sz="900" spc="-10" dirty="0">
+                          <a:latin typeface="Arial"/>
+                          <a:cs typeface="Arial"/>
+                        </a:rPr>
+                        <a:t>interval</a:t>
+                      </a:r>
+                      <a:endParaRPr sz="900" dirty="0">
+                        <a:latin typeface="Arial"/>
+                        <a:cs typeface="Arial"/>
+                      </a:endParaRPr>
+                    </a:p>
+                    <a:p>
+                      <a:pPr marL="90805">
+                        <a:lnSpc>
+                          <a:spcPts val="1030"/>
+                        </a:lnSpc>
+                        <a:tabLst>
+                          <a:tab pos="1132205" algn="l"/>
+                        </a:tabLst>
+                      </a:pPr>
+                      <a:r>
+                        <a:rPr sz="900" b="1" spc="-10" dirty="0">
+                          <a:latin typeface="Arial"/>
+                          <a:cs typeface="Arial"/>
+                        </a:rPr>
+                        <a:t>e_need,</a:t>
+                      </a:r>
+                      <a:r>
+                        <a:rPr sz="900" b="1" dirty="0">
+                          <a:latin typeface="Arial"/>
+                          <a:cs typeface="Arial"/>
+                        </a:rPr>
+                        <a:t>	</a:t>
+                      </a:r>
+                      <a:r>
+                        <a:rPr sz="900" dirty="0">
+                          <a:latin typeface="Arial"/>
+                          <a:cs typeface="Arial"/>
+                        </a:rPr>
+                        <a:t>#energy</a:t>
+                      </a:r>
+                      <a:r>
+                        <a:rPr sz="900" spc="-25" dirty="0">
+                          <a:latin typeface="Arial"/>
+                          <a:cs typeface="Arial"/>
+                        </a:rPr>
+                        <a:t> </a:t>
+                      </a:r>
+                      <a:r>
+                        <a:rPr sz="900" spc="-10" dirty="0">
+                          <a:latin typeface="Arial"/>
+                          <a:cs typeface="Arial"/>
+                        </a:rPr>
+                        <a:t>needed</a:t>
+                      </a:r>
+                      <a:endParaRPr sz="900" dirty="0">
+                        <a:latin typeface="Arial"/>
+                        <a:cs typeface="Arial"/>
+                      </a:endParaRPr>
+                    </a:p>
+                    <a:p>
+                      <a:pPr marL="90805" marR="299720">
+                        <a:lnSpc>
+                          <a:spcPct val="102200"/>
+                        </a:lnSpc>
+                        <a:tabLst>
+                          <a:tab pos="1132205" algn="l"/>
+                        </a:tabLst>
+                      </a:pPr>
+                      <a:r>
+                        <a:rPr sz="900" b="1" spc="-10" dirty="0">
+                          <a:latin typeface="Arial"/>
+                          <a:cs typeface="Arial"/>
+                        </a:rPr>
+                        <a:t>duration,</a:t>
+                      </a:r>
+                      <a:r>
+                        <a:rPr sz="900" b="1" dirty="0">
+                          <a:latin typeface="Arial"/>
+                          <a:cs typeface="Arial"/>
+                        </a:rPr>
+                        <a:t>	</a:t>
+                      </a:r>
+                      <a:r>
+                        <a:rPr sz="900" dirty="0">
+                          <a:latin typeface="Arial"/>
+                          <a:cs typeface="Arial"/>
+                        </a:rPr>
+                        <a:t>#duration</a:t>
+                      </a:r>
+                      <a:r>
+                        <a:rPr sz="900" spc="-30" dirty="0">
+                          <a:latin typeface="Arial"/>
+                          <a:cs typeface="Arial"/>
+                        </a:rPr>
+                        <a:t> </a:t>
+                      </a:r>
+                      <a:r>
+                        <a:rPr sz="900" spc="-10" dirty="0">
+                          <a:latin typeface="Arial"/>
+                          <a:cs typeface="Arial"/>
+                        </a:rPr>
+                        <a:t>interval </a:t>
+                      </a:r>
+                      <a:r>
+                        <a:rPr sz="900" b="1" dirty="0">
+                          <a:latin typeface="Arial"/>
+                          <a:cs typeface="Arial"/>
+                        </a:rPr>
+                        <a:t>station_pow_max,</a:t>
+                      </a:r>
+                      <a:r>
+                        <a:rPr sz="900" b="1" spc="200" dirty="0">
+                          <a:latin typeface="Arial"/>
+                          <a:cs typeface="Arial"/>
+                        </a:rPr>
+                        <a:t> </a:t>
+                      </a:r>
+                      <a:r>
+                        <a:rPr sz="900" dirty="0">
+                          <a:latin typeface="Arial"/>
+                          <a:cs typeface="Arial"/>
+                        </a:rPr>
+                        <a:t>#chargers</a:t>
+                      </a:r>
+                      <a:r>
+                        <a:rPr sz="900" spc="-20" dirty="0">
+                          <a:latin typeface="Arial"/>
+                          <a:cs typeface="Arial"/>
+                        </a:rPr>
+                        <a:t> </a:t>
+                      </a:r>
+                      <a:r>
+                        <a:rPr sz="900" dirty="0">
+                          <a:latin typeface="Arial"/>
+                          <a:cs typeface="Arial"/>
+                        </a:rPr>
+                        <a:t>power</a:t>
+                      </a:r>
+                      <a:r>
+                        <a:rPr sz="900" spc="-20" dirty="0">
+                          <a:latin typeface="Arial"/>
+                          <a:cs typeface="Arial"/>
+                        </a:rPr>
+                        <a:t> rate </a:t>
+                      </a:r>
+                      <a:r>
+                        <a:rPr sz="900" b="1" dirty="0">
+                          <a:latin typeface="Arial"/>
+                          <a:cs typeface="Arial"/>
+                        </a:rPr>
+                        <a:t>user_power_rate,</a:t>
+                      </a:r>
+                      <a:r>
+                        <a:rPr sz="900" b="1" spc="445" dirty="0">
+                          <a:latin typeface="Arial"/>
+                          <a:cs typeface="Arial"/>
+                        </a:rPr>
+                        <a:t> </a:t>
+                      </a:r>
+                      <a:r>
+                        <a:rPr sz="900" dirty="0">
+                          <a:latin typeface="Arial"/>
+                          <a:cs typeface="Arial"/>
+                        </a:rPr>
+                        <a:t>#vehicle</a:t>
+                      </a:r>
+                      <a:r>
+                        <a:rPr sz="900" spc="-15" dirty="0">
+                          <a:latin typeface="Arial"/>
+                          <a:cs typeface="Arial"/>
+                        </a:rPr>
+                        <a:t> </a:t>
+                      </a:r>
+                      <a:r>
+                        <a:rPr sz="900" dirty="0">
+                          <a:latin typeface="Arial"/>
+                          <a:cs typeface="Arial"/>
+                        </a:rPr>
+                        <a:t>power</a:t>
+                      </a:r>
+                      <a:r>
+                        <a:rPr sz="900" spc="-15" dirty="0">
+                          <a:latin typeface="Arial"/>
+                          <a:cs typeface="Arial"/>
+                        </a:rPr>
+                        <a:t> </a:t>
+                      </a:r>
+                      <a:r>
+                        <a:rPr sz="900" spc="-20" dirty="0">
+                          <a:latin typeface="Arial"/>
+                          <a:cs typeface="Arial"/>
+                        </a:rPr>
+                        <a:t>rate</a:t>
+                      </a:r>
+                      <a:endParaRPr lang="en-US" sz="900" spc="-20" dirty="0">
+                        <a:latin typeface="Arial"/>
+                        <a:cs typeface="Arial"/>
+                      </a:endParaRPr>
+                    </a:p>
+                    <a:p>
+                      <a:pPr marL="90805">
+                        <a:lnSpc>
+                          <a:spcPct val="100000"/>
+                        </a:lnSpc>
+                        <a:spcBef>
+                          <a:spcPts val="25"/>
+                        </a:spcBef>
+                      </a:pPr>
+                      <a:r>
+                        <a:rPr sz="900" dirty="0">
+                          <a:latin typeface="Arial"/>
+                          <a:cs typeface="Arial"/>
+                        </a:rPr>
+                        <a:t>)</a:t>
+                      </a:r>
+                    </a:p>
+                  </a:txBody>
+                  <a:tcPr marL="0" marR="0" marT="91440" marB="0">
+                    <a:lnL w="9525">
+                      <a:solidFill>
+                        <a:srgbClr val="595959"/>
+                      </a:solidFill>
+                      <a:prstDash val="solid"/>
+                    </a:lnL>
+                    <a:lnR w="9525">
+                      <a:solidFill>
+                        <a:srgbClr val="595959"/>
+                      </a:solidFill>
+                      <a:prstDash val="solid"/>
+                    </a:lnR>
+                    <a:lnT w="9525">
+                      <a:solidFill>
+                        <a:srgbClr val="595959"/>
+                      </a:solidFill>
+                      <a:prstDash val="solid"/>
+                    </a:lnT>
+                    <a:lnB w="19050">
+                      <a:solidFill>
+                        <a:srgbClr val="FF0000"/>
+                      </a:solidFill>
+                      <a:prstDash val="solid"/>
+                    </a:lnB>
+                    <a:solidFill>
+                      <a:srgbClr val="FF0000">
+                        <a:alpha val="30198"/>
+                      </a:srgbClr>
+                    </a:solidFill>
+                  </a:tcPr>
+                </a:tc>
+                <a:extLst>
+                  <a:ext uri="{0D108BD9-81ED-4DB2-BD59-A6C34878D82A}">
+                    <a16:rowId xmlns:a16="http://schemas.microsoft.com/office/drawing/2014/main" val="10000"/>
+                  </a:ext>
+                </a:extLst>
+              </a:tr>
+              <a:tr h="245110">
+                <a:tc>
+                  <a:txBody>
+                    <a:bodyPr/>
+                    <a:lstStyle/>
+                    <a:p>
+                      <a:pPr marL="90805">
+                        <a:lnSpc>
+                          <a:spcPct val="100000"/>
+                        </a:lnSpc>
+                        <a:spcBef>
+                          <a:spcPts val="555"/>
+                        </a:spcBef>
+                      </a:pPr>
+                      <a:r>
+                        <a:rPr sz="700" dirty="0">
+                          <a:latin typeface="Lucida Sans"/>
+                          <a:cs typeface="Lucida Sans"/>
+                        </a:rPr>
+                        <a:t>DCM </a:t>
+                      </a:r>
+                      <a:r>
+                        <a:rPr sz="700" spc="-10" dirty="0">
+                          <a:latin typeface="Lucida Sans"/>
+                          <a:cs typeface="Lucida Sans"/>
+                        </a:rPr>
+                        <a:t>Parameters</a:t>
+                      </a:r>
+                      <a:endParaRPr sz="700">
+                        <a:latin typeface="Lucida Sans"/>
+                        <a:cs typeface="Lucida Sans"/>
+                      </a:endParaRPr>
+                    </a:p>
+                  </a:txBody>
+                  <a:tcPr marL="0" marR="0" marT="70485" marB="0">
+                    <a:lnL w="19050">
+                      <a:solidFill>
+                        <a:srgbClr val="FF0000"/>
+                      </a:solidFill>
+                      <a:prstDash val="solid"/>
+                    </a:lnL>
+                    <a:lnR w="19050">
+                      <a:solidFill>
+                        <a:srgbClr val="FF0000"/>
+                      </a:solidFill>
+                      <a:prstDash val="solid"/>
+                    </a:lnR>
+                    <a:lnT w="19050">
+                      <a:solidFill>
+                        <a:srgbClr val="FF0000"/>
+                      </a:solidFill>
+                      <a:prstDash val="solid"/>
+                    </a:lnT>
+                    <a:lnB w="19050">
+                      <a:solidFill>
+                        <a:srgbClr val="FF0000"/>
+                      </a:solidFill>
+                      <a:prstDash val="solid"/>
+                    </a:lnB>
+                    <a:solidFill>
+                      <a:srgbClr val="FFC000"/>
+                    </a:solidFill>
+                  </a:tcPr>
+                </a:tc>
+                <a:extLst>
+                  <a:ext uri="{0D108BD9-81ED-4DB2-BD59-A6C34878D82A}">
+                    <a16:rowId xmlns:a16="http://schemas.microsoft.com/office/drawing/2014/main" val="10001"/>
+                  </a:ext>
+                </a:extLst>
+              </a:tr>
+              <a:tr h="735330">
+                <a:tc>
+                  <a:txBody>
+                    <a:bodyPr/>
+                    <a:lstStyle/>
+                    <a:p>
+                      <a:pPr>
+                        <a:lnSpc>
+                          <a:spcPct val="100000"/>
+                        </a:lnSpc>
+                      </a:pPr>
+                      <a:endParaRPr sz="900" dirty="0">
+                        <a:latin typeface="Times New Roman"/>
+                        <a:cs typeface="Times New Roman"/>
+                      </a:endParaRPr>
+                    </a:p>
+                  </a:txBody>
+                  <a:tcPr marL="0" marR="0" marT="0" marB="0">
+                    <a:lnL w="9525">
+                      <a:solidFill>
+                        <a:srgbClr val="595959"/>
+                      </a:solidFill>
+                      <a:prstDash val="solid"/>
+                    </a:lnL>
+                    <a:lnR w="9525">
+                      <a:solidFill>
+                        <a:srgbClr val="595959"/>
+                      </a:solidFill>
+                      <a:prstDash val="solid"/>
+                    </a:lnR>
+                    <a:lnT w="19050">
+                      <a:solidFill>
+                        <a:srgbClr val="FF0000"/>
+                      </a:solidFill>
+                      <a:prstDash val="solid"/>
+                    </a:lnT>
+                    <a:lnB w="9525">
+                      <a:solidFill>
+                        <a:srgbClr val="595959"/>
+                      </a:solidFill>
+                      <a:prstDash val="solid"/>
+                    </a:lnB>
+                    <a:solidFill>
+                      <a:srgbClr val="FF0000">
+                        <a:alpha val="30198"/>
+                      </a:srgbClr>
+                    </a:solidFill>
+                  </a:tcPr>
+                </a:tc>
+                <a:extLst>
+                  <a:ext uri="{0D108BD9-81ED-4DB2-BD59-A6C34878D82A}">
+                    <a16:rowId xmlns:a16="http://schemas.microsoft.com/office/drawing/2014/main" val="10002"/>
+                  </a:ext>
+                </a:extLst>
+              </a:tr>
+            </a:tbl>
+          </a:graphicData>
+        </a:graphic>
+      </p:graphicFrame>
+      <p:sp>
+        <p:nvSpPr>
+          <p:cNvPr id="20" name="object 20"/>
+          <p:cNvSpPr/>
+          <p:nvPr/>
+        </p:nvSpPr>
+        <p:spPr>
+          <a:xfrm>
+            <a:off x="6462036" y="2703135"/>
+            <a:ext cx="2533015" cy="739140"/>
+          </a:xfrm>
+          <a:custGeom>
+            <a:avLst/>
+            <a:gdLst/>
+            <a:ahLst/>
+            <a:cxnLst/>
+            <a:rect l="l" t="t" r="r" b="b"/>
+            <a:pathLst>
+              <a:path w="2533015" h="739139">
+                <a:moveTo>
+                  <a:pt x="2532888" y="0"/>
+                </a:moveTo>
+                <a:lnTo>
+                  <a:pt x="0" y="0"/>
+                </a:lnTo>
+                <a:lnTo>
+                  <a:pt x="0" y="738632"/>
+                </a:lnTo>
+                <a:lnTo>
+                  <a:pt x="2532888" y="738632"/>
+                </a:lnTo>
+                <a:lnTo>
+                  <a:pt x="2532888" y="0"/>
+                </a:lnTo>
+                <a:close/>
+              </a:path>
+            </a:pathLst>
+          </a:custGeom>
+          <a:solidFill>
+            <a:srgbClr val="1610FF">
+              <a:alpha val="30198"/>
+            </a:srgbClr>
+          </a:solidFill>
+        </p:spPr>
+        <p:txBody>
+          <a:bodyPr wrap="square" lIns="0" tIns="0" rIns="0" bIns="0" rtlCol="0"/>
+          <a:lstStyle/>
+          <a:p>
+            <a:endParaRPr/>
+          </a:p>
+        </p:txBody>
+      </p:sp>
+      <p:sp>
+        <p:nvSpPr>
+          <p:cNvPr id="21" name="object 21"/>
+          <p:cNvSpPr txBox="1"/>
+          <p:nvPr/>
+        </p:nvSpPr>
+        <p:spPr>
+          <a:xfrm>
+            <a:off x="6553461" y="2780792"/>
+            <a:ext cx="412750" cy="536044"/>
+          </a:xfrm>
+          <a:prstGeom prst="rect">
+            <a:avLst/>
+          </a:prstGeom>
+        </p:spPr>
+        <p:txBody>
+          <a:bodyPr vert="horz" wrap="square" lIns="0" tIns="12700" rIns="0" bIns="0" rtlCol="0">
+            <a:spAutoFit/>
+          </a:bodyPr>
+          <a:lstStyle/>
+          <a:p>
+            <a:pPr>
+              <a:lnSpc>
+                <a:spcPct val="100000"/>
+              </a:lnSpc>
+              <a:spcBef>
+                <a:spcPts val="100"/>
+              </a:spcBef>
+            </a:pPr>
+            <a:r>
+              <a:rPr sz="900" spc="-10" dirty="0">
+                <a:latin typeface="Arial"/>
+                <a:cs typeface="Arial"/>
+              </a:rPr>
+              <a:t>Returns</a:t>
+            </a:r>
+            <a:endParaRPr sz="900" dirty="0">
+              <a:latin typeface="Arial"/>
+              <a:cs typeface="Arial"/>
+            </a:endParaRPr>
+          </a:p>
+          <a:p>
+            <a:pPr>
+              <a:lnSpc>
+                <a:spcPts val="1045"/>
+              </a:lnSpc>
+              <a:spcBef>
+                <a:spcPts val="20"/>
+              </a:spcBef>
+            </a:pPr>
+            <a:r>
+              <a:rPr sz="900" b="1" spc="-25" dirty="0">
+                <a:latin typeface="Arial"/>
+                <a:cs typeface="Arial"/>
+              </a:rPr>
+              <a:t>z,</a:t>
+            </a:r>
+            <a:endParaRPr sz="900" dirty="0">
+              <a:latin typeface="Arial"/>
+              <a:cs typeface="Arial"/>
+            </a:endParaRPr>
+          </a:p>
+          <a:p>
+            <a:pPr>
+              <a:lnSpc>
+                <a:spcPts val="1045"/>
+              </a:lnSpc>
+            </a:pPr>
+            <a:r>
+              <a:rPr sz="900" b="1" spc="-25" dirty="0">
+                <a:latin typeface="Arial"/>
+                <a:cs typeface="Arial"/>
+              </a:rPr>
+              <a:t>p,</a:t>
+            </a:r>
+            <a:endParaRPr lang="en-US" sz="900" b="1" spc="-25" dirty="0">
+              <a:latin typeface="Arial"/>
+              <a:cs typeface="Arial"/>
+            </a:endParaRPr>
+          </a:p>
+          <a:p>
+            <a:pPr>
+              <a:lnSpc>
+                <a:spcPts val="1045"/>
+              </a:lnSpc>
+            </a:pPr>
+            <a:r>
+              <a:rPr lang="en-US" sz="900" b="1" spc="-10" dirty="0"/>
+              <a:t>Station.</a:t>
+            </a:r>
+            <a:endParaRPr sz="900" b="1" dirty="0">
+              <a:latin typeface="Arial"/>
+              <a:cs typeface="Arial"/>
+            </a:endParaRPr>
+          </a:p>
+        </p:txBody>
+      </p:sp>
+      <p:sp>
+        <p:nvSpPr>
+          <p:cNvPr id="22" name="object 22"/>
+          <p:cNvSpPr txBox="1"/>
+          <p:nvPr/>
+        </p:nvSpPr>
+        <p:spPr>
+          <a:xfrm>
+            <a:off x="7467861" y="2921000"/>
+            <a:ext cx="1527190" cy="409086"/>
+          </a:xfrm>
+          <a:prstGeom prst="rect">
+            <a:avLst/>
+          </a:prstGeom>
+        </p:spPr>
+        <p:txBody>
+          <a:bodyPr vert="horz" wrap="square" lIns="0" tIns="24130" rIns="0" bIns="0" rtlCol="0">
+            <a:spAutoFit/>
+          </a:bodyPr>
+          <a:lstStyle/>
+          <a:p>
+            <a:pPr marR="5080">
+              <a:lnSpc>
+                <a:spcPts val="1010"/>
+              </a:lnSpc>
+              <a:spcBef>
+                <a:spcPts val="190"/>
+              </a:spcBef>
+            </a:pPr>
+            <a:r>
+              <a:rPr sz="900" dirty="0"/>
+              <a:t>#optimal charging tariff #optimal power schedule</a:t>
+            </a:r>
+            <a:endParaRPr lang="en-US" sz="900" dirty="0"/>
+          </a:p>
+          <a:p>
+            <a:pPr marR="5080">
+              <a:lnSpc>
+                <a:spcPts val="1010"/>
+              </a:lnSpc>
+            </a:pPr>
+            <a:r>
+              <a:rPr lang="en-GB" sz="900" dirty="0"/>
+              <a:t>#updated station information</a:t>
+            </a:r>
+            <a:endParaRPr sz="900" dirty="0"/>
+          </a:p>
+        </p:txBody>
+      </p:sp>
+      <p:grpSp>
+        <p:nvGrpSpPr>
+          <p:cNvPr id="23" name="object 23"/>
+          <p:cNvGrpSpPr/>
+          <p:nvPr/>
+        </p:nvGrpSpPr>
+        <p:grpSpPr>
+          <a:xfrm>
+            <a:off x="5807283" y="4232144"/>
+            <a:ext cx="3192780" cy="450981"/>
+            <a:chOff x="5832683" y="4460744"/>
+            <a:chExt cx="3192780" cy="596900"/>
+          </a:xfrm>
+        </p:grpSpPr>
+        <p:sp>
+          <p:nvSpPr>
+            <p:cNvPr id="24" name="object 24"/>
+            <p:cNvSpPr/>
+            <p:nvPr/>
+          </p:nvSpPr>
+          <p:spPr>
+            <a:xfrm>
+              <a:off x="5837445" y="4465506"/>
+              <a:ext cx="3183255" cy="587375"/>
+            </a:xfrm>
+            <a:custGeom>
+              <a:avLst/>
+              <a:gdLst/>
+              <a:ahLst/>
+              <a:cxnLst/>
+              <a:rect l="l" t="t" r="r" b="b"/>
+              <a:pathLst>
+                <a:path w="3183254" h="587375">
+                  <a:moveTo>
+                    <a:pt x="3182880" y="0"/>
+                  </a:moveTo>
+                  <a:lnTo>
+                    <a:pt x="0" y="0"/>
+                  </a:lnTo>
+                  <a:lnTo>
+                    <a:pt x="0" y="587112"/>
+                  </a:lnTo>
+                  <a:lnTo>
+                    <a:pt x="3182880" y="587112"/>
+                  </a:lnTo>
+                  <a:lnTo>
+                    <a:pt x="3182880" y="0"/>
+                  </a:lnTo>
+                  <a:close/>
+                </a:path>
+              </a:pathLst>
+            </a:custGeom>
+            <a:solidFill>
+              <a:srgbClr val="FFC000"/>
+            </a:solidFill>
+          </p:spPr>
+          <p:txBody>
+            <a:bodyPr wrap="square" lIns="0" tIns="0" rIns="0" bIns="0" rtlCol="0"/>
+            <a:lstStyle/>
+            <a:p>
+              <a:endParaRPr/>
+            </a:p>
+          </p:txBody>
+        </p:sp>
+        <p:sp>
+          <p:nvSpPr>
+            <p:cNvPr id="25" name="object 25"/>
+            <p:cNvSpPr/>
+            <p:nvPr/>
+          </p:nvSpPr>
+          <p:spPr>
+            <a:xfrm>
+              <a:off x="5837445" y="4465506"/>
+              <a:ext cx="3183255" cy="587375"/>
+            </a:xfrm>
+            <a:custGeom>
+              <a:avLst/>
+              <a:gdLst/>
+              <a:ahLst/>
+              <a:cxnLst/>
+              <a:rect l="l" t="t" r="r" b="b"/>
+              <a:pathLst>
+                <a:path w="3183254" h="587375">
+                  <a:moveTo>
+                    <a:pt x="0" y="0"/>
+                  </a:moveTo>
+                  <a:lnTo>
+                    <a:pt x="3182880" y="0"/>
+                  </a:lnTo>
+                  <a:lnTo>
+                    <a:pt x="3182880" y="587113"/>
+                  </a:lnTo>
+                  <a:lnTo>
+                    <a:pt x="0" y="587113"/>
+                  </a:lnTo>
+                  <a:lnTo>
+                    <a:pt x="0" y="0"/>
+                  </a:lnTo>
+                  <a:close/>
+                </a:path>
+              </a:pathLst>
+            </a:custGeom>
+            <a:ln w="9525">
+              <a:solidFill>
+                <a:srgbClr val="FF0000"/>
+              </a:solidFill>
+            </a:ln>
+          </p:spPr>
+          <p:txBody>
+            <a:bodyPr wrap="square" lIns="0" tIns="0" rIns="0" bIns="0" rtlCol="0"/>
+            <a:lstStyle/>
+            <a:p>
+              <a:endParaRPr/>
+            </a:p>
+          </p:txBody>
+        </p:sp>
+      </p:grpSp>
+      <p:sp>
+        <p:nvSpPr>
+          <p:cNvPr id="26" name="object 26"/>
+          <p:cNvSpPr txBox="1"/>
+          <p:nvPr/>
+        </p:nvSpPr>
+        <p:spPr>
+          <a:xfrm>
+            <a:off x="5890770" y="4314683"/>
+            <a:ext cx="2800350" cy="288541"/>
+          </a:xfrm>
+          <a:prstGeom prst="rect">
+            <a:avLst/>
+          </a:prstGeom>
+        </p:spPr>
+        <p:txBody>
+          <a:bodyPr vert="horz" wrap="square" lIns="0" tIns="8890" rIns="0" bIns="0" rtlCol="0">
+            <a:spAutoFit/>
+          </a:bodyPr>
+          <a:lstStyle/>
+          <a:p>
+            <a:pPr marL="12700">
+              <a:lnSpc>
+                <a:spcPct val="100000"/>
+              </a:lnSpc>
+              <a:spcBef>
+                <a:spcPts val="70"/>
+              </a:spcBef>
+            </a:pPr>
+            <a:r>
+              <a:rPr sz="900" dirty="0">
+                <a:latin typeface="Lucida Sans"/>
+                <a:cs typeface="Lucida Sans"/>
+              </a:rPr>
+              <a:t>1.</a:t>
+            </a:r>
+            <a:r>
+              <a:rPr sz="900" spc="165" dirty="0">
+                <a:latin typeface="Lucida Sans"/>
+                <a:cs typeface="Lucida Sans"/>
+              </a:rPr>
+              <a:t>  </a:t>
+            </a:r>
+            <a:r>
+              <a:rPr sz="900" dirty="0">
+                <a:latin typeface="Lucida Sans"/>
+                <a:cs typeface="Lucida Sans"/>
+              </a:rPr>
+              <a:t>Can</a:t>
+            </a:r>
+            <a:r>
+              <a:rPr sz="900" spc="5" dirty="0">
+                <a:latin typeface="Lucida Sans"/>
+                <a:cs typeface="Lucida Sans"/>
+              </a:rPr>
+              <a:t> </a:t>
+            </a:r>
+            <a:r>
+              <a:rPr sz="900" dirty="0">
+                <a:latin typeface="Lucida Sans"/>
+                <a:cs typeface="Lucida Sans"/>
+              </a:rPr>
+              <a:t>be</a:t>
+            </a:r>
+            <a:r>
+              <a:rPr sz="900" spc="-10" dirty="0">
+                <a:latin typeface="Lucida Sans"/>
+                <a:cs typeface="Lucida Sans"/>
+              </a:rPr>
+              <a:t> </a:t>
+            </a:r>
+            <a:r>
+              <a:rPr sz="900" dirty="0">
+                <a:latin typeface="Lucida Sans"/>
+                <a:cs typeface="Lucida Sans"/>
+              </a:rPr>
+              <a:t>replaced</a:t>
+            </a:r>
+            <a:r>
+              <a:rPr sz="900" spc="-15" dirty="0">
+                <a:latin typeface="Lucida Sans"/>
+                <a:cs typeface="Lucida Sans"/>
+              </a:rPr>
+              <a:t> </a:t>
+            </a:r>
+            <a:r>
+              <a:rPr sz="900" dirty="0">
+                <a:latin typeface="Lucida Sans"/>
+                <a:cs typeface="Lucida Sans"/>
+              </a:rPr>
+              <a:t>with other</a:t>
+            </a:r>
+            <a:r>
+              <a:rPr sz="900" spc="-15" dirty="0">
+                <a:latin typeface="Lucida Sans"/>
+                <a:cs typeface="Lucida Sans"/>
+              </a:rPr>
+              <a:t> </a:t>
+            </a:r>
+            <a:r>
+              <a:rPr sz="900" dirty="0">
+                <a:latin typeface="Lucida Sans"/>
+                <a:cs typeface="Lucida Sans"/>
+              </a:rPr>
+              <a:t>behavioral</a:t>
+            </a:r>
+            <a:r>
+              <a:rPr sz="900" spc="-5" dirty="0">
+                <a:latin typeface="Lucida Sans"/>
+                <a:cs typeface="Lucida Sans"/>
+              </a:rPr>
+              <a:t> </a:t>
+            </a:r>
+            <a:r>
+              <a:rPr sz="900" spc="-10" dirty="0">
+                <a:latin typeface="Lucida Sans"/>
+                <a:cs typeface="Lucida Sans"/>
+              </a:rPr>
+              <a:t>models</a:t>
+            </a:r>
+            <a:endParaRPr sz="900" dirty="0">
+              <a:latin typeface="Lucida Sans"/>
+              <a:cs typeface="Lucida Sans"/>
+            </a:endParaRPr>
+          </a:p>
+          <a:p>
+            <a:pPr marL="241300" marR="149860" indent="-228600">
+              <a:lnSpc>
+                <a:spcPts val="1010"/>
+              </a:lnSpc>
+              <a:spcBef>
+                <a:spcPts val="114"/>
+              </a:spcBef>
+            </a:pPr>
+            <a:r>
+              <a:rPr sz="900" dirty="0">
+                <a:latin typeface="Lucida Sans"/>
+                <a:cs typeface="Lucida Sans"/>
+              </a:rPr>
+              <a:t>2.</a:t>
+            </a:r>
+            <a:r>
+              <a:rPr sz="900" spc="170" dirty="0">
+                <a:latin typeface="Lucida Sans"/>
+                <a:cs typeface="Lucida Sans"/>
+              </a:rPr>
+              <a:t>  </a:t>
+            </a:r>
+            <a:r>
+              <a:rPr sz="900" dirty="0">
+                <a:latin typeface="Lucida Sans"/>
+                <a:cs typeface="Lucida Sans"/>
+              </a:rPr>
+              <a:t>Supports multiple</a:t>
+            </a:r>
+            <a:r>
+              <a:rPr sz="900" spc="-10" dirty="0">
+                <a:latin typeface="Lucida Sans"/>
+                <a:cs typeface="Lucida Sans"/>
+              </a:rPr>
+              <a:t> </a:t>
+            </a:r>
+            <a:r>
+              <a:rPr sz="900" dirty="0">
+                <a:latin typeface="Lucida Sans"/>
+                <a:cs typeface="Lucida Sans"/>
+              </a:rPr>
+              <a:t>user</a:t>
+            </a:r>
+            <a:r>
+              <a:rPr sz="900" spc="-10" dirty="0">
+                <a:latin typeface="Lucida Sans"/>
+                <a:cs typeface="Lucida Sans"/>
+              </a:rPr>
+              <a:t> </a:t>
+            </a:r>
+            <a:r>
+              <a:rPr sz="900" dirty="0">
+                <a:latin typeface="Lucida Sans"/>
+                <a:cs typeface="Lucida Sans"/>
+              </a:rPr>
+              <a:t>segment</a:t>
+            </a:r>
+            <a:r>
+              <a:rPr lang="en-US" altLang="zh-CN" sz="900" dirty="0">
+                <a:latin typeface="Lucida Sans"/>
+                <a:cs typeface="Lucida Sans"/>
+              </a:rPr>
+              <a:t>s.</a:t>
+            </a:r>
+            <a:endParaRPr sz="900" dirty="0">
+              <a:latin typeface="Lucida Sans"/>
+              <a:cs typeface="Lucida Sans"/>
+            </a:endParaRPr>
+          </a:p>
+        </p:txBody>
+      </p:sp>
+      <p:sp>
+        <p:nvSpPr>
+          <p:cNvPr id="29" name="Google Shape;137;p22">
+            <a:extLst>
+              <a:ext uri="{FF2B5EF4-FFF2-40B4-BE49-F238E27FC236}">
+                <a16:creationId xmlns:a16="http://schemas.microsoft.com/office/drawing/2014/main" id="{9552A11E-8A0B-2F6D-DB5B-E7323318EDF4}"/>
+              </a:ext>
+            </a:extLst>
+          </p:cNvPr>
+          <p:cNvSpPr txBox="1">
+            <a:spLocks/>
+          </p:cNvSpPr>
+          <p:nvPr/>
+        </p:nvSpPr>
+        <p:spPr>
+          <a:xfrm>
+            <a:off x="311700" y="128000"/>
+            <a:ext cx="8520600" cy="1016700"/>
+          </a:xfrm>
+          <a:prstGeom prst="rect">
+            <a:avLst/>
+          </a:prstGeom>
+          <a:noFill/>
+          <a:ln>
+            <a:noFill/>
+          </a:ln>
+        </p:spPr>
+        <p:txBody>
+          <a:bodyPr spcFirstLastPara="1" wrap="square" lIns="91425" tIns="91425" rIns="91425" bIns="91425" anchor="t" anchorCtr="0">
+            <a:noAutofit/>
+          </a:bodyPr>
+          <a:lstStyle>
+            <a:defPPr marR="0" lvl="0" algn="l" rtl="0">
+              <a:lnSpc>
+                <a:spcPct val="100000"/>
+              </a:lnSpc>
+              <a:spcBef>
+                <a:spcPts val="0"/>
+              </a:spcBef>
+              <a:spcAft>
+                <a:spcPts val="0"/>
+              </a:spcAft>
+            </a:defPPr>
+            <a:lvl1pPr marR="0" lvl="0" algn="l" rtl="0">
+              <a:lnSpc>
+                <a:spcPct val="100000"/>
+              </a:lnSpc>
+              <a:spcBef>
+                <a:spcPts val="0"/>
+              </a:spcBef>
+              <a:spcAft>
+                <a:spcPts val="0"/>
+              </a:spcAft>
+              <a:buClr>
+                <a:schemeClr val="dk1"/>
+              </a:buClr>
+              <a:buSzPts val="2800"/>
+              <a:buFont typeface="Georgia"/>
+              <a:buNone/>
+              <a:defRPr sz="2800" b="1" i="0" u="none" strike="noStrike" cap="none">
+                <a:solidFill>
+                  <a:schemeClr val="tx1"/>
+                </a:solidFill>
+                <a:latin typeface="Georgia"/>
+                <a:ea typeface="Georgia"/>
+                <a:cs typeface="Georgia"/>
+                <a:sym typeface="Georgia"/>
+              </a:defRPr>
+            </a:lvl1pPr>
+            <a:lvl2pPr marR="0" lvl="1" algn="l" rtl="0">
+              <a:lnSpc>
+                <a:spcPct val="100000"/>
+              </a:lnSpc>
+              <a:spcBef>
+                <a:spcPts val="0"/>
+              </a:spcBef>
+              <a:spcAft>
+                <a:spcPts val="0"/>
+              </a:spcAft>
+              <a:buClr>
+                <a:schemeClr val="dk1"/>
+              </a:buClr>
+              <a:buSzPts val="2800"/>
+              <a:buFont typeface="Georgia"/>
+              <a:buNone/>
+              <a:defRPr sz="2800" b="0" i="0" u="none" strike="noStrike" cap="none">
+                <a:solidFill>
+                  <a:schemeClr val="dk1"/>
+                </a:solidFill>
+                <a:latin typeface="Georgia"/>
+                <a:ea typeface="Georgia"/>
+                <a:cs typeface="Georgia"/>
+                <a:sym typeface="Georgia"/>
+              </a:defRPr>
+            </a:lvl2pPr>
+            <a:lvl3pPr marR="0" lvl="2" algn="l" rtl="0">
+              <a:lnSpc>
+                <a:spcPct val="100000"/>
+              </a:lnSpc>
+              <a:spcBef>
+                <a:spcPts val="0"/>
+              </a:spcBef>
+              <a:spcAft>
+                <a:spcPts val="0"/>
+              </a:spcAft>
+              <a:buClr>
+                <a:schemeClr val="dk1"/>
+              </a:buClr>
+              <a:buSzPts val="2800"/>
+              <a:buFont typeface="Georgia"/>
+              <a:buNone/>
+              <a:defRPr sz="2800" b="0" i="0" u="none" strike="noStrike" cap="none">
+                <a:solidFill>
+                  <a:schemeClr val="dk1"/>
+                </a:solidFill>
+                <a:latin typeface="Georgia"/>
+                <a:ea typeface="Georgia"/>
+                <a:cs typeface="Georgia"/>
+                <a:sym typeface="Georgia"/>
+              </a:defRPr>
+            </a:lvl3pPr>
+            <a:lvl4pPr marR="0" lvl="3" algn="l" rtl="0">
+              <a:lnSpc>
+                <a:spcPct val="100000"/>
+              </a:lnSpc>
+              <a:spcBef>
+                <a:spcPts val="0"/>
+              </a:spcBef>
+              <a:spcAft>
+                <a:spcPts val="0"/>
+              </a:spcAft>
+              <a:buClr>
+                <a:schemeClr val="dk1"/>
+              </a:buClr>
+              <a:buSzPts val="2800"/>
+              <a:buFont typeface="Georgia"/>
+              <a:buNone/>
+              <a:defRPr sz="2800" b="0" i="0" u="none" strike="noStrike" cap="none">
+                <a:solidFill>
+                  <a:schemeClr val="dk1"/>
+                </a:solidFill>
+                <a:latin typeface="Georgia"/>
+                <a:ea typeface="Georgia"/>
+                <a:cs typeface="Georgia"/>
+                <a:sym typeface="Georgia"/>
+              </a:defRPr>
+            </a:lvl4pPr>
+            <a:lvl5pPr marR="0" lvl="4" algn="l" rtl="0">
+              <a:lnSpc>
+                <a:spcPct val="100000"/>
+              </a:lnSpc>
+              <a:spcBef>
+                <a:spcPts val="0"/>
+              </a:spcBef>
+              <a:spcAft>
+                <a:spcPts val="0"/>
+              </a:spcAft>
+              <a:buClr>
+                <a:schemeClr val="dk1"/>
+              </a:buClr>
+              <a:buSzPts val="2800"/>
+              <a:buFont typeface="Georgia"/>
+              <a:buNone/>
+              <a:defRPr sz="2800" b="0" i="0" u="none" strike="noStrike" cap="none">
+                <a:solidFill>
+                  <a:schemeClr val="dk1"/>
+                </a:solidFill>
+                <a:latin typeface="Georgia"/>
+                <a:ea typeface="Georgia"/>
+                <a:cs typeface="Georgia"/>
+                <a:sym typeface="Georgia"/>
+              </a:defRPr>
+            </a:lvl5pPr>
+            <a:lvl6pPr marR="0" lvl="5" algn="l" rtl="0">
+              <a:lnSpc>
+                <a:spcPct val="100000"/>
+              </a:lnSpc>
+              <a:spcBef>
+                <a:spcPts val="0"/>
+              </a:spcBef>
+              <a:spcAft>
+                <a:spcPts val="0"/>
+              </a:spcAft>
+              <a:buClr>
+                <a:schemeClr val="dk1"/>
+              </a:buClr>
+              <a:buSzPts val="2800"/>
+              <a:buFont typeface="Georgia"/>
+              <a:buNone/>
+              <a:defRPr sz="2800" b="0" i="0" u="none" strike="noStrike" cap="none">
+                <a:solidFill>
+                  <a:schemeClr val="dk1"/>
+                </a:solidFill>
+                <a:latin typeface="Georgia"/>
+                <a:ea typeface="Georgia"/>
+                <a:cs typeface="Georgia"/>
+                <a:sym typeface="Georgia"/>
+              </a:defRPr>
+            </a:lvl6pPr>
+            <a:lvl7pPr marR="0" lvl="6" algn="l" rtl="0">
+              <a:lnSpc>
+                <a:spcPct val="100000"/>
+              </a:lnSpc>
+              <a:spcBef>
+                <a:spcPts val="0"/>
+              </a:spcBef>
+              <a:spcAft>
+                <a:spcPts val="0"/>
+              </a:spcAft>
+              <a:buClr>
+                <a:schemeClr val="dk1"/>
+              </a:buClr>
+              <a:buSzPts val="2800"/>
+              <a:buFont typeface="Georgia"/>
+              <a:buNone/>
+              <a:defRPr sz="2800" b="0" i="0" u="none" strike="noStrike" cap="none">
+                <a:solidFill>
+                  <a:schemeClr val="dk1"/>
+                </a:solidFill>
+                <a:latin typeface="Georgia"/>
+                <a:ea typeface="Georgia"/>
+                <a:cs typeface="Georgia"/>
+                <a:sym typeface="Georgia"/>
+              </a:defRPr>
+            </a:lvl7pPr>
+            <a:lvl8pPr marR="0" lvl="7" algn="l" rtl="0">
+              <a:lnSpc>
+                <a:spcPct val="100000"/>
+              </a:lnSpc>
+              <a:spcBef>
+                <a:spcPts val="0"/>
+              </a:spcBef>
+              <a:spcAft>
+                <a:spcPts val="0"/>
+              </a:spcAft>
+              <a:buClr>
+                <a:schemeClr val="dk1"/>
+              </a:buClr>
+              <a:buSzPts val="2800"/>
+              <a:buFont typeface="Georgia"/>
+              <a:buNone/>
+              <a:defRPr sz="2800" b="0" i="0" u="none" strike="noStrike" cap="none">
+                <a:solidFill>
+                  <a:schemeClr val="dk1"/>
+                </a:solidFill>
+                <a:latin typeface="Georgia"/>
+                <a:ea typeface="Georgia"/>
+                <a:cs typeface="Georgia"/>
+                <a:sym typeface="Georgia"/>
+              </a:defRPr>
+            </a:lvl8pPr>
+            <a:lvl9pPr marR="0" lvl="8" algn="l" rtl="0">
+              <a:lnSpc>
+                <a:spcPct val="100000"/>
+              </a:lnSpc>
+              <a:spcBef>
+                <a:spcPts val="0"/>
+              </a:spcBef>
+              <a:spcAft>
+                <a:spcPts val="0"/>
+              </a:spcAft>
+              <a:buClr>
+                <a:schemeClr val="dk1"/>
+              </a:buClr>
+              <a:buSzPts val="2800"/>
+              <a:buFont typeface="Georgia"/>
+              <a:buNone/>
+              <a:defRPr sz="2800" b="0" i="0" u="none" strike="noStrike" cap="none">
+                <a:solidFill>
+                  <a:schemeClr val="dk1"/>
+                </a:solidFill>
+                <a:latin typeface="Georgia"/>
+                <a:ea typeface="Georgia"/>
+                <a:cs typeface="Georgia"/>
+                <a:sym typeface="Georgia"/>
+              </a:defRPr>
+            </a:lvl9pPr>
+          </a:lstStyle>
+          <a:p>
+            <a:pPr>
+              <a:buSzPts val="1100"/>
+              <a:buFont typeface="Arial"/>
+              <a:buNone/>
+            </a:pPr>
+            <a:r>
+              <a:rPr lang="en-US" altLang="zh-CN" dirty="0"/>
+              <a:t>Interface</a:t>
+            </a:r>
+            <a:endParaRPr lang="en-US" dirty="0"/>
+          </a:p>
+        </p:txBody>
+      </p:sp>
+      <p:sp>
+        <p:nvSpPr>
+          <p:cNvPr id="32" name="TextBox 31">
+            <a:extLst>
+              <a:ext uri="{FF2B5EF4-FFF2-40B4-BE49-F238E27FC236}">
+                <a16:creationId xmlns:a16="http://schemas.microsoft.com/office/drawing/2014/main" id="{7693B0D1-289E-5C47-45B7-BA70B222AB8B}"/>
+              </a:ext>
+            </a:extLst>
+          </p:cNvPr>
+          <p:cNvSpPr txBox="1"/>
+          <p:nvPr/>
+        </p:nvSpPr>
+        <p:spPr>
+          <a:xfrm>
+            <a:off x="6462036" y="1320497"/>
+            <a:ext cx="3942746" cy="933269"/>
+          </a:xfrm>
+          <a:prstGeom prst="rect">
+            <a:avLst/>
+          </a:prstGeom>
+          <a:noFill/>
+        </p:spPr>
+        <p:txBody>
+          <a:bodyPr wrap="none" rtlCol="0">
+            <a:spAutoFit/>
+          </a:bodyPr>
+          <a:lstStyle/>
+          <a:p>
+            <a:pPr marR="1626235">
+              <a:lnSpc>
+                <a:spcPct val="96700"/>
+              </a:lnSpc>
+            </a:pPr>
+            <a:r>
+              <a:rPr lang="en-US" sz="900" dirty="0" err="1">
+                <a:latin typeface="Arial"/>
+                <a:cs typeface="Arial"/>
+              </a:rPr>
+              <a:t>init</a:t>
+            </a:r>
+            <a:r>
+              <a:rPr lang="en-US" sz="900" spc="-10" dirty="0">
+                <a:latin typeface="Arial"/>
+                <a:cs typeface="Arial"/>
+              </a:rPr>
+              <a:t> </a:t>
+            </a:r>
+            <a:r>
+              <a:rPr lang="en-US" sz="900" spc="-50" dirty="0">
+                <a:latin typeface="Arial"/>
+                <a:cs typeface="Arial"/>
+              </a:rPr>
+              <a:t>(</a:t>
+            </a:r>
+            <a:r>
+              <a:rPr lang="en-US" sz="900" spc="-10" dirty="0">
+                <a:latin typeface="Arial"/>
+                <a:cs typeface="Arial"/>
+              </a:rPr>
+              <a:t> Problem,</a:t>
+            </a:r>
+          </a:p>
+          <a:p>
+            <a:pPr marR="1626235">
+              <a:lnSpc>
+                <a:spcPct val="96700"/>
+              </a:lnSpc>
+            </a:pPr>
+            <a:r>
+              <a:rPr lang="en-US" sz="900" spc="-10" dirty="0">
+                <a:latin typeface="Arial"/>
+                <a:cs typeface="Arial"/>
+              </a:rPr>
+              <a:t>Parameters,</a:t>
+            </a:r>
+          </a:p>
+          <a:p>
+            <a:pPr marR="1626235">
+              <a:lnSpc>
+                <a:spcPct val="96700"/>
+              </a:lnSpc>
+            </a:pPr>
+            <a:r>
+              <a:rPr lang="en-US" sz="900" spc="-10" dirty="0"/>
+              <a:t>Station,  # station existing user information</a:t>
+            </a:r>
+          </a:p>
+          <a:p>
+            <a:pPr marR="1626235">
+              <a:lnSpc>
+                <a:spcPct val="96700"/>
+              </a:lnSpc>
+            </a:pPr>
+            <a:r>
+              <a:rPr lang="en-US" sz="900" spc="-10" dirty="0">
+                <a:latin typeface="Arial"/>
+                <a:cs typeface="Arial"/>
+              </a:rPr>
+              <a:t>K            # </a:t>
+            </a:r>
+            <a:r>
+              <a:rPr lang="en-US" altLang="zh-CN" sz="900" spc="-10" dirty="0">
+                <a:latin typeface="Arial"/>
+                <a:cs typeface="Arial"/>
+              </a:rPr>
+              <a:t>current time stamp</a:t>
+            </a:r>
+          </a:p>
+          <a:p>
+            <a:pPr marR="1626235">
+              <a:lnSpc>
+                <a:spcPct val="96700"/>
+              </a:lnSpc>
+            </a:pPr>
+            <a:r>
+              <a:rPr lang="en-US" sz="900" spc="-10" dirty="0">
+                <a:latin typeface="Arial"/>
+                <a:cs typeface="Arial"/>
+              </a:rPr>
+              <a:t>)</a:t>
+            </a:r>
+            <a:endParaRPr lang="en-US" sz="900" dirty="0">
+              <a:latin typeface="Arial"/>
+              <a:cs typeface="Arial"/>
+            </a:endParaRPr>
+          </a:p>
+          <a:p>
+            <a:endParaRPr lang="en-US" sz="1100" dirty="0"/>
+          </a:p>
+        </p:txBody>
+      </p:sp>
+    </p:spTree>
+  </p:cSld>
+  <p:clrMapOvr>
+    <a:masterClrMapping/>
+  </p:clrMapOvr>
+</p:sld>
+</file>
+
+<file path=ppt/slides/slide8.xml><?xml version="1.0" encoding="utf-8"?>
+<p:sld xmlns:a="http://schemas.openxmlformats.org/drawingml/2006/main" xmlns:r="http://schemas.openxmlformats.org/officeDocument/2006/relationships" xmlns:p="http://schemas.openxmlformats.org/presentationml/2006/main">
+  <p:cSld>
+    <p:spTree>
+      <p:nvGrpSpPr>
+        <p:cNvPr id="1" name=""/>
+        <p:cNvGrpSpPr/>
+        <p:nvPr/>
+      </p:nvGrpSpPr>
+      <p:grpSpPr>
+        <a:xfrm>
+          <a:off x="0" y="0"/>
+          <a:ext cx="0" cy="0"/>
+          <a:chOff x="0" y="0"/>
+          <a:chExt cx="0" cy="0"/>
+        </a:xfrm>
+      </p:grpSpPr>
+      <p:grpSp>
+        <p:nvGrpSpPr>
+          <p:cNvPr id="2" name="object 2"/>
+          <p:cNvGrpSpPr/>
+          <p:nvPr/>
+        </p:nvGrpSpPr>
+        <p:grpSpPr>
+          <a:xfrm>
+            <a:off x="6624947" y="126963"/>
+            <a:ext cx="2519680" cy="579755"/>
+            <a:chOff x="6624947" y="126963"/>
+            <a:chExt cx="2519680" cy="579755"/>
+          </a:xfrm>
+        </p:grpSpPr>
+        <p:pic>
+          <p:nvPicPr>
+            <p:cNvPr id="3" name="object 3"/>
+            <p:cNvPicPr/>
+            <p:nvPr/>
+          </p:nvPicPr>
+          <p:blipFill>
+            <a:blip r:embed="rId2" cstate="print"/>
+            <a:stretch>
+              <a:fillRect/>
+            </a:stretch>
+          </p:blipFill>
+          <p:spPr>
+            <a:xfrm>
+              <a:off x="8254502" y="126963"/>
+              <a:ext cx="889497" cy="579337"/>
+            </a:xfrm>
+            <a:prstGeom prst="rect">
+              <a:avLst/>
+            </a:prstGeom>
+          </p:spPr>
+        </p:pic>
+        <p:pic>
+          <p:nvPicPr>
+            <p:cNvPr id="4" name="object 4"/>
+            <p:cNvPicPr/>
+            <p:nvPr/>
+          </p:nvPicPr>
+          <p:blipFill>
+            <a:blip r:embed="rId3" cstate="print"/>
+            <a:stretch>
+              <a:fillRect/>
+            </a:stretch>
+          </p:blipFill>
+          <p:spPr>
+            <a:xfrm>
+              <a:off x="6624947" y="126963"/>
+              <a:ext cx="1738011" cy="579337"/>
+            </a:xfrm>
+            <a:prstGeom prst="rect">
+              <a:avLst/>
+            </a:prstGeom>
+          </p:spPr>
+        </p:pic>
+      </p:grpSp>
+      <p:sp>
+        <p:nvSpPr>
+          <p:cNvPr id="5" name="object 5"/>
+          <p:cNvSpPr/>
+          <p:nvPr/>
+        </p:nvSpPr>
+        <p:spPr>
+          <a:xfrm>
+            <a:off x="91439" y="3978130"/>
+            <a:ext cx="2533015" cy="307975"/>
+          </a:xfrm>
+          <a:custGeom>
+            <a:avLst/>
+            <a:gdLst/>
+            <a:ahLst/>
+            <a:cxnLst/>
+            <a:rect l="l" t="t" r="r" b="b"/>
+            <a:pathLst>
+              <a:path w="2533015" h="307975">
+                <a:moveTo>
+                  <a:pt x="0" y="0"/>
+                </a:moveTo>
+                <a:lnTo>
+                  <a:pt x="2532888" y="0"/>
+                </a:lnTo>
+                <a:lnTo>
+                  <a:pt x="2532888" y="307777"/>
+                </a:lnTo>
+                <a:lnTo>
+                  <a:pt x="0" y="307777"/>
+                </a:lnTo>
+                <a:lnTo>
+                  <a:pt x="0" y="0"/>
+                </a:lnTo>
+                <a:close/>
+              </a:path>
+            </a:pathLst>
+          </a:custGeom>
+          <a:ln w="25400">
+            <a:solidFill>
+              <a:srgbClr val="000000"/>
+            </a:solidFill>
+          </a:ln>
+        </p:spPr>
+        <p:txBody>
+          <a:bodyPr wrap="square" lIns="0" tIns="0" rIns="0" bIns="0" rtlCol="0"/>
+          <a:lstStyle/>
+          <a:p>
+            <a:endParaRPr/>
+          </a:p>
+        </p:txBody>
+      </p:sp>
+      <p:sp>
+        <p:nvSpPr>
+          <p:cNvPr id="6" name="object 6"/>
+          <p:cNvSpPr txBox="1"/>
+          <p:nvPr/>
+        </p:nvSpPr>
+        <p:spPr>
+          <a:xfrm>
+            <a:off x="633983" y="4012691"/>
+            <a:ext cx="1447800" cy="238760"/>
+          </a:xfrm>
+          <a:prstGeom prst="rect">
+            <a:avLst/>
+          </a:prstGeom>
+        </p:spPr>
+        <p:txBody>
+          <a:bodyPr vert="horz" wrap="square" lIns="0" tIns="12700" rIns="0" bIns="0" rtlCol="0">
+            <a:spAutoFit/>
+          </a:bodyPr>
+          <a:lstStyle/>
+          <a:p>
+            <a:pPr marL="12700">
+              <a:lnSpc>
+                <a:spcPct val="100000"/>
+              </a:lnSpc>
+              <a:spcBef>
+                <a:spcPts val="100"/>
+              </a:spcBef>
+            </a:pPr>
+            <a:r>
+              <a:rPr sz="1400" b="1" dirty="0">
+                <a:solidFill>
+                  <a:srgbClr val="FF0000"/>
+                </a:solidFill>
+                <a:latin typeface="Arial"/>
+                <a:cs typeface="Arial"/>
+              </a:rPr>
+              <a:t>Driver’s</a:t>
+            </a:r>
+            <a:r>
+              <a:rPr sz="1400" b="1" spc="-15" dirty="0">
+                <a:solidFill>
+                  <a:srgbClr val="FF0000"/>
+                </a:solidFill>
+                <a:latin typeface="Arial"/>
+                <a:cs typeface="Arial"/>
+              </a:rPr>
+              <a:t> </a:t>
+            </a:r>
+            <a:r>
+              <a:rPr sz="1400" b="1" spc="-10" dirty="0">
+                <a:solidFill>
+                  <a:srgbClr val="FF0000"/>
+                </a:solidFill>
+                <a:latin typeface="Arial"/>
+                <a:cs typeface="Arial"/>
+              </a:rPr>
+              <a:t>Problem</a:t>
+            </a:r>
+            <a:endParaRPr sz="1400">
+              <a:latin typeface="Arial"/>
+              <a:cs typeface="Arial"/>
+            </a:endParaRPr>
+          </a:p>
+        </p:txBody>
+      </p:sp>
+      <p:sp>
+        <p:nvSpPr>
+          <p:cNvPr id="7" name="object 7"/>
+          <p:cNvSpPr/>
+          <p:nvPr/>
+        </p:nvSpPr>
+        <p:spPr>
+          <a:xfrm>
+            <a:off x="3306555" y="3978130"/>
+            <a:ext cx="2531110" cy="307975"/>
+          </a:xfrm>
+          <a:custGeom>
+            <a:avLst/>
+            <a:gdLst/>
+            <a:ahLst/>
+            <a:cxnLst/>
+            <a:rect l="l" t="t" r="r" b="b"/>
+            <a:pathLst>
+              <a:path w="2531110" h="307975">
+                <a:moveTo>
+                  <a:pt x="0" y="0"/>
+                </a:moveTo>
+                <a:lnTo>
+                  <a:pt x="2530890" y="0"/>
+                </a:lnTo>
+                <a:lnTo>
+                  <a:pt x="2530890" y="307777"/>
+                </a:lnTo>
+                <a:lnTo>
+                  <a:pt x="0" y="307777"/>
+                </a:lnTo>
+                <a:lnTo>
+                  <a:pt x="0" y="0"/>
+                </a:lnTo>
+                <a:close/>
+              </a:path>
+            </a:pathLst>
+          </a:custGeom>
+          <a:ln w="25400">
+            <a:solidFill>
+              <a:srgbClr val="000000"/>
+            </a:solidFill>
+          </a:ln>
+        </p:spPr>
+        <p:txBody>
+          <a:bodyPr wrap="square" lIns="0" tIns="0" rIns="0" bIns="0" rtlCol="0"/>
+          <a:lstStyle/>
+          <a:p>
+            <a:endParaRPr/>
+          </a:p>
+        </p:txBody>
+      </p:sp>
+      <p:sp>
+        <p:nvSpPr>
+          <p:cNvPr id="8" name="object 8"/>
+          <p:cNvSpPr txBox="1"/>
+          <p:nvPr/>
+        </p:nvSpPr>
+        <p:spPr>
+          <a:xfrm>
+            <a:off x="3513931" y="4009644"/>
+            <a:ext cx="2117090" cy="238760"/>
+          </a:xfrm>
+          <a:prstGeom prst="rect">
+            <a:avLst/>
+          </a:prstGeom>
+        </p:spPr>
+        <p:txBody>
+          <a:bodyPr vert="horz" wrap="square" lIns="0" tIns="12700" rIns="0" bIns="0" rtlCol="0">
+            <a:spAutoFit/>
+          </a:bodyPr>
+          <a:lstStyle/>
+          <a:p>
+            <a:pPr marL="12700">
+              <a:lnSpc>
+                <a:spcPct val="100000"/>
+              </a:lnSpc>
+              <a:spcBef>
+                <a:spcPts val="100"/>
+              </a:spcBef>
+            </a:pPr>
+            <a:r>
+              <a:rPr sz="1400" b="1" dirty="0">
+                <a:solidFill>
+                  <a:srgbClr val="098585"/>
+                </a:solidFill>
+                <a:latin typeface="Arial"/>
+                <a:cs typeface="Arial"/>
+              </a:rPr>
+              <a:t>Optimization</a:t>
+            </a:r>
+            <a:r>
+              <a:rPr sz="1400" b="1" spc="-60" dirty="0">
+                <a:solidFill>
+                  <a:srgbClr val="098585"/>
+                </a:solidFill>
+                <a:latin typeface="Arial"/>
+                <a:cs typeface="Arial"/>
+              </a:rPr>
+              <a:t> </a:t>
+            </a:r>
+            <a:r>
+              <a:rPr sz="1400" b="1" spc="-10" dirty="0">
+                <a:solidFill>
+                  <a:srgbClr val="098585"/>
+                </a:solidFill>
+                <a:latin typeface="Arial"/>
+                <a:cs typeface="Arial"/>
+              </a:rPr>
+              <a:t>Parameters</a:t>
+            </a:r>
+            <a:endParaRPr sz="1400">
+              <a:latin typeface="Arial"/>
+              <a:cs typeface="Arial"/>
+            </a:endParaRPr>
+          </a:p>
+        </p:txBody>
+      </p:sp>
+      <p:sp>
+        <p:nvSpPr>
+          <p:cNvPr id="9" name="object 9"/>
+          <p:cNvSpPr/>
+          <p:nvPr/>
+        </p:nvSpPr>
+        <p:spPr>
+          <a:xfrm>
+            <a:off x="6492240" y="3978130"/>
+            <a:ext cx="2531110" cy="307975"/>
+          </a:xfrm>
+          <a:custGeom>
+            <a:avLst/>
+            <a:gdLst/>
+            <a:ahLst/>
+            <a:cxnLst/>
+            <a:rect l="l" t="t" r="r" b="b"/>
+            <a:pathLst>
+              <a:path w="2531109" h="307975">
+                <a:moveTo>
+                  <a:pt x="0" y="0"/>
+                </a:moveTo>
+                <a:lnTo>
+                  <a:pt x="2530890" y="0"/>
+                </a:lnTo>
+                <a:lnTo>
+                  <a:pt x="2530890" y="307777"/>
+                </a:lnTo>
+                <a:lnTo>
+                  <a:pt x="0" y="307777"/>
+                </a:lnTo>
+                <a:lnTo>
+                  <a:pt x="0" y="0"/>
+                </a:lnTo>
+                <a:close/>
+              </a:path>
+            </a:pathLst>
+          </a:custGeom>
+          <a:ln w="25400">
+            <a:solidFill>
+              <a:srgbClr val="000000"/>
+            </a:solidFill>
+          </a:ln>
+        </p:spPr>
+        <p:txBody>
+          <a:bodyPr wrap="square" lIns="0" tIns="0" rIns="0" bIns="0" rtlCol="0"/>
+          <a:lstStyle/>
+          <a:p>
+            <a:endParaRPr/>
+          </a:p>
+        </p:txBody>
+      </p:sp>
+      <p:sp>
+        <p:nvSpPr>
+          <p:cNvPr id="10" name="object 10"/>
+          <p:cNvSpPr txBox="1"/>
+          <p:nvPr/>
+        </p:nvSpPr>
+        <p:spPr>
+          <a:xfrm>
+            <a:off x="6956790" y="4009644"/>
+            <a:ext cx="1602740" cy="238760"/>
+          </a:xfrm>
+          <a:prstGeom prst="rect">
+            <a:avLst/>
+          </a:prstGeom>
+        </p:spPr>
+        <p:txBody>
+          <a:bodyPr vert="horz" wrap="square" lIns="0" tIns="12700" rIns="0" bIns="0" rtlCol="0">
+            <a:spAutoFit/>
+          </a:bodyPr>
+          <a:lstStyle/>
+          <a:p>
+            <a:pPr marL="12700">
+              <a:lnSpc>
+                <a:spcPct val="100000"/>
+              </a:lnSpc>
+              <a:spcBef>
+                <a:spcPts val="100"/>
+              </a:spcBef>
+            </a:pPr>
+            <a:r>
+              <a:rPr sz="1400" b="1" dirty="0">
+                <a:solidFill>
+                  <a:srgbClr val="1610FF"/>
+                </a:solidFill>
+                <a:latin typeface="Arial"/>
+                <a:cs typeface="Arial"/>
+              </a:rPr>
+              <a:t>Decision</a:t>
+            </a:r>
+            <a:r>
+              <a:rPr sz="1400" b="1" spc="-45" dirty="0">
+                <a:solidFill>
+                  <a:srgbClr val="1610FF"/>
+                </a:solidFill>
+                <a:latin typeface="Arial"/>
+                <a:cs typeface="Arial"/>
+              </a:rPr>
+              <a:t> </a:t>
+            </a:r>
+            <a:r>
+              <a:rPr sz="1400" b="1" spc="-10" dirty="0">
+                <a:solidFill>
+                  <a:srgbClr val="1610FF"/>
+                </a:solidFill>
+                <a:latin typeface="Arial"/>
+                <a:cs typeface="Arial"/>
+              </a:rPr>
+              <a:t>Variables</a:t>
+            </a:r>
+            <a:endParaRPr sz="1400">
+              <a:latin typeface="Arial"/>
+              <a:cs typeface="Arial"/>
+            </a:endParaRPr>
+          </a:p>
+        </p:txBody>
+      </p:sp>
+      <p:graphicFrame>
+        <p:nvGraphicFramePr>
+          <p:cNvPr id="11" name="object 11"/>
+          <p:cNvGraphicFramePr>
+            <a:graphicFrameLocks noGrp="1"/>
+          </p:cNvGraphicFramePr>
+          <p:nvPr/>
+        </p:nvGraphicFramePr>
+        <p:xfrm>
+          <a:off x="3299793" y="1154285"/>
+          <a:ext cx="2533015" cy="2728595"/>
+        </p:xfrm>
+        <a:graphic>
+          <a:graphicData uri="http://schemas.openxmlformats.org/drawingml/2006/table">
+            <a:tbl>
+              <a:tblPr firstRow="1" bandRow="1">
+                <a:tableStyleId>{2D5ABB26-0587-4C30-8999-92F81FD0307C}</a:tableStyleId>
+              </a:tblPr>
+              <a:tblGrid>
+                <a:gridCol w="847090">
+                  <a:extLst>
+                    <a:ext uri="{9D8B030D-6E8A-4147-A177-3AD203B41FA5}">
+                      <a16:colId xmlns:a16="http://schemas.microsoft.com/office/drawing/2014/main" val="20000"/>
+                    </a:ext>
+                  </a:extLst>
+                </a:gridCol>
+                <a:gridCol w="1685925">
+                  <a:extLst>
+                    <a:ext uri="{9D8B030D-6E8A-4147-A177-3AD203B41FA5}">
+                      <a16:colId xmlns:a16="http://schemas.microsoft.com/office/drawing/2014/main" val="20001"/>
+                    </a:ext>
+                  </a:extLst>
+                </a:gridCol>
+              </a:tblGrid>
+              <a:tr h="338455">
+                <a:tc gridSpan="2">
+                  <a:txBody>
+                    <a:bodyPr/>
+                    <a:lstStyle/>
+                    <a:p>
+                      <a:pPr marL="90805">
+                        <a:lnSpc>
+                          <a:spcPct val="100000"/>
+                        </a:lnSpc>
+                        <a:spcBef>
+                          <a:spcPts val="720"/>
+                        </a:spcBef>
+                      </a:pPr>
+                      <a:r>
+                        <a:rPr sz="1000" dirty="0">
+                          <a:solidFill>
+                            <a:srgbClr val="212121"/>
+                          </a:solidFill>
+                          <a:latin typeface="Lucida Sans"/>
+                          <a:cs typeface="Lucida Sans"/>
+                        </a:rPr>
+                        <a:t>Class</a:t>
+                      </a:r>
+                      <a:r>
+                        <a:rPr sz="1000" spc="-20" dirty="0">
+                          <a:solidFill>
+                            <a:srgbClr val="212121"/>
+                          </a:solidFill>
+                          <a:latin typeface="Lucida Sans"/>
+                          <a:cs typeface="Lucida Sans"/>
+                        </a:rPr>
+                        <a:t> </a:t>
+                      </a:r>
+                      <a:r>
+                        <a:rPr sz="1000" i="1" spc="-10" dirty="0">
+                          <a:solidFill>
+                            <a:srgbClr val="212121"/>
+                          </a:solidFill>
+                          <a:latin typeface="Lucida Sans"/>
+                          <a:cs typeface="Lucida Sans"/>
+                        </a:rPr>
+                        <a:t>Parameters</a:t>
+                      </a:r>
+                      <a:endParaRPr sz="1000">
+                        <a:latin typeface="Lucida Sans"/>
+                        <a:cs typeface="Lucida Sans"/>
+                      </a:endParaRPr>
+                    </a:p>
+                  </a:txBody>
+                  <a:tcPr marL="0" marR="0" marT="91440" marB="0">
+                    <a:lnL w="9525">
+                      <a:solidFill>
+                        <a:srgbClr val="098585"/>
+                      </a:solidFill>
+                      <a:prstDash val="solid"/>
+                    </a:lnL>
+                    <a:lnR w="9525">
+                      <a:solidFill>
+                        <a:srgbClr val="098585"/>
+                      </a:solidFill>
+                      <a:prstDash val="solid"/>
+                    </a:lnR>
+                    <a:lnT w="9525">
+                      <a:solidFill>
+                        <a:srgbClr val="098585"/>
+                      </a:solidFill>
+                      <a:prstDash val="solid"/>
+                    </a:lnT>
+                    <a:lnB w="9525">
+                      <a:solidFill>
+                        <a:srgbClr val="098585"/>
+                      </a:solidFill>
+                      <a:prstDash val="solid"/>
+                    </a:lnB>
+                    <a:solidFill>
+                      <a:srgbClr val="098585">
+                        <a:alpha val="30198"/>
+                      </a:srgbClr>
+                    </a:solidFill>
+                  </a:tcPr>
+                </a:tc>
+                <a:tc hMerge="1">
+                  <a:txBody>
+                    <a:bodyPr/>
+                    <a:lstStyle/>
+                    <a:p>
+                      <a:endParaRPr/>
+                    </a:p>
+                  </a:txBody>
+                  <a:tcPr marL="0" marR="0" marT="0" marB="0"/>
+                </a:tc>
+                <a:extLst>
+                  <a:ext uri="{0D108BD9-81ED-4DB2-BD59-A6C34878D82A}">
+                    <a16:rowId xmlns:a16="http://schemas.microsoft.com/office/drawing/2014/main" val="10000"/>
+                  </a:ext>
+                </a:extLst>
+              </a:tr>
+              <a:tr h="235585">
+                <a:tc>
+                  <a:txBody>
+                    <a:bodyPr/>
+                    <a:lstStyle/>
+                    <a:p>
+                      <a:pPr marL="90805">
+                        <a:lnSpc>
+                          <a:spcPts val="1040"/>
+                        </a:lnSpc>
+                        <a:spcBef>
+                          <a:spcPts val="720"/>
+                        </a:spcBef>
+                      </a:pPr>
+                      <a:r>
+                        <a:rPr sz="900" dirty="0">
+                          <a:latin typeface="Lucida Sans"/>
+                          <a:cs typeface="Lucida Sans"/>
+                        </a:rPr>
+                        <a:t>Init </a:t>
+                      </a:r>
+                      <a:r>
+                        <a:rPr sz="900" spc="-50" dirty="0">
+                          <a:latin typeface="Lucida Sans"/>
+                          <a:cs typeface="Lucida Sans"/>
+                        </a:rPr>
+                        <a:t>(</a:t>
+                      </a:r>
+                      <a:endParaRPr sz="900">
+                        <a:latin typeface="Lucida Sans"/>
+                        <a:cs typeface="Lucida Sans"/>
+                      </a:endParaRPr>
+                    </a:p>
+                  </a:txBody>
+                  <a:tcPr marL="0" marR="0" marT="91440" marB="0">
+                    <a:lnL w="9525">
+                      <a:solidFill>
+                        <a:srgbClr val="098585"/>
+                      </a:solidFill>
+                      <a:prstDash val="solid"/>
+                    </a:lnL>
+                    <a:lnT w="9525">
+                      <a:solidFill>
+                        <a:srgbClr val="098585"/>
+                      </a:solidFill>
+                      <a:prstDash val="solid"/>
+                    </a:lnT>
+                    <a:solidFill>
+                      <a:srgbClr val="098585">
+                        <a:alpha val="30198"/>
+                      </a:srgbClr>
+                    </a:solidFill>
+                  </a:tcPr>
+                </a:tc>
+                <a:tc>
+                  <a:txBody>
+                    <a:bodyPr/>
+                    <a:lstStyle/>
+                    <a:p>
+                      <a:pPr>
+                        <a:lnSpc>
+                          <a:spcPct val="100000"/>
+                        </a:lnSpc>
+                      </a:pPr>
+                      <a:endParaRPr sz="900">
+                        <a:latin typeface="Times New Roman"/>
+                        <a:cs typeface="Times New Roman"/>
+                      </a:endParaRPr>
+                    </a:p>
+                  </a:txBody>
+                  <a:tcPr marL="0" marR="0" marT="0" marB="0">
+                    <a:lnR w="9525">
+                      <a:solidFill>
+                        <a:srgbClr val="098585"/>
+                      </a:solidFill>
+                      <a:prstDash val="solid"/>
+                    </a:lnR>
+                    <a:lnT w="9525">
+                      <a:solidFill>
+                        <a:srgbClr val="098585"/>
+                      </a:solidFill>
+                      <a:prstDash val="solid"/>
+                    </a:lnT>
+                    <a:solidFill>
+                      <a:srgbClr val="098585">
+                        <a:alpha val="30198"/>
+                      </a:srgbClr>
+                    </a:solidFill>
+                  </a:tcPr>
+                </a:tc>
+                <a:extLst>
+                  <a:ext uri="{0D108BD9-81ED-4DB2-BD59-A6C34878D82A}">
+                    <a16:rowId xmlns:a16="http://schemas.microsoft.com/office/drawing/2014/main" val="10001"/>
+                  </a:ext>
+                </a:extLst>
+              </a:tr>
+              <a:tr h="132080">
+                <a:tc>
+                  <a:txBody>
+                    <a:bodyPr/>
+                    <a:lstStyle/>
+                    <a:p>
+                      <a:pPr marL="90805">
+                        <a:lnSpc>
+                          <a:spcPts val="944"/>
+                        </a:lnSpc>
+                      </a:pPr>
+                      <a:r>
+                        <a:rPr sz="900" b="1" spc="-25" dirty="0">
+                          <a:latin typeface="Arial"/>
+                          <a:cs typeface="Arial"/>
+                        </a:rPr>
+                        <a:t>z0</a:t>
+                      </a:r>
+                      <a:r>
+                        <a:rPr sz="900" spc="-25" dirty="0">
+                          <a:latin typeface="Arial"/>
+                          <a:cs typeface="Arial"/>
+                        </a:rPr>
+                        <a:t>,</a:t>
+                      </a:r>
+                      <a:endParaRPr sz="900">
+                        <a:latin typeface="Arial"/>
+                        <a:cs typeface="Arial"/>
+                      </a:endParaRPr>
+                    </a:p>
+                  </a:txBody>
+                  <a:tcPr marL="0" marR="0" marT="0" marB="0">
+                    <a:lnL w="9525">
+                      <a:solidFill>
+                        <a:srgbClr val="098585"/>
+                      </a:solidFill>
+                      <a:prstDash val="solid"/>
+                    </a:lnL>
+                    <a:solidFill>
+                      <a:srgbClr val="098585">
+                        <a:alpha val="30198"/>
+                      </a:srgbClr>
+                    </a:solidFill>
+                  </a:tcPr>
+                </a:tc>
+                <a:tc>
+                  <a:txBody>
+                    <a:bodyPr/>
+                    <a:lstStyle/>
+                    <a:p>
+                      <a:pPr marL="158115">
+                        <a:lnSpc>
+                          <a:spcPts val="944"/>
+                        </a:lnSpc>
+                      </a:pPr>
+                      <a:r>
+                        <a:rPr sz="900" dirty="0">
+                          <a:latin typeface="Arial"/>
+                          <a:cs typeface="Arial"/>
+                        </a:rPr>
+                        <a:t>#</a:t>
+                      </a:r>
+                      <a:r>
+                        <a:rPr sz="900" spc="-10" dirty="0">
+                          <a:latin typeface="Arial"/>
+                          <a:cs typeface="Arial"/>
+                        </a:rPr>
+                        <a:t> </a:t>
+                      </a:r>
+                      <a:r>
+                        <a:rPr sz="900" dirty="0">
+                          <a:latin typeface="Arial"/>
+                          <a:cs typeface="Arial"/>
+                        </a:rPr>
+                        <a:t>array</a:t>
+                      </a:r>
+                      <a:r>
+                        <a:rPr sz="900" spc="-5" dirty="0">
+                          <a:latin typeface="Arial"/>
+                          <a:cs typeface="Arial"/>
+                        </a:rPr>
+                        <a:t> </a:t>
+                      </a:r>
+                      <a:r>
+                        <a:rPr sz="900" spc="-10" dirty="0">
+                          <a:latin typeface="Arial"/>
+                          <a:cs typeface="Arial"/>
+                        </a:rPr>
+                        <a:t>(sch,reg,1)</a:t>
+                      </a:r>
+                      <a:endParaRPr sz="900">
+                        <a:latin typeface="Arial"/>
+                        <a:cs typeface="Arial"/>
+                      </a:endParaRPr>
+                    </a:p>
+                  </a:txBody>
+                  <a:tcPr marL="0" marR="0" marT="0" marB="0">
+                    <a:lnR w="9525">
+                      <a:solidFill>
+                        <a:srgbClr val="098585"/>
+                      </a:solidFill>
+                      <a:prstDash val="solid"/>
+                    </a:lnR>
+                    <a:solidFill>
+                      <a:srgbClr val="098585">
+                        <a:alpha val="30198"/>
+                      </a:srgbClr>
+                    </a:solidFill>
+                  </a:tcPr>
+                </a:tc>
+                <a:extLst>
+                  <a:ext uri="{0D108BD9-81ED-4DB2-BD59-A6C34878D82A}">
+                    <a16:rowId xmlns:a16="http://schemas.microsoft.com/office/drawing/2014/main" val="10002"/>
+                  </a:ext>
+                </a:extLst>
+              </a:tr>
+              <a:tr h="132080">
+                <a:tc>
+                  <a:txBody>
+                    <a:bodyPr/>
+                    <a:lstStyle/>
+                    <a:p>
+                      <a:pPr marL="90805">
+                        <a:lnSpc>
+                          <a:spcPts val="944"/>
+                        </a:lnSpc>
+                      </a:pPr>
+                      <a:r>
+                        <a:rPr sz="900" b="1" spc="-25" dirty="0">
+                          <a:latin typeface="Arial"/>
+                          <a:cs typeface="Arial"/>
+                        </a:rPr>
+                        <a:t>Ts,</a:t>
+                      </a:r>
+                      <a:endParaRPr sz="900">
+                        <a:latin typeface="Arial"/>
+                        <a:cs typeface="Arial"/>
+                      </a:endParaRPr>
+                    </a:p>
+                  </a:txBody>
+                  <a:tcPr marL="0" marR="0" marT="0" marB="0">
+                    <a:lnL w="9525">
+                      <a:solidFill>
+                        <a:srgbClr val="098585"/>
+                      </a:solidFill>
+                      <a:prstDash val="solid"/>
+                    </a:lnL>
+                    <a:solidFill>
+                      <a:srgbClr val="098585">
+                        <a:alpha val="30198"/>
+                      </a:srgbClr>
+                    </a:solidFill>
+                  </a:tcPr>
+                </a:tc>
+                <a:tc>
+                  <a:txBody>
+                    <a:bodyPr/>
+                    <a:lstStyle/>
+                    <a:p>
+                      <a:pPr marL="158115">
+                        <a:lnSpc>
+                          <a:spcPts val="944"/>
+                        </a:lnSpc>
+                      </a:pPr>
+                      <a:r>
+                        <a:rPr sz="900" dirty="0">
+                          <a:latin typeface="Arial"/>
+                          <a:cs typeface="Arial"/>
+                        </a:rPr>
+                        <a:t>#</a:t>
+                      </a:r>
+                      <a:r>
+                        <a:rPr sz="900" spc="-25" dirty="0">
+                          <a:latin typeface="Arial"/>
+                          <a:cs typeface="Arial"/>
+                        </a:rPr>
+                        <a:t> </a:t>
+                      </a:r>
+                      <a:r>
+                        <a:rPr sz="900" dirty="0">
+                          <a:latin typeface="Arial"/>
+                          <a:cs typeface="Arial"/>
+                        </a:rPr>
+                        <a:t>float,</a:t>
+                      </a:r>
+                      <a:r>
+                        <a:rPr sz="900" spc="-15" dirty="0">
+                          <a:latin typeface="Arial"/>
+                          <a:cs typeface="Arial"/>
+                        </a:rPr>
+                        <a:t> </a:t>
+                      </a:r>
+                      <a:r>
+                        <a:rPr sz="900" spc="-20" dirty="0">
+                          <a:latin typeface="Arial"/>
+                          <a:cs typeface="Arial"/>
+                        </a:rPr>
+                        <a:t>0.25</a:t>
+                      </a:r>
+                      <a:endParaRPr sz="900">
+                        <a:latin typeface="Arial"/>
+                        <a:cs typeface="Arial"/>
+                      </a:endParaRPr>
+                    </a:p>
+                  </a:txBody>
+                  <a:tcPr marL="0" marR="0" marT="0" marB="0">
+                    <a:lnR w="9525">
+                      <a:solidFill>
+                        <a:srgbClr val="098585"/>
+                      </a:solidFill>
+                      <a:prstDash val="solid"/>
+                    </a:lnR>
+                    <a:solidFill>
+                      <a:srgbClr val="098585">
+                        <a:alpha val="30198"/>
+                      </a:srgbClr>
+                    </a:solidFill>
+                  </a:tcPr>
+                </a:tc>
+                <a:extLst>
+                  <a:ext uri="{0D108BD9-81ED-4DB2-BD59-A6C34878D82A}">
+                    <a16:rowId xmlns:a16="http://schemas.microsoft.com/office/drawing/2014/main" val="10003"/>
+                  </a:ext>
+                </a:extLst>
+              </a:tr>
+              <a:tr h="139700">
+                <a:tc>
+                  <a:txBody>
+                    <a:bodyPr/>
+                    <a:lstStyle/>
+                    <a:p>
+                      <a:pPr marL="90805">
+                        <a:lnSpc>
+                          <a:spcPts val="1005"/>
+                        </a:lnSpc>
+                      </a:pPr>
+                      <a:r>
+                        <a:rPr sz="900" b="1" spc="-20" dirty="0">
+                          <a:latin typeface="Arial"/>
+                          <a:cs typeface="Arial"/>
+                        </a:rPr>
+                        <a:t>Eff,</a:t>
+                      </a:r>
+                      <a:endParaRPr sz="900">
+                        <a:latin typeface="Arial"/>
+                        <a:cs typeface="Arial"/>
+                      </a:endParaRPr>
+                    </a:p>
+                  </a:txBody>
+                  <a:tcPr marL="0" marR="0" marT="0" marB="0">
+                    <a:lnL w="9525">
+                      <a:solidFill>
+                        <a:srgbClr val="098585"/>
+                      </a:solidFill>
+                      <a:prstDash val="solid"/>
+                    </a:lnL>
+                    <a:solidFill>
+                      <a:srgbClr val="098585">
+                        <a:alpha val="30198"/>
+                      </a:srgbClr>
+                    </a:solidFill>
+                  </a:tcPr>
+                </a:tc>
+                <a:tc>
+                  <a:txBody>
+                    <a:bodyPr/>
+                    <a:lstStyle/>
+                    <a:p>
+                      <a:pPr marL="158115">
+                        <a:lnSpc>
+                          <a:spcPts val="1005"/>
+                        </a:lnSpc>
+                      </a:pPr>
+                      <a:r>
+                        <a:rPr sz="900" dirty="0">
+                          <a:latin typeface="Arial"/>
+                          <a:cs typeface="Arial"/>
+                        </a:rPr>
+                        <a:t>#</a:t>
+                      </a:r>
+                      <a:r>
+                        <a:rPr sz="900" spc="-5" dirty="0">
+                          <a:latin typeface="Arial"/>
+                          <a:cs typeface="Arial"/>
+                        </a:rPr>
+                        <a:t> </a:t>
+                      </a:r>
+                      <a:r>
+                        <a:rPr sz="900" spc="-10" dirty="0">
+                          <a:latin typeface="Arial"/>
+                          <a:cs typeface="Arial"/>
+                        </a:rPr>
+                        <a:t>float</a:t>
+                      </a:r>
+                      <a:endParaRPr sz="900">
+                        <a:latin typeface="Arial"/>
+                        <a:cs typeface="Arial"/>
+                      </a:endParaRPr>
+                    </a:p>
+                  </a:txBody>
+                  <a:tcPr marL="0" marR="0" marT="0" marB="0">
+                    <a:lnR w="9525">
+                      <a:solidFill>
+                        <a:srgbClr val="098585"/>
+                      </a:solidFill>
+                      <a:prstDash val="solid"/>
+                    </a:lnR>
+                    <a:solidFill>
+                      <a:srgbClr val="098585">
+                        <a:alpha val="30198"/>
+                      </a:srgbClr>
+                    </a:solidFill>
+                  </a:tcPr>
+                </a:tc>
+                <a:extLst>
+                  <a:ext uri="{0D108BD9-81ED-4DB2-BD59-A6C34878D82A}">
+                    <a16:rowId xmlns:a16="http://schemas.microsoft.com/office/drawing/2014/main" val="10004"/>
+                  </a:ext>
+                </a:extLst>
+              </a:tr>
+              <a:tr h="139700">
+                <a:tc>
+                  <a:txBody>
+                    <a:bodyPr/>
+                    <a:lstStyle/>
+                    <a:p>
+                      <a:pPr marL="90805">
+                        <a:lnSpc>
+                          <a:spcPts val="1005"/>
+                        </a:lnSpc>
+                      </a:pPr>
+                      <a:r>
+                        <a:rPr sz="900" b="1" spc="-10" dirty="0">
+                          <a:latin typeface="Arial"/>
+                          <a:cs typeface="Arial"/>
+                        </a:rPr>
+                        <a:t>soft_v_eta</a:t>
+                      </a:r>
+                      <a:r>
+                        <a:rPr sz="900" spc="-10" dirty="0">
+                          <a:latin typeface="Arial"/>
+                          <a:cs typeface="Arial"/>
+                        </a:rPr>
+                        <a:t>,</a:t>
+                      </a:r>
+                      <a:endParaRPr sz="900">
+                        <a:latin typeface="Arial"/>
+                        <a:cs typeface="Arial"/>
+                      </a:endParaRPr>
+                    </a:p>
+                  </a:txBody>
+                  <a:tcPr marL="0" marR="0" marT="0" marB="0">
+                    <a:lnL w="9525">
+                      <a:solidFill>
+                        <a:srgbClr val="098585"/>
+                      </a:solidFill>
+                      <a:prstDash val="solid"/>
+                    </a:lnL>
+                    <a:solidFill>
+                      <a:srgbClr val="098585">
+                        <a:alpha val="30198"/>
+                      </a:srgbClr>
+                    </a:solidFill>
+                  </a:tcPr>
+                </a:tc>
+                <a:tc>
+                  <a:txBody>
+                    <a:bodyPr/>
+                    <a:lstStyle/>
+                    <a:p>
+                      <a:pPr marL="158115">
+                        <a:lnSpc>
+                          <a:spcPts val="1005"/>
+                        </a:lnSpc>
+                      </a:pPr>
+                      <a:r>
+                        <a:rPr sz="900" dirty="0">
+                          <a:latin typeface="Arial"/>
+                          <a:cs typeface="Arial"/>
+                        </a:rPr>
+                        <a:t>#</a:t>
+                      </a:r>
+                      <a:r>
+                        <a:rPr sz="900" spc="-5" dirty="0">
+                          <a:latin typeface="Arial"/>
+                          <a:cs typeface="Arial"/>
+                        </a:rPr>
+                        <a:t> </a:t>
+                      </a:r>
+                      <a:r>
+                        <a:rPr sz="900" spc="-10" dirty="0">
+                          <a:latin typeface="Arial"/>
+                          <a:cs typeface="Arial"/>
+                        </a:rPr>
+                        <a:t>float</a:t>
+                      </a:r>
+                      <a:endParaRPr sz="900">
+                        <a:latin typeface="Arial"/>
+                        <a:cs typeface="Arial"/>
+                      </a:endParaRPr>
+                    </a:p>
+                  </a:txBody>
+                  <a:tcPr marL="0" marR="0" marT="0" marB="0">
+                    <a:lnR w="9525">
+                      <a:solidFill>
+                        <a:srgbClr val="098585"/>
+                      </a:solidFill>
+                      <a:prstDash val="solid"/>
+                    </a:lnR>
+                    <a:solidFill>
+                      <a:srgbClr val="098585">
+                        <a:alpha val="30198"/>
+                      </a:srgbClr>
+                    </a:solidFill>
+                  </a:tcPr>
+                </a:tc>
+                <a:extLst>
+                  <a:ext uri="{0D108BD9-81ED-4DB2-BD59-A6C34878D82A}">
+                    <a16:rowId xmlns:a16="http://schemas.microsoft.com/office/drawing/2014/main" val="10005"/>
+                  </a:ext>
+                </a:extLst>
+              </a:tr>
+              <a:tr h="139700">
+                <a:tc>
+                  <a:txBody>
+                    <a:bodyPr/>
+                    <a:lstStyle/>
+                    <a:p>
+                      <a:pPr marL="90805">
+                        <a:lnSpc>
+                          <a:spcPts val="1005"/>
+                        </a:lnSpc>
+                      </a:pPr>
+                      <a:r>
+                        <a:rPr sz="900" b="1" spc="-10" dirty="0">
+                          <a:latin typeface="Arial"/>
+                          <a:cs typeface="Arial"/>
+                        </a:rPr>
+                        <a:t>opt_eps</a:t>
+                      </a:r>
+                      <a:r>
+                        <a:rPr sz="900" spc="-10" dirty="0">
+                          <a:latin typeface="Arial"/>
+                          <a:cs typeface="Arial"/>
+                        </a:rPr>
+                        <a:t>,</a:t>
+                      </a:r>
+                      <a:endParaRPr sz="900">
+                        <a:latin typeface="Arial"/>
+                        <a:cs typeface="Arial"/>
+                      </a:endParaRPr>
+                    </a:p>
+                  </a:txBody>
+                  <a:tcPr marL="0" marR="0" marT="0" marB="0">
+                    <a:lnL w="9525">
+                      <a:solidFill>
+                        <a:srgbClr val="098585"/>
+                      </a:solidFill>
+                      <a:prstDash val="solid"/>
+                    </a:lnL>
+                    <a:solidFill>
+                      <a:srgbClr val="098585">
+                        <a:alpha val="30198"/>
+                      </a:srgbClr>
+                    </a:solidFill>
+                  </a:tcPr>
+                </a:tc>
+                <a:tc>
+                  <a:txBody>
+                    <a:bodyPr/>
+                    <a:lstStyle/>
+                    <a:p>
+                      <a:pPr marL="158115">
+                        <a:lnSpc>
+                          <a:spcPts val="1005"/>
+                        </a:lnSpc>
+                      </a:pPr>
+                      <a:r>
+                        <a:rPr sz="900" dirty="0">
+                          <a:latin typeface="Arial"/>
+                          <a:cs typeface="Arial"/>
+                        </a:rPr>
+                        <a:t>#</a:t>
+                      </a:r>
+                      <a:r>
+                        <a:rPr sz="900" spc="-5" dirty="0">
+                          <a:latin typeface="Arial"/>
+                          <a:cs typeface="Arial"/>
+                        </a:rPr>
+                        <a:t> </a:t>
+                      </a:r>
+                      <a:r>
+                        <a:rPr sz="900" spc="-10" dirty="0">
+                          <a:latin typeface="Arial"/>
+                          <a:cs typeface="Arial"/>
+                        </a:rPr>
+                        <a:t>float</a:t>
+                      </a:r>
+                      <a:endParaRPr sz="900">
+                        <a:latin typeface="Arial"/>
+                        <a:cs typeface="Arial"/>
+                      </a:endParaRPr>
+                    </a:p>
+                  </a:txBody>
+                  <a:tcPr marL="0" marR="0" marT="0" marB="0">
+                    <a:lnR w="9525">
+                      <a:solidFill>
+                        <a:srgbClr val="098585"/>
+                      </a:solidFill>
+                      <a:prstDash val="solid"/>
+                    </a:lnR>
+                    <a:solidFill>
+                      <a:srgbClr val="098585">
+                        <a:alpha val="30198"/>
+                      </a:srgbClr>
+                    </a:solidFill>
+                  </a:tcPr>
+                </a:tc>
+                <a:extLst>
+                  <a:ext uri="{0D108BD9-81ED-4DB2-BD59-A6C34878D82A}">
+                    <a16:rowId xmlns:a16="http://schemas.microsoft.com/office/drawing/2014/main" val="10006"/>
+                  </a:ext>
+                </a:extLst>
+              </a:tr>
+              <a:tr h="132080">
+                <a:tc>
+                  <a:txBody>
+                    <a:bodyPr/>
+                    <a:lstStyle/>
+                    <a:p>
+                      <a:pPr marL="90805">
+                        <a:lnSpc>
+                          <a:spcPts val="944"/>
+                        </a:lnSpc>
+                      </a:pPr>
+                      <a:r>
+                        <a:rPr sz="900" b="1" spc="-20" dirty="0">
+                          <a:latin typeface="Arial"/>
+                          <a:cs typeface="Arial"/>
+                        </a:rPr>
+                        <a:t>TOU</a:t>
+                      </a:r>
+                      <a:r>
+                        <a:rPr sz="900" spc="-20" dirty="0">
+                          <a:latin typeface="Arial"/>
+                          <a:cs typeface="Arial"/>
+                        </a:rPr>
+                        <a:t>,</a:t>
+                      </a:r>
+                      <a:endParaRPr sz="900">
+                        <a:latin typeface="Arial"/>
+                        <a:cs typeface="Arial"/>
+                      </a:endParaRPr>
+                    </a:p>
+                  </a:txBody>
+                  <a:tcPr marL="0" marR="0" marT="0" marB="0">
+                    <a:lnL w="9525">
+                      <a:solidFill>
+                        <a:srgbClr val="098585"/>
+                      </a:solidFill>
+                      <a:prstDash val="solid"/>
+                    </a:lnL>
+                    <a:solidFill>
+                      <a:srgbClr val="098585">
+                        <a:alpha val="30198"/>
+                      </a:srgbClr>
+                    </a:solidFill>
+                  </a:tcPr>
+                </a:tc>
+                <a:tc>
+                  <a:txBody>
+                    <a:bodyPr/>
+                    <a:lstStyle/>
+                    <a:p>
+                      <a:pPr marL="158115">
+                        <a:lnSpc>
+                          <a:spcPts val="944"/>
+                        </a:lnSpc>
+                      </a:pPr>
+                      <a:r>
+                        <a:rPr sz="900" dirty="0">
+                          <a:latin typeface="Arial"/>
+                          <a:cs typeface="Arial"/>
+                        </a:rPr>
+                        <a:t>#</a:t>
+                      </a:r>
+                      <a:r>
+                        <a:rPr sz="900" spc="-10" dirty="0">
+                          <a:latin typeface="Arial"/>
+                          <a:cs typeface="Arial"/>
+                        </a:rPr>
+                        <a:t> </a:t>
+                      </a:r>
+                      <a:r>
+                        <a:rPr sz="900" dirty="0">
+                          <a:latin typeface="Arial"/>
+                          <a:cs typeface="Arial"/>
+                        </a:rPr>
+                        <a:t>array,</a:t>
+                      </a:r>
+                      <a:r>
+                        <a:rPr sz="900" spc="-10" dirty="0">
+                          <a:latin typeface="Arial"/>
+                          <a:cs typeface="Arial"/>
+                        </a:rPr>
+                        <a:t> discretized</a:t>
+                      </a:r>
+                      <a:endParaRPr sz="900">
+                        <a:latin typeface="Arial"/>
+                        <a:cs typeface="Arial"/>
+                      </a:endParaRPr>
+                    </a:p>
+                  </a:txBody>
+                  <a:tcPr marL="0" marR="0" marT="0" marB="0">
+                    <a:lnR w="9525">
+                      <a:solidFill>
+                        <a:srgbClr val="098585"/>
+                      </a:solidFill>
+                      <a:prstDash val="solid"/>
+                    </a:lnR>
+                    <a:solidFill>
+                      <a:srgbClr val="098585">
+                        <a:alpha val="30198"/>
+                      </a:srgbClr>
+                    </a:solidFill>
+                  </a:tcPr>
+                </a:tc>
+                <a:extLst>
+                  <a:ext uri="{0D108BD9-81ED-4DB2-BD59-A6C34878D82A}">
+                    <a16:rowId xmlns:a16="http://schemas.microsoft.com/office/drawing/2014/main" val="10007"/>
+                  </a:ext>
+                </a:extLst>
+              </a:tr>
+              <a:tr h="132080">
+                <a:tc>
+                  <a:txBody>
+                    <a:bodyPr/>
+                    <a:lstStyle/>
+                    <a:p>
+                      <a:pPr>
+                        <a:lnSpc>
+                          <a:spcPct val="100000"/>
+                        </a:lnSpc>
+                      </a:pPr>
+                      <a:endParaRPr sz="700">
+                        <a:latin typeface="Times New Roman"/>
+                        <a:cs typeface="Times New Roman"/>
+                      </a:endParaRPr>
+                    </a:p>
+                  </a:txBody>
+                  <a:tcPr marL="0" marR="0" marT="0" marB="0">
+                    <a:lnL w="9525">
+                      <a:solidFill>
+                        <a:srgbClr val="098585"/>
+                      </a:solidFill>
+                      <a:prstDash val="solid"/>
+                    </a:lnL>
+                    <a:solidFill>
+                      <a:srgbClr val="098585">
+                        <a:alpha val="30198"/>
+                      </a:srgbClr>
+                    </a:solidFill>
+                  </a:tcPr>
+                </a:tc>
+                <a:tc>
+                  <a:txBody>
+                    <a:bodyPr/>
+                    <a:lstStyle/>
+                    <a:p>
+                      <a:pPr marL="158115">
+                        <a:lnSpc>
+                          <a:spcPts val="944"/>
+                        </a:lnSpc>
+                      </a:pPr>
+                      <a:r>
+                        <a:rPr sz="900" dirty="0">
+                          <a:latin typeface="Arial"/>
+                          <a:cs typeface="Arial"/>
+                        </a:rPr>
+                        <a:t>#</a:t>
+                      </a:r>
+                      <a:r>
+                        <a:rPr sz="900" spc="-15" dirty="0">
+                          <a:latin typeface="Arial"/>
+                          <a:cs typeface="Arial"/>
+                        </a:rPr>
+                        <a:t> </a:t>
+                      </a:r>
+                      <a:r>
+                        <a:rPr sz="900" dirty="0">
+                          <a:latin typeface="Arial"/>
+                          <a:cs typeface="Arial"/>
+                        </a:rPr>
+                        <a:t>according</a:t>
+                      </a:r>
+                      <a:r>
+                        <a:rPr sz="900" spc="-10" dirty="0">
+                          <a:latin typeface="Arial"/>
+                          <a:cs typeface="Arial"/>
+                        </a:rPr>
+                        <a:t> </a:t>
+                      </a:r>
+                      <a:r>
+                        <a:rPr sz="900" dirty="0">
+                          <a:latin typeface="Arial"/>
+                          <a:cs typeface="Arial"/>
+                        </a:rPr>
+                        <a:t>to</a:t>
+                      </a:r>
+                      <a:r>
+                        <a:rPr sz="900" spc="-10" dirty="0">
+                          <a:latin typeface="Arial"/>
+                          <a:cs typeface="Arial"/>
+                        </a:rPr>
+                        <a:t> </a:t>
+                      </a:r>
+                      <a:r>
+                        <a:rPr sz="900" spc="-25" dirty="0">
+                          <a:latin typeface="Arial"/>
+                          <a:cs typeface="Arial"/>
+                        </a:rPr>
+                        <a:t>Ts</a:t>
+                      </a:r>
+                      <a:endParaRPr sz="900">
+                        <a:latin typeface="Arial"/>
+                        <a:cs typeface="Arial"/>
+                      </a:endParaRPr>
+                    </a:p>
+                  </a:txBody>
+                  <a:tcPr marL="0" marR="0" marT="0" marB="0">
+                    <a:lnR w="9525">
+                      <a:solidFill>
+                        <a:srgbClr val="098585"/>
+                      </a:solidFill>
+                      <a:prstDash val="solid"/>
+                    </a:lnR>
+                    <a:solidFill>
+                      <a:srgbClr val="098585">
+                        <a:alpha val="30198"/>
+                      </a:srgbClr>
+                    </a:solidFill>
+                  </a:tcPr>
+                </a:tc>
+                <a:extLst>
+                  <a:ext uri="{0D108BD9-81ED-4DB2-BD59-A6C34878D82A}">
+                    <a16:rowId xmlns:a16="http://schemas.microsoft.com/office/drawing/2014/main" val="10008"/>
+                  </a:ext>
+                </a:extLst>
+              </a:tr>
+              <a:tr h="366395">
+                <a:tc>
+                  <a:txBody>
+                    <a:bodyPr/>
+                    <a:lstStyle/>
+                    <a:p>
+                      <a:pPr marL="90805">
+                        <a:lnSpc>
+                          <a:spcPts val="1045"/>
+                        </a:lnSpc>
+                      </a:pPr>
+                      <a:r>
+                        <a:rPr sz="900" dirty="0">
+                          <a:latin typeface="Arial"/>
+                          <a:cs typeface="Arial"/>
+                        </a:rPr>
+                        <a:t>)</a:t>
+                      </a:r>
+                      <a:endParaRPr sz="900">
+                        <a:latin typeface="Arial"/>
+                        <a:cs typeface="Arial"/>
+                      </a:endParaRPr>
+                    </a:p>
+                  </a:txBody>
+                  <a:tcPr marL="0" marR="0" marT="0" marB="0">
+                    <a:lnL w="9525">
+                      <a:solidFill>
+                        <a:srgbClr val="098585"/>
+                      </a:solidFill>
+                      <a:prstDash val="solid"/>
+                    </a:lnL>
+                    <a:lnB w="9525">
+                      <a:solidFill>
+                        <a:srgbClr val="098585"/>
+                      </a:solidFill>
+                      <a:prstDash val="solid"/>
+                    </a:lnB>
+                    <a:solidFill>
+                      <a:srgbClr val="098585">
+                        <a:alpha val="30198"/>
+                      </a:srgbClr>
+                    </a:solidFill>
+                  </a:tcPr>
+                </a:tc>
+                <a:tc>
+                  <a:txBody>
+                    <a:bodyPr/>
+                    <a:lstStyle/>
+                    <a:p>
+                      <a:pPr>
+                        <a:lnSpc>
+                          <a:spcPct val="100000"/>
+                        </a:lnSpc>
+                      </a:pPr>
+                      <a:endParaRPr sz="900">
+                        <a:latin typeface="Times New Roman"/>
+                        <a:cs typeface="Times New Roman"/>
+                      </a:endParaRPr>
+                    </a:p>
+                  </a:txBody>
+                  <a:tcPr marL="0" marR="0" marT="0" marB="0">
+                    <a:lnR w="9525">
+                      <a:solidFill>
+                        <a:srgbClr val="098585"/>
+                      </a:solidFill>
+                      <a:prstDash val="solid"/>
+                    </a:lnR>
+                    <a:lnB w="9525">
+                      <a:solidFill>
+                        <a:srgbClr val="098585"/>
+                      </a:solidFill>
+                      <a:prstDash val="solid"/>
+                    </a:lnB>
+                    <a:solidFill>
+                      <a:srgbClr val="098585">
+                        <a:alpha val="30198"/>
+                      </a:srgbClr>
+                    </a:solidFill>
+                  </a:tcPr>
+                </a:tc>
+                <a:extLst>
+                  <a:ext uri="{0D108BD9-81ED-4DB2-BD59-A6C34878D82A}">
+                    <a16:rowId xmlns:a16="http://schemas.microsoft.com/office/drawing/2014/main" val="10009"/>
+                  </a:ext>
+                </a:extLst>
+              </a:tr>
+              <a:tr h="840740">
+                <a:tc gridSpan="2">
+                  <a:txBody>
+                    <a:bodyPr/>
+                    <a:lstStyle/>
+                    <a:p>
+                      <a:pPr>
+                        <a:lnSpc>
+                          <a:spcPct val="100000"/>
+                        </a:lnSpc>
+                      </a:pPr>
+                      <a:endParaRPr sz="900">
+                        <a:latin typeface="Times New Roman"/>
+                        <a:cs typeface="Times New Roman"/>
+                      </a:endParaRPr>
+                    </a:p>
+                  </a:txBody>
+                  <a:tcPr marL="0" marR="0" marT="0" marB="0">
+                    <a:lnL w="9525">
+                      <a:solidFill>
+                        <a:srgbClr val="098585"/>
+                      </a:solidFill>
+                      <a:prstDash val="solid"/>
+                    </a:lnL>
+                    <a:lnR w="9525">
+                      <a:solidFill>
+                        <a:srgbClr val="098585"/>
+                      </a:solidFill>
+                      <a:prstDash val="solid"/>
+                    </a:lnR>
+                    <a:lnT w="9525">
+                      <a:solidFill>
+                        <a:srgbClr val="098585"/>
+                      </a:solidFill>
+                      <a:prstDash val="solid"/>
+                    </a:lnT>
+                    <a:lnB w="9525">
+                      <a:solidFill>
+                        <a:srgbClr val="098585"/>
+                      </a:solidFill>
+                      <a:prstDash val="solid"/>
+                    </a:lnB>
+                    <a:solidFill>
+                      <a:srgbClr val="098585">
+                        <a:alpha val="30198"/>
+                      </a:srgbClr>
+                    </a:solidFill>
+                  </a:tcPr>
+                </a:tc>
+                <a:tc hMerge="1">
+                  <a:txBody>
+                    <a:bodyPr/>
+                    <a:lstStyle/>
+                    <a:p>
+                      <a:endParaRPr/>
+                    </a:p>
+                  </a:txBody>
+                  <a:tcPr marL="0" marR="0" marT="0" marB="0"/>
+                </a:tc>
+                <a:extLst>
+                  <a:ext uri="{0D108BD9-81ED-4DB2-BD59-A6C34878D82A}">
+                    <a16:rowId xmlns:a16="http://schemas.microsoft.com/office/drawing/2014/main" val="10010"/>
+                  </a:ext>
+                </a:extLst>
+              </a:tr>
+            </a:tbl>
+          </a:graphicData>
+        </a:graphic>
+      </p:graphicFrame>
+      <p:grpSp>
+        <p:nvGrpSpPr>
+          <p:cNvPr id="12" name="object 12"/>
+          <p:cNvGrpSpPr/>
+          <p:nvPr/>
+        </p:nvGrpSpPr>
+        <p:grpSpPr>
+          <a:xfrm>
+            <a:off x="6482674" y="1154285"/>
+            <a:ext cx="2542540" cy="2744470"/>
+            <a:chOff x="6482674" y="1154285"/>
+            <a:chExt cx="2542540" cy="2744470"/>
+          </a:xfrm>
+        </p:grpSpPr>
+        <p:sp>
+          <p:nvSpPr>
+            <p:cNvPr id="13" name="object 13"/>
+            <p:cNvSpPr/>
+            <p:nvPr/>
+          </p:nvSpPr>
+          <p:spPr>
+            <a:xfrm>
+              <a:off x="6487436" y="1159047"/>
+              <a:ext cx="2533015" cy="2734945"/>
+            </a:xfrm>
+            <a:custGeom>
+              <a:avLst/>
+              <a:gdLst/>
+              <a:ahLst/>
+              <a:cxnLst/>
+              <a:rect l="l" t="t" r="r" b="b"/>
+              <a:pathLst>
+                <a:path w="2533015" h="2734945">
+                  <a:moveTo>
+                    <a:pt x="2532888" y="0"/>
+                  </a:moveTo>
+                  <a:lnTo>
+                    <a:pt x="0" y="0"/>
+                  </a:lnTo>
+                  <a:lnTo>
+                    <a:pt x="0" y="2734526"/>
+                  </a:lnTo>
+                  <a:lnTo>
+                    <a:pt x="2532888" y="2734526"/>
+                  </a:lnTo>
+                  <a:lnTo>
+                    <a:pt x="2532888" y="0"/>
+                  </a:lnTo>
+                  <a:close/>
+                </a:path>
+              </a:pathLst>
+            </a:custGeom>
+            <a:solidFill>
+              <a:srgbClr val="1610FF">
+                <a:alpha val="30198"/>
+              </a:srgbClr>
+            </a:solidFill>
+          </p:spPr>
+          <p:txBody>
+            <a:bodyPr wrap="square" lIns="0" tIns="0" rIns="0" bIns="0" rtlCol="0"/>
+            <a:lstStyle/>
+            <a:p>
+              <a:endParaRPr/>
+            </a:p>
+          </p:txBody>
+        </p:sp>
+        <p:sp>
+          <p:nvSpPr>
+            <p:cNvPr id="14" name="object 14"/>
+            <p:cNvSpPr/>
+            <p:nvPr/>
+          </p:nvSpPr>
+          <p:spPr>
+            <a:xfrm>
+              <a:off x="6487436" y="1159047"/>
+              <a:ext cx="2533015" cy="2734945"/>
+            </a:xfrm>
+            <a:custGeom>
+              <a:avLst/>
+              <a:gdLst/>
+              <a:ahLst/>
+              <a:cxnLst/>
+              <a:rect l="l" t="t" r="r" b="b"/>
+              <a:pathLst>
+                <a:path w="2533015" h="2734945">
+                  <a:moveTo>
+                    <a:pt x="0" y="0"/>
+                  </a:moveTo>
+                  <a:lnTo>
+                    <a:pt x="2532888" y="0"/>
+                  </a:lnTo>
+                  <a:lnTo>
+                    <a:pt x="2532888" y="2734526"/>
+                  </a:lnTo>
+                  <a:lnTo>
+                    <a:pt x="0" y="2734526"/>
+                  </a:lnTo>
+                  <a:lnTo>
+                    <a:pt x="0" y="0"/>
+                  </a:lnTo>
+                  <a:close/>
+                </a:path>
+              </a:pathLst>
+            </a:custGeom>
+            <a:ln w="9525">
+              <a:solidFill>
+                <a:srgbClr val="595959"/>
+              </a:solidFill>
+            </a:ln>
+          </p:spPr>
+          <p:txBody>
+            <a:bodyPr wrap="square" lIns="0" tIns="0" rIns="0" bIns="0" rtlCol="0"/>
+            <a:lstStyle/>
+            <a:p>
+              <a:endParaRPr/>
+            </a:p>
+          </p:txBody>
+        </p:sp>
+      </p:grpSp>
+      <p:sp>
+        <p:nvSpPr>
+          <p:cNvPr id="15" name="object 15"/>
+          <p:cNvSpPr txBox="1"/>
+          <p:nvPr/>
+        </p:nvSpPr>
+        <p:spPr>
+          <a:xfrm>
+            <a:off x="6578861" y="1237996"/>
+            <a:ext cx="1176655" cy="177800"/>
+          </a:xfrm>
+          <a:prstGeom prst="rect">
+            <a:avLst/>
+          </a:prstGeom>
+        </p:spPr>
+        <p:txBody>
+          <a:bodyPr vert="horz" wrap="square" lIns="0" tIns="12700" rIns="0" bIns="0" rtlCol="0">
+            <a:spAutoFit/>
+          </a:bodyPr>
+          <a:lstStyle/>
+          <a:p>
+            <a:pPr>
+              <a:lnSpc>
+                <a:spcPct val="100000"/>
+              </a:lnSpc>
+              <a:spcBef>
+                <a:spcPts val="100"/>
+              </a:spcBef>
+            </a:pPr>
+            <a:r>
+              <a:rPr sz="1000" dirty="0">
+                <a:solidFill>
+                  <a:srgbClr val="212121"/>
+                </a:solidFill>
+                <a:latin typeface="Lucida Sans"/>
+                <a:cs typeface="Lucida Sans"/>
+              </a:rPr>
+              <a:t>Class</a:t>
+            </a:r>
+            <a:r>
+              <a:rPr sz="1000" spc="-20" dirty="0">
+                <a:solidFill>
+                  <a:srgbClr val="212121"/>
+                </a:solidFill>
+                <a:latin typeface="Lucida Sans"/>
+                <a:cs typeface="Lucida Sans"/>
+              </a:rPr>
+              <a:t> </a:t>
+            </a:r>
+            <a:r>
+              <a:rPr sz="1000" i="1" spc="-10" dirty="0">
+                <a:solidFill>
+                  <a:srgbClr val="212121"/>
+                </a:solidFill>
+                <a:latin typeface="Lucida Sans"/>
+                <a:cs typeface="Lucida Sans"/>
+              </a:rPr>
+              <a:t>Optimization</a:t>
+            </a:r>
+            <a:endParaRPr sz="1000">
+              <a:latin typeface="Lucida Sans"/>
+              <a:cs typeface="Lucida Sans"/>
+            </a:endParaRPr>
+          </a:p>
+        </p:txBody>
+      </p:sp>
+      <p:sp>
+        <p:nvSpPr>
+          <p:cNvPr id="16" name="object 16"/>
+          <p:cNvSpPr/>
+          <p:nvPr/>
+        </p:nvSpPr>
+        <p:spPr>
+          <a:xfrm>
+            <a:off x="6487436" y="1498057"/>
+            <a:ext cx="2533015" cy="862330"/>
+          </a:xfrm>
+          <a:custGeom>
+            <a:avLst/>
+            <a:gdLst/>
+            <a:ahLst/>
+            <a:cxnLst/>
+            <a:rect l="l" t="t" r="r" b="b"/>
+            <a:pathLst>
+              <a:path w="2533015" h="862330">
+                <a:moveTo>
+                  <a:pt x="2532888" y="0"/>
+                </a:moveTo>
+                <a:lnTo>
+                  <a:pt x="0" y="0"/>
+                </a:lnTo>
+                <a:lnTo>
+                  <a:pt x="0" y="861744"/>
+                </a:lnTo>
+                <a:lnTo>
+                  <a:pt x="2532888" y="861744"/>
+                </a:lnTo>
+                <a:lnTo>
+                  <a:pt x="2532888" y="0"/>
+                </a:lnTo>
+                <a:close/>
+              </a:path>
+            </a:pathLst>
+          </a:custGeom>
+          <a:solidFill>
+            <a:srgbClr val="1610FF">
+              <a:alpha val="30198"/>
+            </a:srgbClr>
+          </a:solidFill>
+        </p:spPr>
+        <p:txBody>
+          <a:bodyPr wrap="square" lIns="0" tIns="0" rIns="0" bIns="0" rtlCol="0"/>
+          <a:lstStyle/>
+          <a:p>
+            <a:endParaRPr/>
+          </a:p>
+        </p:txBody>
+      </p:sp>
+      <p:sp>
+        <p:nvSpPr>
+          <p:cNvPr id="17" name="object 17"/>
+          <p:cNvSpPr txBox="1"/>
+          <p:nvPr/>
+        </p:nvSpPr>
+        <p:spPr>
+          <a:xfrm>
+            <a:off x="6613495" y="1570380"/>
+            <a:ext cx="534035" cy="714619"/>
+          </a:xfrm>
+          <a:prstGeom prst="rect">
+            <a:avLst/>
+          </a:prstGeom>
+        </p:spPr>
+        <p:txBody>
+          <a:bodyPr vert="horz" wrap="square" lIns="0" tIns="17145" rIns="0" bIns="0" rtlCol="0">
+            <a:spAutoFit/>
+          </a:bodyPr>
+          <a:lstStyle/>
+          <a:p>
+            <a:pPr>
+              <a:lnSpc>
+                <a:spcPct val="96700"/>
+              </a:lnSpc>
+              <a:spcBef>
+                <a:spcPts val="135"/>
+              </a:spcBef>
+            </a:pPr>
+            <a:r>
+              <a:rPr sz="900" dirty="0">
+                <a:latin typeface="Arial"/>
+                <a:cs typeface="Arial"/>
+              </a:rPr>
+              <a:t>init</a:t>
+            </a:r>
+            <a:r>
+              <a:rPr sz="900" spc="-10" dirty="0">
+                <a:latin typeface="Arial"/>
+                <a:cs typeface="Arial"/>
+              </a:rPr>
+              <a:t> </a:t>
+            </a:r>
+            <a:r>
+              <a:rPr sz="900" spc="-50" dirty="0">
+                <a:latin typeface="Arial"/>
+                <a:cs typeface="Arial"/>
+              </a:rPr>
+              <a:t>(</a:t>
+            </a:r>
+            <a:r>
+              <a:rPr sz="900" spc="-10" dirty="0">
+                <a:latin typeface="Arial"/>
+                <a:cs typeface="Arial"/>
+              </a:rPr>
+              <a:t> Problem, Parameter</a:t>
+            </a:r>
+            <a:endParaRPr lang="en-US" sz="900" spc="-10" dirty="0">
+              <a:latin typeface="Arial"/>
+              <a:cs typeface="Arial"/>
+            </a:endParaRPr>
+          </a:p>
+          <a:p>
+            <a:pPr>
+              <a:lnSpc>
+                <a:spcPct val="96700"/>
+              </a:lnSpc>
+              <a:spcBef>
+                <a:spcPts val="135"/>
+              </a:spcBef>
+            </a:pPr>
+            <a:r>
+              <a:rPr lang="en-GB" sz="900" spc="-10" dirty="0"/>
+              <a:t>Station</a:t>
+            </a:r>
+          </a:p>
+          <a:p>
+            <a:pPr>
+              <a:lnSpc>
+                <a:spcPct val="96700"/>
+              </a:lnSpc>
+              <a:spcBef>
+                <a:spcPts val="135"/>
+              </a:spcBef>
+            </a:pPr>
+            <a:r>
+              <a:rPr lang="en-GB" sz="900" spc="-10" dirty="0"/>
+              <a:t>K)</a:t>
+            </a:r>
+            <a:endParaRPr sz="900" dirty="0">
+              <a:latin typeface="Arial"/>
+              <a:cs typeface="Arial"/>
+            </a:endParaRPr>
+          </a:p>
+        </p:txBody>
+      </p:sp>
+      <p:sp>
+        <p:nvSpPr>
+          <p:cNvPr id="18" name="object 18"/>
+          <p:cNvSpPr txBox="1"/>
+          <p:nvPr/>
+        </p:nvSpPr>
+        <p:spPr>
+          <a:xfrm>
+            <a:off x="7493261" y="1717040"/>
+            <a:ext cx="749935" cy="540533"/>
+          </a:xfrm>
+          <a:prstGeom prst="rect">
+            <a:avLst/>
+          </a:prstGeom>
+        </p:spPr>
+        <p:txBody>
+          <a:bodyPr vert="horz" wrap="square" lIns="0" tIns="27305" rIns="0" bIns="0" rtlCol="0">
+            <a:spAutoFit/>
+          </a:bodyPr>
+          <a:lstStyle/>
+          <a:p>
+            <a:pPr marR="5080">
+              <a:lnSpc>
+                <a:spcPts val="980"/>
+              </a:lnSpc>
+            </a:pPr>
+            <a:r>
+              <a:rPr sz="900" dirty="0">
+                <a:latin typeface="Arial"/>
+                <a:cs typeface="Arial"/>
+              </a:rPr>
+              <a:t>#Python</a:t>
+            </a:r>
+            <a:r>
+              <a:rPr sz="900" spc="-30" dirty="0">
+                <a:latin typeface="Arial"/>
+                <a:cs typeface="Arial"/>
+              </a:rPr>
+              <a:t> </a:t>
+            </a:r>
+            <a:r>
+              <a:rPr sz="900" spc="-10" dirty="0">
+                <a:latin typeface="Arial"/>
+                <a:cs typeface="Arial"/>
+              </a:rPr>
+              <a:t>Class </a:t>
+            </a:r>
+            <a:r>
+              <a:rPr sz="900" dirty="0">
+                <a:latin typeface="Arial"/>
+                <a:cs typeface="Arial"/>
+              </a:rPr>
+              <a:t>#Python</a:t>
+            </a:r>
+            <a:r>
+              <a:rPr sz="900" spc="-30" dirty="0">
+                <a:latin typeface="Arial"/>
+                <a:cs typeface="Arial"/>
+              </a:rPr>
+              <a:t> </a:t>
+            </a:r>
+            <a:r>
+              <a:rPr sz="900" spc="-10" dirty="0">
+                <a:latin typeface="Arial"/>
+                <a:cs typeface="Arial"/>
+              </a:rPr>
+              <a:t>Class</a:t>
+            </a:r>
+            <a:endParaRPr lang="en-US" sz="900" spc="-10" dirty="0">
+              <a:latin typeface="Arial"/>
+              <a:cs typeface="Arial"/>
+            </a:endParaRPr>
+          </a:p>
+          <a:p>
+            <a:pPr marR="5080">
+              <a:lnSpc>
+                <a:spcPts val="980"/>
+              </a:lnSpc>
+            </a:pPr>
+            <a:r>
+              <a:rPr lang="en-GB" sz="900" spc="-10" dirty="0"/>
+              <a:t>#dict</a:t>
+            </a:r>
+          </a:p>
+          <a:p>
+            <a:pPr marR="5080">
+              <a:lnSpc>
+                <a:spcPts val="980"/>
+              </a:lnSpc>
+            </a:pPr>
+            <a:r>
+              <a:rPr lang="en-GB" sz="900" spc="-10" dirty="0"/>
+              <a:t>#float</a:t>
+            </a:r>
+            <a:endParaRPr sz="900" dirty="0">
+              <a:latin typeface="Arial"/>
+              <a:cs typeface="Arial"/>
+            </a:endParaRPr>
+          </a:p>
+        </p:txBody>
+      </p:sp>
+      <p:sp>
+        <p:nvSpPr>
+          <p:cNvPr id="19" name="object 19"/>
+          <p:cNvSpPr txBox="1"/>
+          <p:nvPr/>
+        </p:nvSpPr>
+        <p:spPr>
+          <a:xfrm>
+            <a:off x="6578861" y="1982216"/>
+            <a:ext cx="2225675" cy="792525"/>
+          </a:xfrm>
+          <a:prstGeom prst="rect">
+            <a:avLst/>
+          </a:prstGeom>
+        </p:spPr>
+        <p:txBody>
+          <a:bodyPr vert="horz" wrap="square" lIns="0" tIns="12700" rIns="0" bIns="0" rtlCol="0">
+            <a:spAutoFit/>
+          </a:bodyPr>
+          <a:lstStyle/>
+          <a:p>
+            <a:pPr>
+              <a:lnSpc>
+                <a:spcPct val="100000"/>
+              </a:lnSpc>
+              <a:spcBef>
+                <a:spcPts val="100"/>
+              </a:spcBef>
+            </a:pPr>
+            <a:endParaRPr sz="900" dirty="0">
+              <a:latin typeface="Arial"/>
+              <a:cs typeface="Arial"/>
+            </a:endParaRPr>
+          </a:p>
+          <a:p>
+            <a:pPr>
+              <a:lnSpc>
+                <a:spcPct val="100000"/>
+              </a:lnSpc>
+            </a:pPr>
+            <a:endParaRPr sz="1000" dirty="0">
+              <a:latin typeface="Arial"/>
+              <a:cs typeface="Arial"/>
+            </a:endParaRPr>
+          </a:p>
+          <a:p>
+            <a:pPr>
+              <a:lnSpc>
+                <a:spcPct val="100000"/>
+              </a:lnSpc>
+              <a:spcBef>
+                <a:spcPts val="45"/>
+              </a:spcBef>
+            </a:pPr>
+            <a:endParaRPr sz="1000" dirty="0">
+              <a:latin typeface="Arial"/>
+              <a:cs typeface="Arial"/>
+            </a:endParaRPr>
+          </a:p>
+          <a:p>
+            <a:pPr>
+              <a:lnSpc>
+                <a:spcPct val="100000"/>
+              </a:lnSpc>
+            </a:pPr>
+            <a:r>
+              <a:rPr sz="1000" spc="-10" dirty="0">
+                <a:solidFill>
+                  <a:srgbClr val="212121"/>
+                </a:solidFill>
+                <a:latin typeface="Lucida Sans"/>
+                <a:cs typeface="Lucida Sans"/>
+              </a:rPr>
+              <a:t>Implements:</a:t>
+            </a:r>
+            <a:endParaRPr sz="1000" dirty="0">
+              <a:latin typeface="Lucida Sans"/>
+              <a:cs typeface="Lucida Sans"/>
+            </a:endParaRPr>
+          </a:p>
+          <a:p>
+            <a:pPr>
+              <a:lnSpc>
+                <a:spcPct val="100000"/>
+              </a:lnSpc>
+              <a:spcBef>
+                <a:spcPts val="219"/>
+              </a:spcBef>
+            </a:pPr>
+            <a:r>
+              <a:rPr sz="1000" i="1" dirty="0">
+                <a:solidFill>
+                  <a:srgbClr val="212121"/>
+                </a:solidFill>
+                <a:latin typeface="Lucida Sans"/>
+                <a:cs typeface="Lucida Sans"/>
+              </a:rPr>
+              <a:t>Block</a:t>
+            </a:r>
+            <a:r>
+              <a:rPr sz="1000" i="1" spc="-45" dirty="0">
+                <a:solidFill>
+                  <a:srgbClr val="212121"/>
+                </a:solidFill>
+                <a:latin typeface="Lucida Sans"/>
+                <a:cs typeface="Lucida Sans"/>
+              </a:rPr>
+              <a:t> </a:t>
+            </a:r>
+            <a:r>
+              <a:rPr sz="1000" i="1" dirty="0">
+                <a:solidFill>
+                  <a:srgbClr val="212121"/>
+                </a:solidFill>
+                <a:latin typeface="Lucida Sans"/>
+                <a:cs typeface="Lucida Sans"/>
+              </a:rPr>
+              <a:t>Coordinate</a:t>
+            </a:r>
+            <a:r>
+              <a:rPr sz="1000" i="1" spc="-35" dirty="0">
+                <a:solidFill>
+                  <a:srgbClr val="212121"/>
+                </a:solidFill>
+                <a:latin typeface="Lucida Sans"/>
+                <a:cs typeface="Lucida Sans"/>
+              </a:rPr>
+              <a:t> </a:t>
+            </a:r>
+            <a:r>
+              <a:rPr sz="1000" i="1" dirty="0">
+                <a:solidFill>
+                  <a:srgbClr val="212121"/>
+                </a:solidFill>
+                <a:latin typeface="Lucida Sans"/>
+                <a:cs typeface="Lucida Sans"/>
+              </a:rPr>
+              <a:t>Descent</a:t>
+            </a:r>
+            <a:r>
+              <a:rPr sz="1000" i="1" spc="-25" dirty="0">
+                <a:solidFill>
+                  <a:srgbClr val="212121"/>
+                </a:solidFill>
+                <a:latin typeface="Lucida Sans"/>
+                <a:cs typeface="Lucida Sans"/>
+              </a:rPr>
+              <a:t> </a:t>
+            </a:r>
+            <a:r>
+              <a:rPr sz="1000" i="1" spc="-10" dirty="0">
+                <a:solidFill>
+                  <a:srgbClr val="212121"/>
+                </a:solidFill>
+                <a:latin typeface="Lucida Sans"/>
+                <a:cs typeface="Lucida Sans"/>
+              </a:rPr>
+              <a:t>Algorithm</a:t>
+            </a:r>
+            <a:endParaRPr sz="1000" dirty="0">
+              <a:latin typeface="Lucida Sans"/>
+              <a:cs typeface="Lucida Sans"/>
+            </a:endParaRPr>
+          </a:p>
+        </p:txBody>
+      </p:sp>
+      <p:graphicFrame>
+        <p:nvGraphicFramePr>
+          <p:cNvPr id="22" name="object 22"/>
+          <p:cNvGraphicFramePr>
+            <a:graphicFrameLocks noGrp="1"/>
+          </p:cNvGraphicFramePr>
+          <p:nvPr/>
+        </p:nvGraphicFramePr>
+        <p:xfrm>
+          <a:off x="81916" y="1154285"/>
+          <a:ext cx="2533015" cy="2733675"/>
+        </p:xfrm>
+        <a:graphic>
+          <a:graphicData uri="http://schemas.openxmlformats.org/drawingml/2006/table">
+            <a:tbl>
+              <a:tblPr firstRow="1" bandRow="1">
+                <a:tableStyleId>{2D5ABB26-0587-4C30-8999-92F81FD0307C}</a:tableStyleId>
+              </a:tblPr>
+              <a:tblGrid>
+                <a:gridCol w="2533015">
+                  <a:extLst>
+                    <a:ext uri="{9D8B030D-6E8A-4147-A177-3AD203B41FA5}">
+                      <a16:colId xmlns:a16="http://schemas.microsoft.com/office/drawing/2014/main" val="20000"/>
+                    </a:ext>
+                  </a:extLst>
+                </a:gridCol>
+              </a:tblGrid>
+              <a:tr h="1753235">
+                <a:tc>
+                  <a:txBody>
+                    <a:bodyPr/>
+                    <a:lstStyle/>
+                    <a:p>
+                      <a:pPr marL="90805">
+                        <a:lnSpc>
+                          <a:spcPct val="100000"/>
+                        </a:lnSpc>
+                        <a:spcBef>
+                          <a:spcPts val="720"/>
+                        </a:spcBef>
+                      </a:pPr>
+                      <a:r>
+                        <a:rPr sz="1000" dirty="0">
+                          <a:solidFill>
+                            <a:srgbClr val="212121"/>
+                          </a:solidFill>
+                          <a:latin typeface="Lucida Sans"/>
+                          <a:cs typeface="Lucida Sans"/>
+                        </a:rPr>
+                        <a:t>Class</a:t>
+                      </a:r>
+                      <a:r>
+                        <a:rPr sz="1000" spc="-20" dirty="0">
+                          <a:solidFill>
+                            <a:srgbClr val="212121"/>
+                          </a:solidFill>
+                          <a:latin typeface="Lucida Sans"/>
+                          <a:cs typeface="Lucida Sans"/>
+                        </a:rPr>
+                        <a:t> </a:t>
+                      </a:r>
+                      <a:r>
+                        <a:rPr sz="1000" i="1" spc="-10" dirty="0">
+                          <a:solidFill>
+                            <a:srgbClr val="212121"/>
+                          </a:solidFill>
+                          <a:latin typeface="Lucida Sans"/>
+                          <a:cs typeface="Lucida Sans"/>
+                        </a:rPr>
+                        <a:t>Problem</a:t>
+                      </a:r>
+                      <a:endParaRPr sz="1000">
+                        <a:latin typeface="Lucida Sans"/>
+                        <a:cs typeface="Lucida Sans"/>
+                      </a:endParaRPr>
+                    </a:p>
+                    <a:p>
+                      <a:pPr>
+                        <a:lnSpc>
+                          <a:spcPct val="100000"/>
+                        </a:lnSpc>
+                        <a:spcBef>
+                          <a:spcPts val="30"/>
+                        </a:spcBef>
+                      </a:pPr>
+                      <a:endParaRPr sz="1250">
+                        <a:latin typeface="Times New Roman"/>
+                        <a:cs typeface="Times New Roman"/>
+                      </a:endParaRPr>
+                    </a:p>
+                    <a:p>
+                      <a:pPr marL="90805">
+                        <a:lnSpc>
+                          <a:spcPct val="100000"/>
+                        </a:lnSpc>
+                      </a:pPr>
+                      <a:r>
+                        <a:rPr sz="900" dirty="0">
+                          <a:latin typeface="Lucida Sans"/>
+                          <a:cs typeface="Lucida Sans"/>
+                        </a:rPr>
+                        <a:t>init </a:t>
+                      </a:r>
+                      <a:r>
+                        <a:rPr sz="900" spc="-50" dirty="0">
+                          <a:latin typeface="Lucida Sans"/>
+                          <a:cs typeface="Lucida Sans"/>
+                        </a:rPr>
+                        <a:t>(</a:t>
+                      </a:r>
+                      <a:endParaRPr sz="900">
+                        <a:latin typeface="Lucida Sans"/>
+                        <a:cs typeface="Lucida Sans"/>
+                      </a:endParaRPr>
+                    </a:p>
+                    <a:p>
+                      <a:pPr marL="90805">
+                        <a:lnSpc>
+                          <a:spcPts val="1030"/>
+                        </a:lnSpc>
+                        <a:spcBef>
+                          <a:spcPts val="25"/>
+                        </a:spcBef>
+                        <a:tabLst>
+                          <a:tab pos="1132205" algn="l"/>
+                        </a:tabLst>
+                      </a:pPr>
+                      <a:r>
+                        <a:rPr sz="900" b="1" spc="-10" dirty="0">
+                          <a:latin typeface="Arial"/>
+                          <a:cs typeface="Arial"/>
+                        </a:rPr>
+                        <a:t>time,</a:t>
+                      </a:r>
+                      <a:r>
+                        <a:rPr sz="900" b="1" dirty="0">
+                          <a:latin typeface="Arial"/>
+                          <a:cs typeface="Arial"/>
+                        </a:rPr>
+                        <a:t>	</a:t>
+                      </a:r>
+                      <a:r>
+                        <a:rPr sz="900" dirty="0">
+                          <a:latin typeface="Arial"/>
+                          <a:cs typeface="Arial"/>
+                        </a:rPr>
+                        <a:t>#</a:t>
+                      </a:r>
+                      <a:r>
+                        <a:rPr sz="900" spc="-10" dirty="0">
+                          <a:latin typeface="Arial"/>
+                          <a:cs typeface="Arial"/>
+                        </a:rPr>
+                        <a:t> </a:t>
+                      </a:r>
+                      <a:r>
+                        <a:rPr sz="900" dirty="0">
+                          <a:latin typeface="Arial"/>
+                          <a:cs typeface="Arial"/>
+                        </a:rPr>
+                        <a:t>int</a:t>
+                      </a:r>
+                      <a:r>
+                        <a:rPr sz="900" spc="-5" dirty="0">
+                          <a:latin typeface="Arial"/>
+                          <a:cs typeface="Arial"/>
+                        </a:rPr>
+                        <a:t> </a:t>
+                      </a:r>
+                      <a:r>
+                        <a:rPr sz="900" spc="-10" dirty="0">
+                          <a:latin typeface="Arial"/>
+                          <a:cs typeface="Arial"/>
+                        </a:rPr>
+                        <a:t>(interval)</a:t>
+                      </a:r>
+                      <a:endParaRPr sz="900">
+                        <a:latin typeface="Arial"/>
+                        <a:cs typeface="Arial"/>
+                      </a:endParaRPr>
+                    </a:p>
+                    <a:p>
+                      <a:pPr marL="90805">
+                        <a:lnSpc>
+                          <a:spcPts val="1030"/>
+                        </a:lnSpc>
+                        <a:tabLst>
+                          <a:tab pos="1132205" algn="l"/>
+                        </a:tabLst>
+                      </a:pPr>
+                      <a:r>
+                        <a:rPr sz="900" b="1" spc="-10" dirty="0">
+                          <a:latin typeface="Arial"/>
+                          <a:cs typeface="Arial"/>
+                        </a:rPr>
+                        <a:t>e_need,</a:t>
+                      </a:r>
+                      <a:r>
+                        <a:rPr sz="900" b="1" dirty="0">
+                          <a:latin typeface="Arial"/>
+                          <a:cs typeface="Arial"/>
+                        </a:rPr>
+                        <a:t>	</a:t>
+                      </a:r>
+                      <a:r>
+                        <a:rPr sz="900" dirty="0">
+                          <a:latin typeface="Arial"/>
+                          <a:cs typeface="Arial"/>
+                        </a:rPr>
+                        <a:t>#</a:t>
+                      </a:r>
+                      <a:r>
+                        <a:rPr sz="900" spc="-10" dirty="0">
+                          <a:latin typeface="Arial"/>
+                          <a:cs typeface="Arial"/>
+                        </a:rPr>
+                        <a:t> </a:t>
+                      </a:r>
+                      <a:r>
+                        <a:rPr sz="900" dirty="0">
+                          <a:latin typeface="Arial"/>
+                          <a:cs typeface="Arial"/>
+                        </a:rPr>
+                        <a:t>float</a:t>
+                      </a:r>
+                      <a:r>
+                        <a:rPr sz="900" spc="-10" dirty="0">
+                          <a:latin typeface="Arial"/>
+                          <a:cs typeface="Arial"/>
+                        </a:rPr>
+                        <a:t> (kWh)</a:t>
+                      </a:r>
+                      <a:endParaRPr sz="900">
+                        <a:latin typeface="Arial"/>
+                        <a:cs typeface="Arial"/>
+                      </a:endParaRPr>
+                    </a:p>
+                    <a:p>
+                      <a:pPr marL="90805" marR="166370">
+                        <a:lnSpc>
+                          <a:spcPct val="102200"/>
+                        </a:lnSpc>
+                        <a:tabLst>
+                          <a:tab pos="1132205" algn="l"/>
+                        </a:tabLst>
+                      </a:pPr>
+                      <a:r>
+                        <a:rPr sz="900" b="1" spc="-10" dirty="0">
+                          <a:latin typeface="Arial"/>
+                          <a:cs typeface="Arial"/>
+                        </a:rPr>
+                        <a:t>duration,</a:t>
+                      </a:r>
+                      <a:r>
+                        <a:rPr sz="900" b="1" dirty="0">
+                          <a:latin typeface="Arial"/>
+                          <a:cs typeface="Arial"/>
+                        </a:rPr>
+                        <a:t>	</a:t>
+                      </a:r>
+                      <a:r>
+                        <a:rPr sz="900" dirty="0">
+                          <a:latin typeface="Arial"/>
+                          <a:cs typeface="Arial"/>
+                        </a:rPr>
+                        <a:t>#</a:t>
+                      </a:r>
+                      <a:r>
+                        <a:rPr sz="900" spc="-15" dirty="0">
+                          <a:latin typeface="Arial"/>
+                          <a:cs typeface="Arial"/>
+                        </a:rPr>
+                        <a:t> </a:t>
+                      </a:r>
+                      <a:r>
+                        <a:rPr sz="900" dirty="0">
+                          <a:latin typeface="Arial"/>
+                          <a:cs typeface="Arial"/>
+                        </a:rPr>
+                        <a:t>stay</a:t>
+                      </a:r>
+                      <a:r>
+                        <a:rPr sz="900" spc="-15" dirty="0">
+                          <a:latin typeface="Arial"/>
+                          <a:cs typeface="Arial"/>
+                        </a:rPr>
+                        <a:t> </a:t>
+                      </a:r>
+                      <a:r>
+                        <a:rPr sz="900" dirty="0">
+                          <a:latin typeface="Arial"/>
+                          <a:cs typeface="Arial"/>
+                        </a:rPr>
+                        <a:t>duration</a:t>
+                      </a:r>
+                      <a:r>
+                        <a:rPr sz="900" spc="-10" dirty="0">
+                          <a:latin typeface="Arial"/>
+                          <a:cs typeface="Arial"/>
+                        </a:rPr>
+                        <a:t> (interval) </a:t>
+                      </a:r>
+                      <a:r>
+                        <a:rPr sz="900" b="1" dirty="0">
+                          <a:latin typeface="Arial"/>
+                          <a:cs typeface="Arial"/>
+                        </a:rPr>
+                        <a:t>station_pow_max,</a:t>
+                      </a:r>
+                      <a:r>
+                        <a:rPr sz="900" b="1" spc="215" dirty="0">
+                          <a:latin typeface="Arial"/>
+                          <a:cs typeface="Arial"/>
+                        </a:rPr>
+                        <a:t> </a:t>
+                      </a:r>
+                      <a:r>
+                        <a:rPr sz="900" dirty="0">
+                          <a:latin typeface="Arial"/>
+                          <a:cs typeface="Arial"/>
+                        </a:rPr>
+                        <a:t>#</a:t>
+                      </a:r>
+                      <a:r>
+                        <a:rPr sz="900" spc="-20" dirty="0">
+                          <a:latin typeface="Arial"/>
+                          <a:cs typeface="Arial"/>
+                        </a:rPr>
+                        <a:t> </a:t>
+                      </a:r>
+                      <a:r>
+                        <a:rPr sz="900" dirty="0">
+                          <a:latin typeface="Arial"/>
+                          <a:cs typeface="Arial"/>
+                        </a:rPr>
+                        <a:t>float</a:t>
+                      </a:r>
+                      <a:r>
+                        <a:rPr sz="900" spc="-15" dirty="0">
+                          <a:latin typeface="Arial"/>
+                          <a:cs typeface="Arial"/>
+                        </a:rPr>
+                        <a:t> </a:t>
+                      </a:r>
+                      <a:r>
+                        <a:rPr sz="900" spc="-20" dirty="0">
+                          <a:latin typeface="Arial"/>
+                          <a:cs typeface="Arial"/>
+                        </a:rPr>
+                        <a:t>(kW) </a:t>
+                      </a:r>
+                      <a:r>
+                        <a:rPr sz="900" b="1" dirty="0">
+                          <a:latin typeface="Arial"/>
+                          <a:cs typeface="Arial"/>
+                        </a:rPr>
+                        <a:t>user_power_rate,</a:t>
+                      </a:r>
+                      <a:r>
+                        <a:rPr sz="900" b="1" spc="465" dirty="0">
+                          <a:latin typeface="Arial"/>
+                          <a:cs typeface="Arial"/>
+                        </a:rPr>
+                        <a:t> </a:t>
+                      </a:r>
+                      <a:r>
+                        <a:rPr sz="900" dirty="0">
+                          <a:latin typeface="Arial"/>
+                          <a:cs typeface="Arial"/>
+                        </a:rPr>
+                        <a:t>#</a:t>
+                      </a:r>
+                      <a:r>
+                        <a:rPr sz="900" spc="-15" dirty="0">
+                          <a:latin typeface="Arial"/>
+                          <a:cs typeface="Arial"/>
+                        </a:rPr>
+                        <a:t> </a:t>
+                      </a:r>
+                      <a:r>
+                        <a:rPr sz="900" dirty="0">
+                          <a:latin typeface="Arial"/>
+                          <a:cs typeface="Arial"/>
+                        </a:rPr>
+                        <a:t>floar</a:t>
+                      </a:r>
+                      <a:r>
+                        <a:rPr sz="900" spc="-10" dirty="0">
+                          <a:latin typeface="Arial"/>
+                          <a:cs typeface="Arial"/>
+                        </a:rPr>
+                        <a:t> </a:t>
+                      </a:r>
+                      <a:r>
+                        <a:rPr sz="900" spc="-20" dirty="0">
+                          <a:latin typeface="Arial"/>
+                          <a:cs typeface="Arial"/>
+                        </a:rPr>
+                        <a:t>(kW)</a:t>
+                      </a:r>
+                      <a:endParaRPr sz="900">
+                        <a:latin typeface="Arial"/>
+                        <a:cs typeface="Arial"/>
+                      </a:endParaRPr>
+                    </a:p>
+                    <a:p>
+                      <a:pPr marL="90805">
+                        <a:lnSpc>
+                          <a:spcPct val="100000"/>
+                        </a:lnSpc>
+                        <a:spcBef>
+                          <a:spcPts val="25"/>
+                        </a:spcBef>
+                      </a:pPr>
+                      <a:r>
+                        <a:rPr sz="900" dirty="0">
+                          <a:latin typeface="Arial"/>
+                          <a:cs typeface="Arial"/>
+                        </a:rPr>
+                        <a:t>)</a:t>
+                      </a:r>
+                      <a:endParaRPr sz="900">
+                        <a:latin typeface="Arial"/>
+                        <a:cs typeface="Arial"/>
+                      </a:endParaRPr>
+                    </a:p>
+                  </a:txBody>
+                  <a:tcPr marL="0" marR="0" marT="91440" marB="0">
+                    <a:lnL w="9525">
+                      <a:solidFill>
+                        <a:srgbClr val="595959"/>
+                      </a:solidFill>
+                      <a:prstDash val="solid"/>
+                    </a:lnL>
+                    <a:lnR w="9525">
+                      <a:solidFill>
+                        <a:srgbClr val="595959"/>
+                      </a:solidFill>
+                      <a:prstDash val="solid"/>
+                    </a:lnR>
+                    <a:lnT w="9525">
+                      <a:solidFill>
+                        <a:srgbClr val="595959"/>
+                      </a:solidFill>
+                      <a:prstDash val="solid"/>
+                    </a:lnT>
+                    <a:lnB w="19050">
+                      <a:solidFill>
+                        <a:srgbClr val="FF0000"/>
+                      </a:solidFill>
+                      <a:prstDash val="solid"/>
+                    </a:lnB>
+                    <a:solidFill>
+                      <a:srgbClr val="FF0000">
+                        <a:alpha val="30198"/>
+                      </a:srgbClr>
+                    </a:solidFill>
+                  </a:tcPr>
+                </a:tc>
+                <a:extLst>
+                  <a:ext uri="{0D108BD9-81ED-4DB2-BD59-A6C34878D82A}">
+                    <a16:rowId xmlns:a16="http://schemas.microsoft.com/office/drawing/2014/main" val="10000"/>
+                  </a:ext>
+                </a:extLst>
+              </a:tr>
+              <a:tr h="245110">
+                <a:tc>
+                  <a:txBody>
+                    <a:bodyPr/>
+                    <a:lstStyle/>
+                    <a:p>
+                      <a:pPr marL="90805">
+                        <a:lnSpc>
+                          <a:spcPct val="100000"/>
+                        </a:lnSpc>
+                        <a:spcBef>
+                          <a:spcPts val="555"/>
+                        </a:spcBef>
+                      </a:pPr>
+                      <a:r>
+                        <a:rPr sz="700" dirty="0">
+                          <a:latin typeface="Lucida Sans"/>
+                          <a:cs typeface="Lucida Sans"/>
+                        </a:rPr>
+                        <a:t>DCM </a:t>
+                      </a:r>
+                      <a:r>
+                        <a:rPr sz="700" spc="-10" dirty="0">
+                          <a:latin typeface="Lucida Sans"/>
+                          <a:cs typeface="Lucida Sans"/>
+                        </a:rPr>
+                        <a:t>Parameters</a:t>
+                      </a:r>
+                      <a:endParaRPr sz="700">
+                        <a:latin typeface="Lucida Sans"/>
+                        <a:cs typeface="Lucida Sans"/>
+                      </a:endParaRPr>
+                    </a:p>
+                  </a:txBody>
+                  <a:tcPr marL="0" marR="0" marT="70485" marB="0">
+                    <a:lnL w="19050">
+                      <a:solidFill>
+                        <a:srgbClr val="FF0000"/>
+                      </a:solidFill>
+                      <a:prstDash val="solid"/>
+                    </a:lnL>
+                    <a:lnR w="19050">
+                      <a:solidFill>
+                        <a:srgbClr val="FF0000"/>
+                      </a:solidFill>
+                      <a:prstDash val="solid"/>
+                    </a:lnR>
+                    <a:lnT w="19050">
+                      <a:solidFill>
+                        <a:srgbClr val="FF0000"/>
+                      </a:solidFill>
+                      <a:prstDash val="solid"/>
+                    </a:lnT>
+                    <a:lnB w="19050">
+                      <a:solidFill>
+                        <a:srgbClr val="FF0000"/>
+                      </a:solidFill>
+                      <a:prstDash val="solid"/>
+                    </a:lnB>
+                    <a:solidFill>
+                      <a:srgbClr val="FFC000"/>
+                    </a:solidFill>
+                  </a:tcPr>
+                </a:tc>
+                <a:extLst>
+                  <a:ext uri="{0D108BD9-81ED-4DB2-BD59-A6C34878D82A}">
+                    <a16:rowId xmlns:a16="http://schemas.microsoft.com/office/drawing/2014/main" val="10001"/>
+                  </a:ext>
+                </a:extLst>
+              </a:tr>
+              <a:tr h="735330">
+                <a:tc>
+                  <a:txBody>
+                    <a:bodyPr/>
+                    <a:lstStyle/>
+                    <a:p>
+                      <a:pPr>
+                        <a:lnSpc>
+                          <a:spcPct val="100000"/>
+                        </a:lnSpc>
+                      </a:pPr>
+                      <a:endParaRPr sz="900">
+                        <a:latin typeface="Times New Roman"/>
+                        <a:cs typeface="Times New Roman"/>
+                      </a:endParaRPr>
+                    </a:p>
+                  </a:txBody>
+                  <a:tcPr marL="0" marR="0" marT="0" marB="0">
+                    <a:lnL w="9525">
+                      <a:solidFill>
+                        <a:srgbClr val="595959"/>
+                      </a:solidFill>
+                      <a:prstDash val="solid"/>
+                    </a:lnL>
+                    <a:lnR w="9525">
+                      <a:solidFill>
+                        <a:srgbClr val="595959"/>
+                      </a:solidFill>
+                      <a:prstDash val="solid"/>
+                    </a:lnR>
+                    <a:lnT w="19050">
+                      <a:solidFill>
+                        <a:srgbClr val="FF0000"/>
+                      </a:solidFill>
+                      <a:prstDash val="solid"/>
+                    </a:lnT>
+                    <a:lnB w="9525">
+                      <a:solidFill>
+                        <a:srgbClr val="595959"/>
+                      </a:solidFill>
+                      <a:prstDash val="solid"/>
+                    </a:lnB>
+                    <a:solidFill>
+                      <a:srgbClr val="FF0000">
+                        <a:alpha val="30198"/>
+                      </a:srgbClr>
+                    </a:solidFill>
+                  </a:tcPr>
+                </a:tc>
+                <a:extLst>
+                  <a:ext uri="{0D108BD9-81ED-4DB2-BD59-A6C34878D82A}">
+                    <a16:rowId xmlns:a16="http://schemas.microsoft.com/office/drawing/2014/main" val="10002"/>
+                  </a:ext>
+                </a:extLst>
+              </a:tr>
+            </a:tbl>
+          </a:graphicData>
+        </a:graphic>
+      </p:graphicFrame>
+      <p:sp>
+        <p:nvSpPr>
+          <p:cNvPr id="23" name="object 23"/>
+          <p:cNvSpPr/>
+          <p:nvPr/>
+        </p:nvSpPr>
+        <p:spPr>
+          <a:xfrm>
+            <a:off x="6487436" y="2931735"/>
+            <a:ext cx="2533015" cy="877569"/>
+          </a:xfrm>
+          <a:custGeom>
+            <a:avLst/>
+            <a:gdLst/>
+            <a:ahLst/>
+            <a:cxnLst/>
+            <a:rect l="l" t="t" r="r" b="b"/>
+            <a:pathLst>
+              <a:path w="2533015" h="877570">
+                <a:moveTo>
+                  <a:pt x="2532888" y="0"/>
+                </a:moveTo>
+                <a:lnTo>
+                  <a:pt x="0" y="0"/>
+                </a:lnTo>
+                <a:lnTo>
+                  <a:pt x="0" y="877133"/>
+                </a:lnTo>
+                <a:lnTo>
+                  <a:pt x="2532888" y="877133"/>
+                </a:lnTo>
+                <a:lnTo>
+                  <a:pt x="2532888" y="0"/>
+                </a:lnTo>
+                <a:close/>
+              </a:path>
+            </a:pathLst>
+          </a:custGeom>
+          <a:solidFill>
+            <a:srgbClr val="1610FF">
+              <a:alpha val="30198"/>
+            </a:srgbClr>
+          </a:solidFill>
+        </p:spPr>
+        <p:txBody>
+          <a:bodyPr wrap="square" lIns="0" tIns="0" rIns="0" bIns="0" rtlCol="0"/>
+          <a:lstStyle/>
+          <a:p>
+            <a:endParaRPr/>
+          </a:p>
+        </p:txBody>
+      </p:sp>
+      <p:sp>
+        <p:nvSpPr>
+          <p:cNvPr id="24" name="object 24"/>
+          <p:cNvSpPr txBox="1"/>
+          <p:nvPr/>
+        </p:nvSpPr>
+        <p:spPr>
+          <a:xfrm>
+            <a:off x="6578861" y="3009392"/>
+            <a:ext cx="639062" cy="694293"/>
+          </a:xfrm>
+          <a:prstGeom prst="rect">
+            <a:avLst/>
+          </a:prstGeom>
+        </p:spPr>
+        <p:txBody>
+          <a:bodyPr vert="horz" wrap="square" lIns="0" tIns="12700" rIns="0" bIns="0" rtlCol="0">
+            <a:spAutoFit/>
+          </a:bodyPr>
+          <a:lstStyle/>
+          <a:p>
+            <a:pPr>
+              <a:lnSpc>
+                <a:spcPct val="100000"/>
+              </a:lnSpc>
+              <a:spcBef>
+                <a:spcPts val="100"/>
+              </a:spcBef>
+            </a:pPr>
+            <a:r>
+              <a:rPr sz="900" spc="-10" dirty="0">
+                <a:latin typeface="Arial"/>
+                <a:cs typeface="Arial"/>
+              </a:rPr>
+              <a:t>Returns</a:t>
+            </a:r>
+            <a:endParaRPr sz="900" dirty="0">
+              <a:latin typeface="Arial"/>
+              <a:cs typeface="Arial"/>
+            </a:endParaRPr>
+          </a:p>
+          <a:p>
+            <a:pPr marR="137795">
+              <a:lnSpc>
+                <a:spcPct val="97800"/>
+              </a:lnSpc>
+              <a:spcBef>
+                <a:spcPts val="45"/>
+              </a:spcBef>
+            </a:pPr>
+            <a:r>
+              <a:rPr sz="900" b="1" spc="-25" dirty="0">
+                <a:latin typeface="Arial"/>
+                <a:cs typeface="Arial"/>
+              </a:rPr>
+              <a:t>z, </a:t>
+            </a:r>
+            <a:endParaRPr lang="en-US" sz="900" b="1" spc="-25" dirty="0">
+              <a:latin typeface="Arial"/>
+              <a:cs typeface="Arial"/>
+            </a:endParaRPr>
+          </a:p>
+          <a:p>
+            <a:pPr marR="137795">
+              <a:lnSpc>
+                <a:spcPct val="97800"/>
+              </a:lnSpc>
+              <a:spcBef>
+                <a:spcPts val="45"/>
+              </a:spcBef>
+            </a:pPr>
+            <a:r>
+              <a:rPr sz="900" b="1" spc="-10" dirty="0" err="1">
+                <a:latin typeface="Arial"/>
+                <a:cs typeface="Arial"/>
+              </a:rPr>
+              <a:t>z_hr</a:t>
+            </a:r>
+            <a:r>
+              <a:rPr sz="900" b="1" spc="-10" dirty="0">
+                <a:latin typeface="Arial"/>
+                <a:cs typeface="Arial"/>
+              </a:rPr>
+              <a:t>, </a:t>
+            </a:r>
+            <a:endParaRPr lang="en-US" sz="900" b="1" spc="-10" dirty="0">
+              <a:latin typeface="Arial"/>
+              <a:cs typeface="Arial"/>
+            </a:endParaRPr>
+          </a:p>
+          <a:p>
+            <a:pPr marR="137795">
+              <a:lnSpc>
+                <a:spcPct val="97800"/>
+              </a:lnSpc>
+              <a:spcBef>
+                <a:spcPts val="45"/>
+              </a:spcBef>
+            </a:pPr>
+            <a:r>
+              <a:rPr sz="900" b="1" spc="-25" dirty="0">
+                <a:latin typeface="Arial"/>
+                <a:cs typeface="Arial"/>
+              </a:rPr>
+              <a:t>p,</a:t>
+            </a:r>
+            <a:endParaRPr lang="en-US" sz="900" b="1" spc="-25" dirty="0">
+              <a:latin typeface="Arial"/>
+              <a:cs typeface="Arial"/>
+            </a:endParaRPr>
+          </a:p>
+          <a:p>
+            <a:pPr marR="137795">
+              <a:lnSpc>
+                <a:spcPct val="97800"/>
+              </a:lnSpc>
+              <a:spcBef>
+                <a:spcPts val="45"/>
+              </a:spcBef>
+            </a:pPr>
+            <a:r>
+              <a:rPr lang="en-GB" sz="900" b="1" spc="-25" dirty="0"/>
+              <a:t>station</a:t>
+            </a:r>
+            <a:endParaRPr sz="900" dirty="0">
+              <a:latin typeface="Arial"/>
+              <a:cs typeface="Arial"/>
+            </a:endParaRPr>
+          </a:p>
+        </p:txBody>
+      </p:sp>
+      <p:sp>
+        <p:nvSpPr>
+          <p:cNvPr id="25" name="object 25"/>
+          <p:cNvSpPr txBox="1"/>
+          <p:nvPr/>
+        </p:nvSpPr>
+        <p:spPr>
+          <a:xfrm>
+            <a:off x="7493261" y="3149600"/>
+            <a:ext cx="996950" cy="557845"/>
+          </a:xfrm>
+          <a:prstGeom prst="rect">
+            <a:avLst/>
+          </a:prstGeom>
+        </p:spPr>
+        <p:txBody>
+          <a:bodyPr vert="horz" wrap="square" lIns="0" tIns="24130" rIns="0" bIns="0" rtlCol="0">
+            <a:spAutoFit/>
+          </a:bodyPr>
+          <a:lstStyle/>
+          <a:p>
+            <a:pPr marR="5080">
+              <a:lnSpc>
+                <a:spcPts val="1010"/>
+              </a:lnSpc>
+              <a:spcBef>
+                <a:spcPts val="190"/>
+              </a:spcBef>
+            </a:pPr>
+            <a:r>
+              <a:rPr sz="900" dirty="0">
+                <a:latin typeface="Arial"/>
+                <a:cs typeface="Arial"/>
+              </a:rPr>
+              <a:t>#</a:t>
+            </a:r>
+            <a:r>
+              <a:rPr sz="900" spc="-15" dirty="0">
+                <a:latin typeface="Arial"/>
+                <a:cs typeface="Arial"/>
+              </a:rPr>
+              <a:t> </a:t>
+            </a:r>
+            <a:r>
+              <a:rPr sz="900" dirty="0">
+                <a:latin typeface="Arial"/>
+                <a:cs typeface="Arial"/>
+              </a:rPr>
+              <a:t>float</a:t>
+            </a:r>
+            <a:r>
+              <a:rPr sz="900" spc="-10" dirty="0">
+                <a:latin typeface="Arial"/>
+                <a:cs typeface="Arial"/>
+              </a:rPr>
+              <a:t> </a:t>
+            </a:r>
+            <a:r>
+              <a:rPr sz="900" dirty="0">
+                <a:latin typeface="Arial"/>
+                <a:cs typeface="Arial"/>
+              </a:rPr>
+              <a:t>(cents/</a:t>
+            </a:r>
+            <a:r>
+              <a:rPr sz="900" spc="-10" dirty="0">
+                <a:latin typeface="Arial"/>
+                <a:cs typeface="Arial"/>
+              </a:rPr>
+              <a:t> </a:t>
+            </a:r>
+            <a:r>
+              <a:rPr sz="900" spc="-20" dirty="0">
+                <a:latin typeface="Arial"/>
+                <a:cs typeface="Arial"/>
+              </a:rPr>
+              <a:t>kWh) </a:t>
+            </a:r>
+            <a:r>
+              <a:rPr sz="900" dirty="0">
+                <a:latin typeface="Arial"/>
+                <a:cs typeface="Arial"/>
+              </a:rPr>
+              <a:t>#</a:t>
+            </a:r>
+            <a:r>
+              <a:rPr sz="900" spc="-15" dirty="0">
+                <a:latin typeface="Arial"/>
+                <a:cs typeface="Arial"/>
+              </a:rPr>
+              <a:t> </a:t>
+            </a:r>
+            <a:r>
+              <a:rPr sz="900" dirty="0">
+                <a:latin typeface="Arial"/>
+                <a:cs typeface="Arial"/>
+              </a:rPr>
+              <a:t>float</a:t>
+            </a:r>
+            <a:r>
+              <a:rPr sz="900" spc="-10" dirty="0">
+                <a:latin typeface="Arial"/>
+                <a:cs typeface="Arial"/>
+              </a:rPr>
+              <a:t> </a:t>
+            </a:r>
+            <a:r>
+              <a:rPr sz="900" dirty="0">
+                <a:latin typeface="Arial"/>
+                <a:cs typeface="Arial"/>
+              </a:rPr>
+              <a:t>(cents/</a:t>
+            </a:r>
+            <a:r>
+              <a:rPr sz="900" spc="-10" dirty="0">
+                <a:latin typeface="Arial"/>
+                <a:cs typeface="Arial"/>
+              </a:rPr>
+              <a:t> </a:t>
+            </a:r>
+            <a:r>
+              <a:rPr sz="900" spc="-25" dirty="0">
+                <a:latin typeface="Arial"/>
+                <a:cs typeface="Arial"/>
+              </a:rPr>
+              <a:t>hr)</a:t>
+            </a:r>
+            <a:endParaRPr sz="900" dirty="0">
+              <a:latin typeface="Arial"/>
+              <a:cs typeface="Arial"/>
+            </a:endParaRPr>
+          </a:p>
+          <a:p>
+            <a:pPr>
+              <a:lnSpc>
+                <a:spcPct val="100000"/>
+              </a:lnSpc>
+            </a:pPr>
+            <a:r>
+              <a:rPr sz="900" dirty="0">
+                <a:latin typeface="Arial"/>
+                <a:cs typeface="Arial"/>
+              </a:rPr>
+              <a:t>#</a:t>
+            </a:r>
+            <a:r>
+              <a:rPr sz="900" spc="-10" dirty="0">
+                <a:latin typeface="Arial"/>
+                <a:cs typeface="Arial"/>
+              </a:rPr>
+              <a:t> </a:t>
+            </a:r>
+            <a:r>
+              <a:rPr sz="900" dirty="0">
+                <a:latin typeface="Arial"/>
+                <a:cs typeface="Arial"/>
+              </a:rPr>
+              <a:t>float</a:t>
+            </a:r>
+            <a:r>
+              <a:rPr sz="900" spc="-10" dirty="0">
+                <a:latin typeface="Arial"/>
+                <a:cs typeface="Arial"/>
+              </a:rPr>
+              <a:t> </a:t>
+            </a:r>
+            <a:r>
+              <a:rPr sz="900" spc="-20" dirty="0">
+                <a:latin typeface="Arial"/>
+                <a:cs typeface="Arial"/>
+              </a:rPr>
+              <a:t>(kW)</a:t>
+            </a:r>
+            <a:endParaRPr lang="en-US" sz="900" spc="-20" dirty="0">
+              <a:latin typeface="Arial"/>
+              <a:cs typeface="Arial"/>
+            </a:endParaRPr>
+          </a:p>
+          <a:p>
+            <a:pPr>
+              <a:lnSpc>
+                <a:spcPct val="100000"/>
+              </a:lnSpc>
+            </a:pPr>
+            <a:r>
+              <a:rPr lang="en-GB" sz="900" spc="-20" dirty="0"/>
+              <a:t># </a:t>
+            </a:r>
+            <a:r>
+              <a:rPr lang="en-GB" sz="900" spc="-20" dirty="0" err="1"/>
+              <a:t>dict</a:t>
+            </a:r>
+            <a:endParaRPr sz="900" dirty="0">
+              <a:latin typeface="Arial"/>
+              <a:cs typeface="Arial"/>
+            </a:endParaRPr>
+          </a:p>
+        </p:txBody>
+      </p:sp>
+      <p:grpSp>
+        <p:nvGrpSpPr>
+          <p:cNvPr id="26" name="object 26"/>
+          <p:cNvGrpSpPr/>
+          <p:nvPr/>
+        </p:nvGrpSpPr>
+        <p:grpSpPr>
+          <a:xfrm>
+            <a:off x="5832683" y="4460744"/>
+            <a:ext cx="3192780" cy="495431"/>
+            <a:chOff x="5832683" y="4460744"/>
+            <a:chExt cx="3192780" cy="596900"/>
+          </a:xfrm>
+        </p:grpSpPr>
+        <p:sp>
+          <p:nvSpPr>
+            <p:cNvPr id="27" name="object 27"/>
+            <p:cNvSpPr/>
+            <p:nvPr/>
+          </p:nvSpPr>
+          <p:spPr>
+            <a:xfrm>
+              <a:off x="5837445" y="4465506"/>
+              <a:ext cx="3183255" cy="587375"/>
+            </a:xfrm>
+            <a:custGeom>
+              <a:avLst/>
+              <a:gdLst/>
+              <a:ahLst/>
+              <a:cxnLst/>
+              <a:rect l="l" t="t" r="r" b="b"/>
+              <a:pathLst>
+                <a:path w="3183254" h="587375">
+                  <a:moveTo>
+                    <a:pt x="3182880" y="0"/>
+                  </a:moveTo>
+                  <a:lnTo>
+                    <a:pt x="0" y="0"/>
+                  </a:lnTo>
+                  <a:lnTo>
+                    <a:pt x="0" y="587112"/>
+                  </a:lnTo>
+                  <a:lnTo>
+                    <a:pt x="3182880" y="587112"/>
+                  </a:lnTo>
+                  <a:lnTo>
+                    <a:pt x="3182880" y="0"/>
+                  </a:lnTo>
+                  <a:close/>
+                </a:path>
+              </a:pathLst>
+            </a:custGeom>
+            <a:solidFill>
+              <a:srgbClr val="FFC000"/>
+            </a:solidFill>
+          </p:spPr>
+          <p:txBody>
+            <a:bodyPr wrap="square" lIns="0" tIns="0" rIns="0" bIns="0" rtlCol="0"/>
+            <a:lstStyle/>
+            <a:p>
+              <a:endParaRPr dirty="0"/>
+            </a:p>
+          </p:txBody>
+        </p:sp>
+        <p:sp>
+          <p:nvSpPr>
+            <p:cNvPr id="28" name="object 28"/>
+            <p:cNvSpPr/>
+            <p:nvPr/>
+          </p:nvSpPr>
+          <p:spPr>
+            <a:xfrm>
+              <a:off x="5837445" y="4465506"/>
+              <a:ext cx="3183255" cy="587375"/>
+            </a:xfrm>
+            <a:custGeom>
+              <a:avLst/>
+              <a:gdLst/>
+              <a:ahLst/>
+              <a:cxnLst/>
+              <a:rect l="l" t="t" r="r" b="b"/>
+              <a:pathLst>
+                <a:path w="3183254" h="587375">
+                  <a:moveTo>
+                    <a:pt x="0" y="0"/>
+                  </a:moveTo>
+                  <a:lnTo>
+                    <a:pt x="3182880" y="0"/>
+                  </a:lnTo>
+                  <a:lnTo>
+                    <a:pt x="3182880" y="587113"/>
+                  </a:lnTo>
+                  <a:lnTo>
+                    <a:pt x="0" y="587113"/>
+                  </a:lnTo>
+                  <a:lnTo>
+                    <a:pt x="0" y="0"/>
+                  </a:lnTo>
+                  <a:close/>
+                </a:path>
+              </a:pathLst>
+            </a:custGeom>
+            <a:ln w="9525">
+              <a:solidFill>
+                <a:srgbClr val="FF0000"/>
+              </a:solidFill>
+            </a:ln>
+          </p:spPr>
+          <p:txBody>
+            <a:bodyPr wrap="square" lIns="0" tIns="0" rIns="0" bIns="0" rtlCol="0"/>
+            <a:lstStyle/>
+            <a:p>
+              <a:endParaRPr/>
+            </a:p>
+          </p:txBody>
+        </p:sp>
+      </p:grpSp>
+      <p:sp>
+        <p:nvSpPr>
+          <p:cNvPr id="29" name="object 29"/>
+          <p:cNvSpPr txBox="1"/>
+          <p:nvPr/>
+        </p:nvSpPr>
+        <p:spPr>
+          <a:xfrm>
+            <a:off x="5916170" y="4543283"/>
+            <a:ext cx="2800350" cy="288541"/>
+          </a:xfrm>
+          <a:prstGeom prst="rect">
+            <a:avLst/>
+          </a:prstGeom>
+        </p:spPr>
+        <p:txBody>
+          <a:bodyPr vert="horz" wrap="square" lIns="0" tIns="8890" rIns="0" bIns="0" rtlCol="0">
+            <a:spAutoFit/>
+          </a:bodyPr>
+          <a:lstStyle/>
+          <a:p>
+            <a:pPr marL="12700">
+              <a:lnSpc>
+                <a:spcPct val="100000"/>
+              </a:lnSpc>
+              <a:spcBef>
+                <a:spcPts val="70"/>
+              </a:spcBef>
+            </a:pPr>
+            <a:r>
+              <a:rPr sz="900" dirty="0">
+                <a:latin typeface="Lucida Sans"/>
+                <a:cs typeface="Lucida Sans"/>
+              </a:rPr>
+              <a:t>1.</a:t>
+            </a:r>
+            <a:r>
+              <a:rPr sz="900" spc="165" dirty="0">
+                <a:latin typeface="Lucida Sans"/>
+                <a:cs typeface="Lucida Sans"/>
+              </a:rPr>
+              <a:t>  </a:t>
+            </a:r>
+            <a:r>
+              <a:rPr sz="900" dirty="0">
+                <a:latin typeface="Lucida Sans"/>
+                <a:cs typeface="Lucida Sans"/>
+              </a:rPr>
+              <a:t>Can</a:t>
+            </a:r>
+            <a:r>
+              <a:rPr sz="900" spc="5" dirty="0">
+                <a:latin typeface="Lucida Sans"/>
+                <a:cs typeface="Lucida Sans"/>
+              </a:rPr>
+              <a:t> </a:t>
+            </a:r>
+            <a:r>
+              <a:rPr sz="900" dirty="0">
+                <a:latin typeface="Lucida Sans"/>
+                <a:cs typeface="Lucida Sans"/>
+              </a:rPr>
+              <a:t>be</a:t>
+            </a:r>
+            <a:r>
+              <a:rPr sz="900" spc="-10" dirty="0">
+                <a:latin typeface="Lucida Sans"/>
+                <a:cs typeface="Lucida Sans"/>
+              </a:rPr>
+              <a:t> </a:t>
+            </a:r>
+            <a:r>
+              <a:rPr sz="900" dirty="0">
+                <a:latin typeface="Lucida Sans"/>
+                <a:cs typeface="Lucida Sans"/>
+              </a:rPr>
+              <a:t>replaced</a:t>
+            </a:r>
+            <a:r>
+              <a:rPr sz="900" spc="-15" dirty="0">
+                <a:latin typeface="Lucida Sans"/>
+                <a:cs typeface="Lucida Sans"/>
+              </a:rPr>
+              <a:t> </a:t>
+            </a:r>
+            <a:r>
+              <a:rPr sz="900" dirty="0">
+                <a:latin typeface="Lucida Sans"/>
+                <a:cs typeface="Lucida Sans"/>
+              </a:rPr>
+              <a:t>with other</a:t>
+            </a:r>
+            <a:r>
+              <a:rPr sz="900" spc="-15" dirty="0">
+                <a:latin typeface="Lucida Sans"/>
+                <a:cs typeface="Lucida Sans"/>
+              </a:rPr>
+              <a:t> </a:t>
+            </a:r>
+            <a:r>
+              <a:rPr sz="900" dirty="0">
+                <a:latin typeface="Lucida Sans"/>
+                <a:cs typeface="Lucida Sans"/>
+              </a:rPr>
+              <a:t>behavioral</a:t>
+            </a:r>
+            <a:r>
+              <a:rPr sz="900" spc="-5" dirty="0">
+                <a:latin typeface="Lucida Sans"/>
+                <a:cs typeface="Lucida Sans"/>
+              </a:rPr>
+              <a:t> </a:t>
+            </a:r>
+            <a:r>
+              <a:rPr sz="900" spc="-10" dirty="0">
+                <a:latin typeface="Lucida Sans"/>
+                <a:cs typeface="Lucida Sans"/>
+              </a:rPr>
+              <a:t>models</a:t>
+            </a:r>
+            <a:endParaRPr sz="900" dirty="0">
+              <a:latin typeface="Lucida Sans"/>
+              <a:cs typeface="Lucida Sans"/>
+            </a:endParaRPr>
+          </a:p>
+          <a:p>
+            <a:pPr marL="241300" marR="149860" indent="-228600">
+              <a:lnSpc>
+                <a:spcPts val="1010"/>
+              </a:lnSpc>
+              <a:spcBef>
+                <a:spcPts val="114"/>
+              </a:spcBef>
+            </a:pPr>
+            <a:r>
+              <a:rPr sz="900" dirty="0">
+                <a:latin typeface="Lucida Sans"/>
+                <a:cs typeface="Lucida Sans"/>
+              </a:rPr>
+              <a:t>2.</a:t>
+            </a:r>
+            <a:r>
+              <a:rPr sz="900" spc="170" dirty="0">
+                <a:latin typeface="Lucida Sans"/>
+                <a:cs typeface="Lucida Sans"/>
+              </a:rPr>
+              <a:t>  </a:t>
+            </a:r>
+            <a:r>
+              <a:rPr sz="900" dirty="0">
+                <a:latin typeface="Lucida Sans"/>
+                <a:cs typeface="Lucida Sans"/>
+              </a:rPr>
+              <a:t>Supports multiple</a:t>
+            </a:r>
+            <a:r>
+              <a:rPr sz="900" spc="-10" dirty="0">
+                <a:latin typeface="Lucida Sans"/>
+                <a:cs typeface="Lucida Sans"/>
+              </a:rPr>
+              <a:t> </a:t>
+            </a:r>
+            <a:r>
+              <a:rPr sz="900" dirty="0">
+                <a:latin typeface="Lucida Sans"/>
+                <a:cs typeface="Lucida Sans"/>
+              </a:rPr>
+              <a:t>user</a:t>
+            </a:r>
+            <a:r>
+              <a:rPr sz="900" spc="-10" dirty="0">
+                <a:latin typeface="Lucida Sans"/>
+                <a:cs typeface="Lucida Sans"/>
+              </a:rPr>
+              <a:t> </a:t>
+            </a:r>
+            <a:r>
+              <a:rPr sz="900" dirty="0">
+                <a:latin typeface="Lucida Sans"/>
+                <a:cs typeface="Lucida Sans"/>
+              </a:rPr>
+              <a:t>segments</a:t>
+            </a:r>
+            <a:r>
+              <a:rPr lang="en-US" sz="900" dirty="0">
+                <a:latin typeface="Lucida Sans"/>
+                <a:cs typeface="Lucida Sans"/>
+              </a:rPr>
+              <a:t>.</a:t>
+            </a:r>
+            <a:endParaRPr sz="900" dirty="0">
+              <a:latin typeface="Lucida Sans"/>
+              <a:cs typeface="Lucida Sans"/>
+            </a:endParaRPr>
+          </a:p>
+        </p:txBody>
+      </p:sp>
+      <p:sp>
+        <p:nvSpPr>
+          <p:cNvPr id="32" name="Google Shape;137;p22">
+            <a:extLst>
+              <a:ext uri="{FF2B5EF4-FFF2-40B4-BE49-F238E27FC236}">
+                <a16:creationId xmlns:a16="http://schemas.microsoft.com/office/drawing/2014/main" id="{9BDC8917-CE29-00C6-1AFA-3356B1565F43}"/>
+              </a:ext>
+            </a:extLst>
+          </p:cNvPr>
+          <p:cNvSpPr txBox="1">
+            <a:spLocks/>
+          </p:cNvSpPr>
+          <p:nvPr/>
+        </p:nvSpPr>
+        <p:spPr>
+          <a:xfrm>
+            <a:off x="311700" y="128000"/>
+            <a:ext cx="8520600" cy="1016700"/>
+          </a:xfrm>
+          <a:prstGeom prst="rect">
+            <a:avLst/>
+          </a:prstGeom>
+          <a:noFill/>
+          <a:ln>
+            <a:noFill/>
+          </a:ln>
+        </p:spPr>
+        <p:txBody>
+          <a:bodyPr spcFirstLastPara="1" wrap="square" lIns="91425" tIns="91425" rIns="91425" bIns="91425" anchor="t" anchorCtr="0">
+            <a:noAutofit/>
+          </a:bodyPr>
+          <a:lstStyle>
+            <a:defPPr marR="0" lvl="0" algn="l" rtl="0">
+              <a:lnSpc>
+                <a:spcPct val="100000"/>
+              </a:lnSpc>
+              <a:spcBef>
+                <a:spcPts val="0"/>
+              </a:spcBef>
+              <a:spcAft>
+                <a:spcPts val="0"/>
+              </a:spcAft>
+            </a:defPPr>
+            <a:lvl1pPr marR="0" lvl="0" algn="l" rtl="0">
+              <a:lnSpc>
+                <a:spcPct val="100000"/>
+              </a:lnSpc>
+              <a:spcBef>
+                <a:spcPts val="0"/>
+              </a:spcBef>
+              <a:spcAft>
+                <a:spcPts val="0"/>
+              </a:spcAft>
+              <a:buClr>
+                <a:schemeClr val="dk1"/>
+              </a:buClr>
+              <a:buSzPts val="2800"/>
+              <a:buFont typeface="Georgia"/>
+              <a:buNone/>
+              <a:defRPr sz="2800" b="1" i="0" u="none" strike="noStrike" cap="none">
+                <a:solidFill>
+                  <a:schemeClr val="tx1"/>
+                </a:solidFill>
+                <a:latin typeface="Georgia"/>
+                <a:ea typeface="Georgia"/>
+                <a:cs typeface="Georgia"/>
+                <a:sym typeface="Georgia"/>
+              </a:defRPr>
+            </a:lvl1pPr>
+            <a:lvl2pPr marR="0" lvl="1" algn="l" rtl="0">
+              <a:lnSpc>
+                <a:spcPct val="100000"/>
+              </a:lnSpc>
+              <a:spcBef>
+                <a:spcPts val="0"/>
+              </a:spcBef>
+              <a:spcAft>
+                <a:spcPts val="0"/>
+              </a:spcAft>
+              <a:buClr>
+                <a:schemeClr val="dk1"/>
+              </a:buClr>
+              <a:buSzPts val="2800"/>
+              <a:buFont typeface="Georgia"/>
+              <a:buNone/>
+              <a:defRPr sz="2800" b="0" i="0" u="none" strike="noStrike" cap="none">
+                <a:solidFill>
+                  <a:schemeClr val="dk1"/>
+                </a:solidFill>
+                <a:latin typeface="Georgia"/>
+                <a:ea typeface="Georgia"/>
+                <a:cs typeface="Georgia"/>
+                <a:sym typeface="Georgia"/>
+              </a:defRPr>
+            </a:lvl2pPr>
+            <a:lvl3pPr marR="0" lvl="2" algn="l" rtl="0">
+              <a:lnSpc>
+                <a:spcPct val="100000"/>
+              </a:lnSpc>
+              <a:spcBef>
+                <a:spcPts val="0"/>
+              </a:spcBef>
+              <a:spcAft>
+                <a:spcPts val="0"/>
+              </a:spcAft>
+              <a:buClr>
+                <a:schemeClr val="dk1"/>
+              </a:buClr>
+              <a:buSzPts val="2800"/>
+              <a:buFont typeface="Georgia"/>
+              <a:buNone/>
+              <a:defRPr sz="2800" b="0" i="0" u="none" strike="noStrike" cap="none">
+                <a:solidFill>
+                  <a:schemeClr val="dk1"/>
+                </a:solidFill>
+                <a:latin typeface="Georgia"/>
+                <a:ea typeface="Georgia"/>
+                <a:cs typeface="Georgia"/>
+                <a:sym typeface="Georgia"/>
+              </a:defRPr>
+            </a:lvl3pPr>
+            <a:lvl4pPr marR="0" lvl="3" algn="l" rtl="0">
+              <a:lnSpc>
+                <a:spcPct val="100000"/>
+              </a:lnSpc>
+              <a:spcBef>
+                <a:spcPts val="0"/>
+              </a:spcBef>
+              <a:spcAft>
+                <a:spcPts val="0"/>
+              </a:spcAft>
+              <a:buClr>
+                <a:schemeClr val="dk1"/>
+              </a:buClr>
+              <a:buSzPts val="2800"/>
+              <a:buFont typeface="Georgia"/>
+              <a:buNone/>
+              <a:defRPr sz="2800" b="0" i="0" u="none" strike="noStrike" cap="none">
+                <a:solidFill>
+                  <a:schemeClr val="dk1"/>
+                </a:solidFill>
+                <a:latin typeface="Georgia"/>
+                <a:ea typeface="Georgia"/>
+                <a:cs typeface="Georgia"/>
+                <a:sym typeface="Georgia"/>
+              </a:defRPr>
+            </a:lvl4pPr>
+            <a:lvl5pPr marR="0" lvl="4" algn="l" rtl="0">
+              <a:lnSpc>
+                <a:spcPct val="100000"/>
+              </a:lnSpc>
+              <a:spcBef>
+                <a:spcPts val="0"/>
+              </a:spcBef>
+              <a:spcAft>
+                <a:spcPts val="0"/>
+              </a:spcAft>
+              <a:buClr>
+                <a:schemeClr val="dk1"/>
+              </a:buClr>
+              <a:buSzPts val="2800"/>
+              <a:buFont typeface="Georgia"/>
+              <a:buNone/>
+              <a:defRPr sz="2800" b="0" i="0" u="none" strike="noStrike" cap="none">
+                <a:solidFill>
+                  <a:schemeClr val="dk1"/>
+                </a:solidFill>
+                <a:latin typeface="Georgia"/>
+                <a:ea typeface="Georgia"/>
+                <a:cs typeface="Georgia"/>
+                <a:sym typeface="Georgia"/>
+              </a:defRPr>
+            </a:lvl5pPr>
+            <a:lvl6pPr marR="0" lvl="5" algn="l" rtl="0">
+              <a:lnSpc>
+                <a:spcPct val="100000"/>
+              </a:lnSpc>
+              <a:spcBef>
+                <a:spcPts val="0"/>
+              </a:spcBef>
+              <a:spcAft>
+                <a:spcPts val="0"/>
+              </a:spcAft>
+              <a:buClr>
+                <a:schemeClr val="dk1"/>
+              </a:buClr>
+              <a:buSzPts val="2800"/>
+              <a:buFont typeface="Georgia"/>
+              <a:buNone/>
+              <a:defRPr sz="2800" b="0" i="0" u="none" strike="noStrike" cap="none">
+                <a:solidFill>
+                  <a:schemeClr val="dk1"/>
+                </a:solidFill>
+                <a:latin typeface="Georgia"/>
+                <a:ea typeface="Georgia"/>
+                <a:cs typeface="Georgia"/>
+                <a:sym typeface="Georgia"/>
+              </a:defRPr>
+            </a:lvl6pPr>
+            <a:lvl7pPr marR="0" lvl="6" algn="l" rtl="0">
+              <a:lnSpc>
+                <a:spcPct val="100000"/>
+              </a:lnSpc>
+              <a:spcBef>
+                <a:spcPts val="0"/>
+              </a:spcBef>
+              <a:spcAft>
+                <a:spcPts val="0"/>
+              </a:spcAft>
+              <a:buClr>
+                <a:schemeClr val="dk1"/>
+              </a:buClr>
+              <a:buSzPts val="2800"/>
+              <a:buFont typeface="Georgia"/>
+              <a:buNone/>
+              <a:defRPr sz="2800" b="0" i="0" u="none" strike="noStrike" cap="none">
+                <a:solidFill>
+                  <a:schemeClr val="dk1"/>
+                </a:solidFill>
+                <a:latin typeface="Georgia"/>
+                <a:ea typeface="Georgia"/>
+                <a:cs typeface="Georgia"/>
+                <a:sym typeface="Georgia"/>
+              </a:defRPr>
+            </a:lvl7pPr>
+            <a:lvl8pPr marR="0" lvl="7" algn="l" rtl="0">
+              <a:lnSpc>
+                <a:spcPct val="100000"/>
+              </a:lnSpc>
+              <a:spcBef>
+                <a:spcPts val="0"/>
+              </a:spcBef>
+              <a:spcAft>
+                <a:spcPts val="0"/>
+              </a:spcAft>
+              <a:buClr>
+                <a:schemeClr val="dk1"/>
+              </a:buClr>
+              <a:buSzPts val="2800"/>
+              <a:buFont typeface="Georgia"/>
+              <a:buNone/>
+              <a:defRPr sz="2800" b="0" i="0" u="none" strike="noStrike" cap="none">
+                <a:solidFill>
+                  <a:schemeClr val="dk1"/>
+                </a:solidFill>
+                <a:latin typeface="Georgia"/>
+                <a:ea typeface="Georgia"/>
+                <a:cs typeface="Georgia"/>
+                <a:sym typeface="Georgia"/>
+              </a:defRPr>
+            </a:lvl8pPr>
+            <a:lvl9pPr marR="0" lvl="8" algn="l" rtl="0">
+              <a:lnSpc>
+                <a:spcPct val="100000"/>
+              </a:lnSpc>
+              <a:spcBef>
+                <a:spcPts val="0"/>
+              </a:spcBef>
+              <a:spcAft>
+                <a:spcPts val="0"/>
+              </a:spcAft>
+              <a:buClr>
+                <a:schemeClr val="dk1"/>
+              </a:buClr>
+              <a:buSzPts val="2800"/>
+              <a:buFont typeface="Georgia"/>
+              <a:buNone/>
+              <a:defRPr sz="2800" b="0" i="0" u="none" strike="noStrike" cap="none">
+                <a:solidFill>
+                  <a:schemeClr val="dk1"/>
+                </a:solidFill>
+                <a:latin typeface="Georgia"/>
+                <a:ea typeface="Georgia"/>
+                <a:cs typeface="Georgia"/>
+                <a:sym typeface="Georgia"/>
+              </a:defRPr>
+            </a:lvl9pPr>
+          </a:lstStyle>
+          <a:p>
+            <a:pPr>
+              <a:buSzPts val="1100"/>
+              <a:buFont typeface="Arial"/>
+              <a:buNone/>
+            </a:pPr>
+            <a:r>
+              <a:rPr lang="en-US" altLang="zh-CN" dirty="0"/>
+              <a:t>Interface(Data Types)</a:t>
+            </a:r>
+            <a:endParaRPr lang="en-US" dirty="0"/>
+          </a:p>
+        </p:txBody>
+      </p:sp>
+    </p:spTree>
+  </p:cSld>
+  <p:clrMapOvr>
+    <a:masterClrMapping/>
+  </p:clrMapOvr>
+</p:sld>
+</file>
+
 <file path=ppt/theme/theme1.xml><?xml version="1.0" encoding="utf-8"?>
 <a:theme xmlns:a="http://schemas.openxmlformats.org/drawingml/2006/main" name="BrandSlideShow_Heritage 16:9">
   <a:themeElements>
